--- a/数据存取模型.pptx
+++ b/数据存取模型.pptx
@@ -5,7 +5,7 @@
     <p:sldMasterId id="2147483648" r:id="rId1"/>
   </p:sldMasterIdLst>
   <p:notesMasterIdLst>
-    <p:notesMasterId r:id="rId53"/>
+    <p:notesMasterId r:id="rId57"/>
   </p:notesMasterIdLst>
   <p:sldIdLst>
     <p:sldId id="256" r:id="rId2"/>
@@ -40,25 +40,29 @@
     <p:sldId id="302" r:id="rId31"/>
     <p:sldId id="303" r:id="rId32"/>
     <p:sldId id="306" r:id="rId33"/>
-    <p:sldId id="304" r:id="rId34"/>
-    <p:sldId id="305" r:id="rId35"/>
-    <p:sldId id="307" r:id="rId36"/>
-    <p:sldId id="269" r:id="rId37"/>
-    <p:sldId id="258" r:id="rId38"/>
-    <p:sldId id="259" r:id="rId39"/>
-    <p:sldId id="260" r:id="rId40"/>
-    <p:sldId id="264" r:id="rId41"/>
-    <p:sldId id="261" r:id="rId42"/>
-    <p:sldId id="263" r:id="rId43"/>
-    <p:sldId id="268" r:id="rId44"/>
-    <p:sldId id="267" r:id="rId45"/>
-    <p:sldId id="265" r:id="rId46"/>
-    <p:sldId id="257" r:id="rId47"/>
-    <p:sldId id="273" r:id="rId48"/>
-    <p:sldId id="272" r:id="rId49"/>
-    <p:sldId id="274" r:id="rId50"/>
-    <p:sldId id="275" r:id="rId51"/>
-    <p:sldId id="271" r:id="rId52"/>
+    <p:sldId id="310" r:id="rId34"/>
+    <p:sldId id="311" r:id="rId35"/>
+    <p:sldId id="304" r:id="rId36"/>
+    <p:sldId id="305" r:id="rId37"/>
+    <p:sldId id="308" r:id="rId38"/>
+    <p:sldId id="307" r:id="rId39"/>
+    <p:sldId id="309" r:id="rId40"/>
+    <p:sldId id="269" r:id="rId41"/>
+    <p:sldId id="258" r:id="rId42"/>
+    <p:sldId id="259" r:id="rId43"/>
+    <p:sldId id="260" r:id="rId44"/>
+    <p:sldId id="264" r:id="rId45"/>
+    <p:sldId id="261" r:id="rId46"/>
+    <p:sldId id="263" r:id="rId47"/>
+    <p:sldId id="268" r:id="rId48"/>
+    <p:sldId id="267" r:id="rId49"/>
+    <p:sldId id="265" r:id="rId50"/>
+    <p:sldId id="257" r:id="rId51"/>
+    <p:sldId id="273" r:id="rId52"/>
+    <p:sldId id="272" r:id="rId53"/>
+    <p:sldId id="274" r:id="rId54"/>
+    <p:sldId id="275" r:id="rId55"/>
+    <p:sldId id="271" r:id="rId56"/>
   </p:sldIdLst>
   <p:sldSz cx="9144000" cy="6858000" type="screen4x3"/>
   <p:notesSz cx="6858000" cy="9144000"/>
@@ -242,7 +246,7 @@
           <a:p>
             <a:fld id="{391FB7C5-BAD5-4A8E-A638-CD9490F15158}" type="datetimeFigureOut">
               <a:rPr lang="zh-CN" altLang="en-US" smtClean="0"/>
-              <a:t>2017-05-04</a:t>
+              <a:t>2017-05-05</a:t>
             </a:fld>
             <a:endParaRPr lang="zh-CN" altLang="en-US"/>
           </a:p>
@@ -904,7 +908,7 @@
           <a:p>
             <a:fld id="{B3C1B4BF-54A8-4AD9-A7C6-8274C6439C54}" type="slidenum">
               <a:rPr lang="zh-CN" altLang="en-US" smtClean="0"/>
-              <a:t>44</a:t>
+              <a:t>48</a:t>
             </a:fld>
             <a:endParaRPr lang="zh-CN" altLang="en-US"/>
           </a:p>
@@ -1595,7 +1599,7 @@
           <a:p>
             <a:fld id="{B3C1B4BF-54A8-4AD9-A7C6-8274C6439C54}" type="slidenum">
               <a:rPr lang="zh-CN" altLang="en-US" smtClean="0"/>
-              <a:t>45</a:t>
+              <a:t>49</a:t>
             </a:fld>
             <a:endParaRPr lang="zh-CN" altLang="en-US"/>
           </a:p>
@@ -3171,7 +3175,7 @@
           <a:p>
             <a:fld id="{B3C1B4BF-54A8-4AD9-A7C6-8274C6439C54}" type="slidenum">
               <a:rPr lang="zh-CN" altLang="en-US" smtClean="0"/>
-              <a:t>33</a:t>
+              <a:t>35</a:t>
             </a:fld>
             <a:endParaRPr lang="zh-CN" altLang="en-US"/>
           </a:p>
@@ -3402,7 +3406,7 @@
           <a:p>
             <a:fld id="{B3C1B4BF-54A8-4AD9-A7C6-8274C6439C54}" type="slidenum">
               <a:rPr lang="zh-CN" altLang="en-US" smtClean="0"/>
-              <a:t>35</a:t>
+              <a:t>38</a:t>
             </a:fld>
             <a:endParaRPr lang="zh-CN" altLang="en-US"/>
           </a:p>
@@ -4017,7 +4021,7 @@
           <a:p>
             <a:fld id="{B3C1B4BF-54A8-4AD9-A7C6-8274C6439C54}" type="slidenum">
               <a:rPr lang="zh-CN" altLang="en-US" smtClean="0"/>
-              <a:t>38</a:t>
+              <a:t>42</a:t>
             </a:fld>
             <a:endParaRPr lang="zh-CN" altLang="en-US"/>
           </a:p>
@@ -4217,7 +4221,7 @@
           <a:p>
             <a:fld id="{530820CF-B880-4189-942D-D702A7CBA730}" type="datetimeFigureOut">
               <a:rPr lang="zh-CN" altLang="en-US" smtClean="0"/>
-              <a:t>2017-05-04</a:t>
+              <a:t>2017-05-05</a:t>
             </a:fld>
             <a:endParaRPr lang="zh-CN" altLang="en-US"/>
           </a:p>
@@ -4382,7 +4386,7 @@
           <a:p>
             <a:fld id="{530820CF-B880-4189-942D-D702A7CBA730}" type="datetimeFigureOut">
               <a:rPr lang="zh-CN" altLang="en-US" smtClean="0"/>
-              <a:t>2017-05-04</a:t>
+              <a:t>2017-05-05</a:t>
             </a:fld>
             <a:endParaRPr lang="zh-CN" altLang="en-US"/>
           </a:p>
@@ -4557,7 +4561,7 @@
           <a:p>
             <a:fld id="{530820CF-B880-4189-942D-D702A7CBA730}" type="datetimeFigureOut">
               <a:rPr lang="zh-CN" altLang="en-US" smtClean="0"/>
-              <a:t>2017-05-04</a:t>
+              <a:t>2017-05-05</a:t>
             </a:fld>
             <a:endParaRPr lang="zh-CN" altLang="en-US"/>
           </a:p>
@@ -4722,7 +4726,7 @@
           <a:p>
             <a:fld id="{530820CF-B880-4189-942D-D702A7CBA730}" type="datetimeFigureOut">
               <a:rPr lang="zh-CN" altLang="en-US" smtClean="0"/>
-              <a:t>2017-05-04</a:t>
+              <a:t>2017-05-05</a:t>
             </a:fld>
             <a:endParaRPr lang="zh-CN" altLang="en-US"/>
           </a:p>
@@ -4963,7 +4967,7 @@
           <a:p>
             <a:fld id="{530820CF-B880-4189-942D-D702A7CBA730}" type="datetimeFigureOut">
               <a:rPr lang="zh-CN" altLang="en-US" smtClean="0"/>
-              <a:t>2017-05-04</a:t>
+              <a:t>2017-05-05</a:t>
             </a:fld>
             <a:endParaRPr lang="zh-CN" altLang="en-US"/>
           </a:p>
@@ -5246,7 +5250,7 @@
           <a:p>
             <a:fld id="{530820CF-B880-4189-942D-D702A7CBA730}" type="datetimeFigureOut">
               <a:rPr lang="zh-CN" altLang="en-US" smtClean="0"/>
-              <a:t>2017-05-04</a:t>
+              <a:t>2017-05-05</a:t>
             </a:fld>
             <a:endParaRPr lang="zh-CN" altLang="en-US"/>
           </a:p>
@@ -5663,7 +5667,7 @@
           <a:p>
             <a:fld id="{530820CF-B880-4189-942D-D702A7CBA730}" type="datetimeFigureOut">
               <a:rPr lang="zh-CN" altLang="en-US" smtClean="0"/>
-              <a:t>2017-05-04</a:t>
+              <a:t>2017-05-05</a:t>
             </a:fld>
             <a:endParaRPr lang="zh-CN" altLang="en-US"/>
           </a:p>
@@ -5776,7 +5780,7 @@
           <a:p>
             <a:fld id="{530820CF-B880-4189-942D-D702A7CBA730}" type="datetimeFigureOut">
               <a:rPr lang="zh-CN" altLang="en-US" smtClean="0"/>
-              <a:t>2017-05-04</a:t>
+              <a:t>2017-05-05</a:t>
             </a:fld>
             <a:endParaRPr lang="zh-CN" altLang="en-US"/>
           </a:p>
@@ -5866,7 +5870,7 @@
           <a:p>
             <a:fld id="{530820CF-B880-4189-942D-D702A7CBA730}" type="datetimeFigureOut">
               <a:rPr lang="zh-CN" altLang="en-US" smtClean="0"/>
-              <a:t>2017-05-04</a:t>
+              <a:t>2017-05-05</a:t>
             </a:fld>
             <a:endParaRPr lang="zh-CN" altLang="en-US"/>
           </a:p>
@@ -6138,7 +6142,7 @@
           <a:p>
             <a:fld id="{530820CF-B880-4189-942D-D702A7CBA730}" type="datetimeFigureOut">
               <a:rPr lang="zh-CN" altLang="en-US" smtClean="0"/>
-              <a:t>2017-05-04</a:t>
+              <a:t>2017-05-05</a:t>
             </a:fld>
             <a:endParaRPr lang="zh-CN" altLang="en-US"/>
           </a:p>
@@ -6386,7 +6390,7 @@
           <a:p>
             <a:fld id="{530820CF-B880-4189-942D-D702A7CBA730}" type="datetimeFigureOut">
               <a:rPr lang="zh-CN" altLang="en-US" smtClean="0"/>
-              <a:t>2017-05-04</a:t>
+              <a:t>2017-05-05</a:t>
             </a:fld>
             <a:endParaRPr lang="zh-CN" altLang="en-US"/>
           </a:p>
@@ -6594,7 +6598,7 @@
           <a:p>
             <a:fld id="{530820CF-B880-4189-942D-D702A7CBA730}" type="datetimeFigureOut">
               <a:rPr lang="zh-CN" altLang="en-US" smtClean="0"/>
-              <a:t>2017-05-04</a:t>
+              <a:t>2017-05-05</a:t>
             </a:fld>
             <a:endParaRPr lang="zh-CN" altLang="en-US"/>
           </a:p>
@@ -12629,7 +12633,7 @@
           <a:bodyPr/>
           <a:lstStyle/>
           <a:p>
-            <a:endParaRPr lang="zh-CN" altLang="en-US"/>
+            <a:endParaRPr lang="zh-CN" altLang="en-US" dirty="0"/>
           </a:p>
         </p:txBody>
       </p:sp>
@@ -12674,7 +12678,7 @@
       </p:sp>
       <p:pic>
         <p:nvPicPr>
-          <p:cNvPr id="1027" name="Picture 3"/>
+          <p:cNvPr id="1031" name="Picture 7" descr="https://www.cs.uic.edu/~jbell/CourseNotes/OperatingSystems/images/Chapter10/10_01_DiskMechanism.jpg"/>
           <p:cNvPicPr>
             <a:picLocks noChangeAspect="1" noChangeArrowheads="1"/>
           </p:cNvPicPr>
@@ -12695,57 +12699,73 @@
         </p:blipFill>
         <p:spPr bwMode="auto">
           <a:xfrm>
-            <a:off x="611560" y="3645024"/>
-            <a:ext cx="3886200" cy="3019425"/>
+            <a:off x="3131840" y="0"/>
+            <a:ext cx="5867400" cy="4305301"/>
           </a:xfrm>
           <a:prstGeom prst="rect">
             <a:avLst/>
           </a:prstGeom>
           <a:noFill/>
-          <a:ln>
-            <a:noFill/>
-          </a:ln>
-          <a:effectLst/>
           <a:extLst>
             <a:ext uri="{909E8E84-426E-40DD-AFC4-6F175D3DCCD1}">
               <a14:hiddenFill xmlns:a14="http://schemas.microsoft.com/office/drawing/2010/main">
                 <a:solidFill>
-                  <a:schemeClr val="accent1"/>
+                  <a:srgbClr val="FFFFFF"/>
                 </a:solidFill>
               </a14:hiddenFill>
-            </a:ext>
-            <a:ext uri="{91240B29-F687-4F45-9708-019B960494DF}">
-              <a14:hiddenLine xmlns:a14="http://schemas.microsoft.com/office/drawing/2010/main" w="9525">
-                <a:solidFill>
-                  <a:schemeClr val="tx1"/>
-                </a:solidFill>
-                <a:miter lim="800000"/>
-                <a:headEnd/>
-                <a:tailEnd/>
-              </a14:hiddenLine>
-            </a:ext>
-            <a:ext uri="{AF507438-7753-43E0-B8FC-AC1667EBCBE1}">
-              <a14:hiddenEffects xmlns:a14="http://schemas.microsoft.com/office/drawing/2010/main">
-                <a:effectLst>
-                  <a:outerShdw dist="35921" dir="2700000" algn="ctr" rotWithShape="0">
-                    <a:schemeClr val="bg2"/>
-                  </a:outerShdw>
-                </a:effectLst>
-              </a14:hiddenEffects>
             </a:ext>
           </a:extLst>
         </p:spPr>
       </p:pic>
+      <p:sp>
+        <p:nvSpPr>
+          <p:cNvPr id="5" name="AutoShape 2" descr="http://www.pcguide.com/ref/hdd/op/z_wdc_hdop.jpg"/>
+          <p:cNvSpPr>
+            <a:spLocks noChangeAspect="1" noChangeArrowheads="1"/>
+          </p:cNvSpPr>
+          <p:nvPr/>
+        </p:nvSpPr>
+        <p:spPr bwMode="auto">
+          <a:xfrm>
+            <a:off x="215900" y="15875"/>
+            <a:ext cx="304800" cy="304800"/>
+          </a:xfrm>
+          <a:prstGeom prst="rect">
+            <a:avLst/>
+          </a:prstGeom>
+          <a:noFill/>
+          <a:extLst>
+            <a:ext uri="{909E8E84-426E-40DD-AFC4-6F175D3DCCD1}">
+              <a14:hiddenFill xmlns:a14="http://schemas.microsoft.com/office/drawing/2010/main">
+                <a:solidFill>
+                  <a:srgbClr val="FFFFFF"/>
+                </a:solidFill>
+              </a14:hiddenFill>
+            </a:ext>
+          </a:extLst>
+        </p:spPr>
+        <p:txBody>
+          <a:bodyPr vert="horz" wrap="square" lIns="91440" tIns="45720" rIns="91440" bIns="45720" numCol="1" anchor="t" anchorCtr="0" compatLnSpc="1">
+            <a:prstTxWarp prst="textNoShape">
+              <a:avLst/>
+            </a:prstTxWarp>
+          </a:bodyPr>
+          <a:lstStyle/>
+          <a:p>
+            <a:endParaRPr lang="zh-CN" altLang="en-US"/>
+          </a:p>
+        </p:txBody>
+      </p:sp>
       <p:pic>
         <p:nvPicPr>
-          <p:cNvPr id="1029" name="Picture 5"/>
+          <p:cNvPr id="1028" name="Picture 4" descr="Laptop-hard-drive-exposed.jpg"/>
           <p:cNvPicPr>
             <a:picLocks noChangeAspect="1" noChangeArrowheads="1"/>
           </p:cNvPicPr>
           <p:nvPr/>
         </p:nvPicPr>
         <p:blipFill>
-          <a:blip r:embed="rId3">
+          <a:blip r:embed="rId3" cstate="print">
             <a:extLst>
               <a:ext uri="{28A0092B-C50C-407E-A947-70E740481C1C}">
                 <a14:useLocalDpi xmlns:a14="http://schemas.microsoft.com/office/drawing/2010/main" val="0"/>
@@ -12759,57 +12779,34 @@
         </p:blipFill>
         <p:spPr bwMode="auto">
           <a:xfrm>
-            <a:off x="4743756" y="3797423"/>
-            <a:ext cx="3981450" cy="2714625"/>
+            <a:off x="525740" y="4005064"/>
+            <a:ext cx="2985927" cy="2283768"/>
           </a:xfrm>
           <a:prstGeom prst="rect">
             <a:avLst/>
           </a:prstGeom>
           <a:noFill/>
-          <a:ln>
-            <a:noFill/>
-          </a:ln>
-          <a:effectLst/>
           <a:extLst>
             <a:ext uri="{909E8E84-426E-40DD-AFC4-6F175D3DCCD1}">
               <a14:hiddenFill xmlns:a14="http://schemas.microsoft.com/office/drawing/2010/main">
                 <a:solidFill>
-                  <a:schemeClr val="accent1"/>
+                  <a:srgbClr val="FFFFFF"/>
                 </a:solidFill>
               </a14:hiddenFill>
-            </a:ext>
-            <a:ext uri="{91240B29-F687-4F45-9708-019B960494DF}">
-              <a14:hiddenLine xmlns:a14="http://schemas.microsoft.com/office/drawing/2010/main" w="9525">
-                <a:solidFill>
-                  <a:schemeClr val="tx1"/>
-                </a:solidFill>
-                <a:miter lim="800000"/>
-                <a:headEnd/>
-                <a:tailEnd/>
-              </a14:hiddenLine>
-            </a:ext>
-            <a:ext uri="{AF507438-7753-43E0-B8FC-AC1667EBCBE1}">
-              <a14:hiddenEffects xmlns:a14="http://schemas.microsoft.com/office/drawing/2010/main">
-                <a:effectLst>
-                  <a:outerShdw dist="35921" dir="2700000" algn="ctr" rotWithShape="0">
-                    <a:schemeClr val="bg2"/>
-                  </a:outerShdw>
-                </a:effectLst>
-              </a14:hiddenEffects>
             </a:ext>
           </a:extLst>
         </p:spPr>
       </p:pic>
       <p:pic>
         <p:nvPicPr>
-          <p:cNvPr id="1031" name="Picture 7" descr="https://www.cs.uic.edu/~jbell/CourseNotes/OperatingSystems/images/Chapter10/10_01_DiskMechanism.jpg"/>
+          <p:cNvPr id="1030" name="Picture 6" descr="wd_raid_edition_hdd_inside"/>
           <p:cNvPicPr>
             <a:picLocks noChangeAspect="1" noChangeArrowheads="1"/>
           </p:cNvPicPr>
           <p:nvPr/>
         </p:nvPicPr>
         <p:blipFill>
-          <a:blip r:embed="rId4">
+          <a:blip r:embed="rId4" cstate="print">
             <a:extLst>
               <a:ext uri="{28A0092B-C50C-407E-A947-70E740481C1C}">
                 <a14:useLocalDpi xmlns:a14="http://schemas.microsoft.com/office/drawing/2010/main" val="0"/>
@@ -12823,8 +12820,8 @@
         </p:blipFill>
         <p:spPr bwMode="auto">
           <a:xfrm>
-            <a:off x="3276600" y="620688"/>
-            <a:ext cx="5867400" cy="4305301"/>
+            <a:off x="5580112" y="4316005"/>
+            <a:ext cx="3180487" cy="2329458"/>
           </a:xfrm>
           <a:prstGeom prst="rect">
             <a:avLst/>
@@ -13394,6 +13391,134 @@
           </p:txBody>
         </p:sp>
       </p:grpSp>
+      <p:pic>
+        <p:nvPicPr>
+          <p:cNvPr id="10" name="Picture 3"/>
+          <p:cNvPicPr>
+            <a:picLocks noChangeAspect="1" noChangeArrowheads="1"/>
+          </p:cNvPicPr>
+          <p:nvPr/>
+        </p:nvPicPr>
+        <p:blipFill>
+          <a:blip r:embed="rId4">
+            <a:extLst>
+              <a:ext uri="{28A0092B-C50C-407E-A947-70E740481C1C}">
+                <a14:useLocalDpi xmlns:a14="http://schemas.microsoft.com/office/drawing/2010/main" val="0"/>
+              </a:ext>
+            </a:extLst>
+          </a:blip>
+          <a:srcRect/>
+          <a:stretch>
+            <a:fillRect/>
+          </a:stretch>
+        </p:blipFill>
+        <p:spPr bwMode="auto">
+          <a:xfrm>
+            <a:off x="3779912" y="1556792"/>
+            <a:ext cx="3886200" cy="3019425"/>
+          </a:xfrm>
+          <a:prstGeom prst="rect">
+            <a:avLst/>
+          </a:prstGeom>
+          <a:noFill/>
+          <a:ln>
+            <a:noFill/>
+          </a:ln>
+          <a:effectLst/>
+          <a:extLst>
+            <a:ext uri="{909E8E84-426E-40DD-AFC4-6F175D3DCCD1}">
+              <a14:hiddenFill xmlns:a14="http://schemas.microsoft.com/office/drawing/2010/main">
+                <a:solidFill>
+                  <a:schemeClr val="accent1"/>
+                </a:solidFill>
+              </a14:hiddenFill>
+            </a:ext>
+            <a:ext uri="{91240B29-F687-4F45-9708-019B960494DF}">
+              <a14:hiddenLine xmlns:a14="http://schemas.microsoft.com/office/drawing/2010/main" w="9525">
+                <a:solidFill>
+                  <a:schemeClr val="tx1"/>
+                </a:solidFill>
+                <a:miter lim="800000"/>
+                <a:headEnd/>
+                <a:tailEnd/>
+              </a14:hiddenLine>
+            </a:ext>
+            <a:ext uri="{AF507438-7753-43E0-B8FC-AC1667EBCBE1}">
+              <a14:hiddenEffects xmlns:a14="http://schemas.microsoft.com/office/drawing/2010/main">
+                <a:effectLst>
+                  <a:outerShdw dist="35921" dir="2700000" algn="ctr" rotWithShape="0">
+                    <a:schemeClr val="bg2"/>
+                  </a:outerShdw>
+                </a:effectLst>
+              </a14:hiddenEffects>
+            </a:ext>
+          </a:extLst>
+        </p:spPr>
+      </p:pic>
+      <p:pic>
+        <p:nvPicPr>
+          <p:cNvPr id="11" name="Picture 5"/>
+          <p:cNvPicPr>
+            <a:picLocks noChangeAspect="1" noChangeArrowheads="1"/>
+          </p:cNvPicPr>
+          <p:nvPr/>
+        </p:nvPicPr>
+        <p:blipFill>
+          <a:blip r:embed="rId5">
+            <a:extLst>
+              <a:ext uri="{28A0092B-C50C-407E-A947-70E740481C1C}">
+                <a14:useLocalDpi xmlns:a14="http://schemas.microsoft.com/office/drawing/2010/main" val="0"/>
+              </a:ext>
+            </a:extLst>
+          </a:blip>
+          <a:srcRect/>
+          <a:stretch>
+            <a:fillRect/>
+          </a:stretch>
+        </p:blipFill>
+        <p:spPr bwMode="auto">
+          <a:xfrm>
+            <a:off x="4499992" y="4684018"/>
+            <a:ext cx="3981450" cy="2714625"/>
+          </a:xfrm>
+          <a:prstGeom prst="rect">
+            <a:avLst/>
+          </a:prstGeom>
+          <a:noFill/>
+          <a:ln>
+            <a:noFill/>
+          </a:ln>
+          <a:effectLst/>
+          <a:extLst>
+            <a:ext uri="{909E8E84-426E-40DD-AFC4-6F175D3DCCD1}">
+              <a14:hiddenFill xmlns:a14="http://schemas.microsoft.com/office/drawing/2010/main">
+                <a:solidFill>
+                  <a:schemeClr val="accent1"/>
+                </a:solidFill>
+              </a14:hiddenFill>
+            </a:ext>
+            <a:ext uri="{91240B29-F687-4F45-9708-019B960494DF}">
+              <a14:hiddenLine xmlns:a14="http://schemas.microsoft.com/office/drawing/2010/main" w="9525">
+                <a:solidFill>
+                  <a:schemeClr val="tx1"/>
+                </a:solidFill>
+                <a:miter lim="800000"/>
+                <a:headEnd/>
+                <a:tailEnd/>
+              </a14:hiddenLine>
+            </a:ext>
+            <a:ext uri="{AF507438-7753-43E0-B8FC-AC1667EBCBE1}">
+              <a14:hiddenEffects xmlns:a14="http://schemas.microsoft.com/office/drawing/2010/main">
+                <a:effectLst>
+                  <a:outerShdw dist="35921" dir="2700000" algn="ctr" rotWithShape="0">
+                    <a:schemeClr val="bg2"/>
+                  </a:outerShdw>
+                </a:effectLst>
+              </a14:hiddenEffects>
+            </a:ext>
+          </a:extLst>
+        </p:spPr>
+      </p:pic>
     </p:spTree>
     <p:extLst>
       <p:ext uri="{BB962C8B-B14F-4D97-AF65-F5344CB8AC3E}">
@@ -13752,7 +13877,17 @@
             <a:pPr lvl="1"/>
             <a:r>
               <a:rPr lang="en-US" altLang="zh-CN" dirty="0" smtClean="0"/>
-              <a:t>1024/16/256</a:t>
+              <a:t>E.g. 1024/16/256 </a:t>
+            </a:r>
+            <a:r>
+              <a:rPr lang="en-US" altLang="zh-CN" dirty="0" smtClean="0">
+                <a:sym typeface="Wingdings" panose="05000000000000000000" pitchFamily="2" charset="2"/>
+              </a:rPr>
+              <a:t></a:t>
+            </a:r>
+            <a:r>
+              <a:rPr lang="en-US" altLang="zh-CN" dirty="0" smtClean="0"/>
+              <a:t> 10/4/9bits</a:t>
             </a:r>
             <a:endParaRPr lang="zh-CN" altLang="en-US" dirty="0"/>
           </a:p>
@@ -13803,102 +13938,72 @@
           <a:bodyPr/>
           <a:lstStyle/>
           <a:p>
+            <a:endParaRPr lang="zh-CN" altLang="en-US"/>
+          </a:p>
+        </p:txBody>
+      </p:sp>
+      <p:sp>
+        <p:nvSpPr>
+          <p:cNvPr id="3" name="内容占位符 2"/>
+          <p:cNvSpPr>
+            <a:spLocks noGrp="1"/>
+          </p:cNvSpPr>
+          <p:nvPr>
+            <p:ph idx="1"/>
+          </p:nvPr>
+        </p:nvSpPr>
+        <p:spPr/>
+        <p:txBody>
+          <a:bodyPr/>
+          <a:lstStyle/>
+          <a:p>
             <a:r>
               <a:rPr lang="en-US" altLang="zh-CN" dirty="0" smtClean="0"/>
-              <a:t>Disk</a:t>
-            </a:r>
-            <a:r>
-              <a:rPr lang="zh-CN" altLang="en-US" dirty="0" smtClean="0"/>
-              <a:t>磁盘访问</a:t>
-            </a:r>
-            <a:endParaRPr lang="zh-CN" altLang="en-US" dirty="0"/>
-          </a:p>
-        </p:txBody>
-      </p:sp>
-      <p:sp>
-        <p:nvSpPr>
-          <p:cNvPr id="3" name="内容占位符 2"/>
-          <p:cNvSpPr>
-            <a:spLocks noGrp="1"/>
-          </p:cNvSpPr>
-          <p:nvPr>
-            <p:ph idx="1"/>
-          </p:nvPr>
-        </p:nvSpPr>
-        <p:spPr/>
-        <p:txBody>
-          <a:bodyPr>
-            <a:normAutofit/>
-          </a:bodyPr>
-          <a:lstStyle/>
-          <a:p>
-            <a:r>
-              <a:rPr lang="zh-CN" altLang="en-US" dirty="0"/>
-              <a:t>三维寻址空间（柱面号，磁头号，扇区号）</a:t>
+              <a:t>LBA(Logical Block Addressing)</a:t>
+            </a:r>
+          </a:p>
+          <a:p>
+            <a:pPr lvl="1"/>
+            <a:r>
+              <a:rPr lang="en-US" altLang="zh-CN" dirty="0" smtClean="0"/>
+              <a:t>Logical block number</a:t>
+            </a:r>
+          </a:p>
+          <a:p>
+            <a:pPr lvl="1"/>
+            <a:r>
+              <a:rPr lang="en-US" altLang="zh-CN" dirty="0" smtClean="0"/>
+              <a:t>HD controller maps it to physical CHS</a:t>
+            </a:r>
+          </a:p>
+          <a:p>
+            <a:pPr lvl="1"/>
+            <a:r>
+              <a:rPr lang="en-US" altLang="zh-CN" dirty="0" smtClean="0"/>
+              <a:t>0 -&gt; (0, 0, 1)</a:t>
+            </a:r>
+          </a:p>
+          <a:p>
+            <a:pPr lvl="1"/>
+            <a:r>
+              <a:rPr lang="en-US" altLang="zh-CN" dirty="0" smtClean="0"/>
+              <a:t>1 -&gt; (0, 0, 2)</a:t>
+            </a:r>
+          </a:p>
+          <a:p>
+            <a:pPr lvl="1"/>
+            <a:r>
+              <a:rPr lang="en-US" altLang="zh-CN" dirty="0" smtClean="0"/>
+              <a:t>File system format</a:t>
             </a:r>
             <a:endParaRPr lang="en-US" altLang="zh-CN" dirty="0"/>
-          </a:p>
-          <a:p>
-            <a:r>
-              <a:rPr lang="zh-CN" altLang="en-US" dirty="0" smtClean="0"/>
-              <a:t>一次访盘请求（读</a:t>
-            </a:r>
-            <a:r>
-              <a:rPr lang="en-US" altLang="zh-CN" dirty="0" smtClean="0"/>
-              <a:t>/</a:t>
-            </a:r>
-            <a:r>
-              <a:rPr lang="zh-CN" altLang="en-US" dirty="0" smtClean="0"/>
-              <a:t>写）完成过程由三个动作组成：</a:t>
-            </a:r>
-            <a:endParaRPr lang="en-US" altLang="zh-CN" dirty="0" smtClean="0"/>
-          </a:p>
-          <a:p>
-            <a:pPr lvl="1"/>
-            <a:r>
-              <a:rPr lang="en-US" altLang="zh-CN" dirty="0" smtClean="0"/>
-              <a:t>1</a:t>
-            </a:r>
-            <a:r>
-              <a:rPr lang="zh-CN" altLang="en-US" dirty="0"/>
-              <a:t>）寻道（时间）：磁头移动定位到指定</a:t>
-            </a:r>
-            <a:r>
-              <a:rPr lang="zh-CN" altLang="en-US" dirty="0" smtClean="0"/>
-              <a:t>磁道 </a:t>
-            </a:r>
-            <a:endParaRPr lang="en-US" altLang="zh-CN" dirty="0"/>
-          </a:p>
-          <a:p>
-            <a:pPr lvl="1"/>
-            <a:r>
-              <a:rPr lang="en-US" altLang="zh-CN" dirty="0" smtClean="0"/>
-              <a:t>2</a:t>
-            </a:r>
-            <a:r>
-              <a:rPr lang="zh-CN" altLang="en-US" dirty="0"/>
-              <a:t>）旋转延迟（时间）：等待指定扇区从磁头下旋转经过 </a:t>
-            </a:r>
-            <a:endParaRPr lang="en-US" altLang="zh-CN" dirty="0" smtClean="0"/>
-          </a:p>
-          <a:p>
-            <a:pPr lvl="1"/>
-            <a:r>
-              <a:rPr lang="en-US" altLang="zh-CN" dirty="0" smtClean="0"/>
-              <a:t>3</a:t>
-            </a:r>
-            <a:r>
-              <a:rPr lang="zh-CN" altLang="en-US" dirty="0"/>
-              <a:t>）数据传输（时间）：数据在磁盘与内存之间的实际传输</a:t>
-            </a:r>
-            <a:endParaRPr lang="en-US" altLang="zh-CN" sz="2800" dirty="0"/>
           </a:p>
         </p:txBody>
       </p:sp>
     </p:spTree>
     <p:extLst>
       <p:ext uri="{BB962C8B-B14F-4D97-AF65-F5344CB8AC3E}">
-        <p14:creationId xmlns:p14="http://schemas.microsoft.com/office/powerpoint/2010/main" val="1430556637"/>
+        <p14:creationId xmlns:p14="http://schemas.microsoft.com/office/powerpoint/2010/main" val="1158195647"/>
       </p:ext>
     </p:extLst>
   </p:cSld>
@@ -13941,8 +14046,8 @@
           <a:lstStyle/>
           <a:p>
             <a:r>
-              <a:rPr lang="zh-CN" altLang="en-US" b="1" dirty="0"/>
-              <a:t>磁盘的读写原理</a:t>
+              <a:rPr lang="en-US" altLang="zh-CN" dirty="0"/>
+              <a:t>Fragmentation</a:t>
             </a:r>
             <a:endParaRPr lang="zh-CN" altLang="en-US" dirty="0"/>
           </a:p>
@@ -13963,167 +14068,14 @@
           <a:bodyPr/>
           <a:lstStyle/>
           <a:p>
-            <a:r>
-              <a:rPr lang="zh-CN" altLang="en-US" dirty="0"/>
-              <a:t>系统</a:t>
-            </a:r>
-            <a:r>
-              <a:rPr lang="zh-CN" altLang="en-US" dirty="0" smtClean="0"/>
-              <a:t>将</a:t>
-            </a:r>
-            <a:r>
-              <a:rPr lang="zh-CN" altLang="en-US" dirty="0"/>
-              <a:t>数据</a:t>
-            </a:r>
-            <a:r>
-              <a:rPr lang="zh-CN" altLang="en-US" dirty="0" smtClean="0"/>
-              <a:t>存储</a:t>
-            </a:r>
-            <a:r>
-              <a:rPr lang="zh-CN" altLang="en-US" dirty="0"/>
-              <a:t>到磁盘上时，按柱面、磁头、扇区的方式进行，即最先是第</a:t>
-            </a:r>
-            <a:r>
-              <a:rPr lang="en-US" altLang="zh-CN" dirty="0"/>
-              <a:t>1</a:t>
-            </a:r>
-            <a:r>
-              <a:rPr lang="zh-CN" altLang="en-US" dirty="0"/>
-              <a:t>磁道的第一磁头下（也就是第</a:t>
-            </a:r>
-            <a:r>
-              <a:rPr lang="en-US" altLang="zh-CN" dirty="0"/>
-              <a:t>1</a:t>
-            </a:r>
-            <a:r>
-              <a:rPr lang="zh-CN" altLang="en-US" dirty="0"/>
-              <a:t>盘面的第一磁道）的所有扇区，然后，是同一柱面的下一磁头，</a:t>
-            </a:r>
-            <a:r>
-              <a:rPr lang="en-US" altLang="zh-CN" dirty="0"/>
-              <a:t>……</a:t>
-            </a:r>
-            <a:r>
-              <a:rPr lang="zh-CN" altLang="en-US" dirty="0"/>
-              <a:t>，一个柱面存储满后就推进到下一个柱面，直到把文件内容全部写入磁盘。</a:t>
-            </a:r>
-            <a:endParaRPr lang="zh-CN" altLang="en-US" dirty="0"/>
-          </a:p>
-        </p:txBody>
-      </p:sp>
-      <p:sp>
-        <p:nvSpPr>
-          <p:cNvPr id="4" name="矩形 3"/>
-          <p:cNvSpPr/>
-          <p:nvPr/>
-        </p:nvSpPr>
-        <p:spPr>
-          <a:xfrm>
-            <a:off x="1043608" y="4941168"/>
-            <a:ext cx="6768752" cy="646331"/>
-          </a:xfrm>
-          <a:prstGeom prst="rect">
-            <a:avLst/>
-          </a:prstGeom>
-        </p:spPr>
-        <p:txBody>
-          <a:bodyPr wrap="square">
-            <a:spAutoFit/>
-          </a:bodyPr>
-          <a:lstStyle/>
-          <a:p>
-            <a:r>
-              <a:rPr lang="zh-CN" altLang="en-US" b="1" dirty="0" smtClean="0"/>
-              <a:t>（柱面从</a:t>
-            </a:r>
-            <a:r>
-              <a:rPr lang="zh-CN" altLang="en-US" b="1" dirty="0"/>
-              <a:t>外到</a:t>
-            </a:r>
-            <a:r>
-              <a:rPr lang="zh-CN" altLang="en-US" b="1" dirty="0" smtClean="0"/>
-              <a:t>内，磁头</a:t>
-            </a:r>
-            <a:r>
-              <a:rPr lang="zh-CN" altLang="en-US" b="1" dirty="0"/>
-              <a:t>从上到下， </a:t>
-            </a:r>
-            <a:r>
-              <a:rPr lang="zh-CN" altLang="en-US" b="1" dirty="0" smtClean="0"/>
-              <a:t>扇区从小到大。</a:t>
-            </a:r>
-            <a:endParaRPr lang="en-US" altLang="zh-CN" b="1" dirty="0" smtClean="0"/>
-          </a:p>
-          <a:p>
-            <a:r>
-              <a:rPr lang="zh-CN" altLang="en-US" b="1" dirty="0" smtClean="0"/>
-              <a:t>数据</a:t>
-            </a:r>
-            <a:r>
-              <a:rPr lang="zh-CN" altLang="en-US" b="1" dirty="0"/>
-              <a:t>的读</a:t>
-            </a:r>
-            <a:r>
-              <a:rPr lang="en-US" altLang="zh-CN" b="1" dirty="0"/>
-              <a:t>/</a:t>
-            </a:r>
-            <a:r>
-              <a:rPr lang="zh-CN" altLang="en-US" b="1" dirty="0"/>
-              <a:t>写按柱面进行，而不按盘面进行，先）</a:t>
-            </a:r>
-            <a:endParaRPr lang="zh-CN" altLang="en-US" dirty="0"/>
-          </a:p>
-        </p:txBody>
-      </p:sp>
-      <p:sp>
-        <p:nvSpPr>
-          <p:cNvPr id="5" name="矩形 4"/>
-          <p:cNvSpPr/>
-          <p:nvPr/>
-        </p:nvSpPr>
-        <p:spPr>
-          <a:xfrm>
-            <a:off x="2411760" y="5975877"/>
-            <a:ext cx="4572000" cy="646331"/>
-          </a:xfrm>
-          <a:prstGeom prst="rect">
-            <a:avLst/>
-          </a:prstGeom>
-        </p:spPr>
-        <p:txBody>
-          <a:bodyPr>
-            <a:spAutoFit/>
-          </a:bodyPr>
-          <a:lstStyle/>
-          <a:p>
-            <a:r>
-              <a:rPr lang="zh-CN" altLang="en-US" dirty="0"/>
-              <a:t>在硬盘里动得最慢的</a:t>
-            </a:r>
-            <a:r>
-              <a:rPr lang="en-US" altLang="zh-CN" dirty="0"/>
-              <a:t>(</a:t>
-            </a:r>
-            <a:r>
-              <a:rPr lang="zh-CN" altLang="en-US" dirty="0"/>
-              <a:t>相对来说</a:t>
-            </a:r>
-            <a:r>
-              <a:rPr lang="en-US" altLang="zh-CN" dirty="0"/>
-              <a:t>)</a:t>
-            </a:r>
-            <a:r>
-              <a:rPr lang="zh-CN" altLang="en-US" dirty="0"/>
-              <a:t>就是传动手臂</a:t>
-            </a:r>
-            <a:endParaRPr lang="zh-CN" altLang="en-US" dirty="0"/>
+            <a:endParaRPr lang="zh-CN" altLang="en-US"/>
           </a:p>
         </p:txBody>
       </p:sp>
     </p:spTree>
     <p:extLst>
       <p:ext uri="{BB962C8B-B14F-4D97-AF65-F5344CB8AC3E}">
-        <p14:creationId xmlns:p14="http://schemas.microsoft.com/office/powerpoint/2010/main" val="2170377557"/>
+        <p14:creationId xmlns:p14="http://schemas.microsoft.com/office/powerpoint/2010/main" val="4138949533"/>
       </p:ext>
     </p:extLst>
   </p:cSld>
@@ -14165,7 +14117,15 @@
           <a:bodyPr/>
           <a:lstStyle/>
           <a:p>
-            <a:endParaRPr lang="zh-CN" altLang="en-US"/>
+            <a:r>
+              <a:rPr lang="en-US" altLang="zh-CN" dirty="0" smtClean="0"/>
+              <a:t>Disk</a:t>
+            </a:r>
+            <a:r>
+              <a:rPr lang="zh-CN" altLang="en-US" dirty="0" smtClean="0"/>
+              <a:t>磁盘访问</a:t>
+            </a:r>
+            <a:endParaRPr lang="zh-CN" altLang="en-US" dirty="0"/>
           </a:p>
         </p:txBody>
       </p:sp>
@@ -14181,95 +14141,78 @@
         </p:nvSpPr>
         <p:spPr/>
         <p:txBody>
-          <a:bodyPr/>
-          <a:lstStyle/>
-          <a:p>
-            <a:r>
-              <a:rPr lang="en-US" altLang="zh-CN" dirty="0"/>
-              <a:t>Zone Bit </a:t>
+          <a:bodyPr>
+            <a:normAutofit/>
+          </a:bodyPr>
+          <a:lstStyle/>
+          <a:p>
+            <a:r>
+              <a:rPr lang="zh-CN" altLang="en-US" dirty="0"/>
+              <a:t>三维寻址空间（柱面号，磁头号，扇区号）</a:t>
+            </a:r>
+            <a:endParaRPr lang="en-US" altLang="zh-CN" dirty="0"/>
+          </a:p>
+          <a:p>
+            <a:r>
+              <a:rPr lang="zh-CN" altLang="en-US" dirty="0" smtClean="0"/>
+              <a:t>一次访盘请求（读</a:t>
             </a:r>
             <a:r>
               <a:rPr lang="en-US" altLang="zh-CN" dirty="0" smtClean="0"/>
-              <a:t>Recording</a:t>
-            </a:r>
-            <a:endParaRPr lang="zh-CN" altLang="en-US" dirty="0"/>
-          </a:p>
-        </p:txBody>
-      </p:sp>
-      <p:pic>
-        <p:nvPicPr>
-          <p:cNvPr id="4098" name="Picture 2" descr="http://www.pcguide.com/ref/hdd/geom/z_zbr.jpg"/>
-          <p:cNvPicPr>
-            <a:picLocks noChangeAspect="1" noChangeArrowheads="1"/>
-          </p:cNvPicPr>
-          <p:nvPr/>
-        </p:nvPicPr>
-        <p:blipFill>
-          <a:blip r:embed="rId3">
-            <a:extLst>
-              <a:ext uri="{28A0092B-C50C-407E-A947-70E740481C1C}">
-                <a14:useLocalDpi xmlns:a14="http://schemas.microsoft.com/office/drawing/2010/main" val="0"/>
-              </a:ext>
-            </a:extLst>
-          </a:blip>
-          <a:srcRect/>
-          <a:stretch>
-            <a:fillRect/>
-          </a:stretch>
-        </p:blipFill>
-        <p:spPr bwMode="auto">
-          <a:xfrm>
-            <a:off x="4716016" y="2276872"/>
-            <a:ext cx="3943350" cy="3914776"/>
-          </a:xfrm>
-          <a:prstGeom prst="rect">
-            <a:avLst/>
-          </a:prstGeom>
-          <a:noFill/>
-          <a:extLst>
-            <a:ext uri="{909E8E84-426E-40DD-AFC4-6F175D3DCCD1}">
-              <a14:hiddenFill xmlns:a14="http://schemas.microsoft.com/office/drawing/2010/main">
-                <a:solidFill>
-                  <a:srgbClr val="FFFFFF"/>
-                </a:solidFill>
-              </a14:hiddenFill>
-            </a:ext>
-          </a:extLst>
-        </p:spPr>
-      </p:pic>
-      <p:sp>
-        <p:nvSpPr>
-          <p:cNvPr id="4" name="矩形 3"/>
-          <p:cNvSpPr/>
-          <p:nvPr/>
-        </p:nvSpPr>
-        <p:spPr>
-          <a:xfrm>
-            <a:off x="827584" y="2828836"/>
-            <a:ext cx="3744416" cy="1200329"/>
-          </a:xfrm>
-          <a:prstGeom prst="rect">
-            <a:avLst/>
-          </a:prstGeom>
-        </p:spPr>
-        <p:txBody>
-          <a:bodyPr wrap="square">
-            <a:spAutoFit/>
-          </a:bodyPr>
-          <a:lstStyle/>
-          <a:p>
-            <a:r>
-              <a:rPr lang="en-US" altLang="zh-CN" dirty="0"/>
-              <a:t>zone bit recording (ZBR) is a method used by disk drives to store more sectors per track on outer tracks than on inner tracks.</a:t>
-            </a:r>
-            <a:endParaRPr lang="zh-CN" altLang="en-US" dirty="0"/>
+              <a:t>/</a:t>
+            </a:r>
+            <a:r>
+              <a:rPr lang="zh-CN" altLang="en-US" dirty="0" smtClean="0"/>
+              <a:t>写）完成过程由三个动作组成：</a:t>
+            </a:r>
+            <a:endParaRPr lang="en-US" altLang="zh-CN" dirty="0" smtClean="0"/>
+          </a:p>
+          <a:p>
+            <a:pPr lvl="1"/>
+            <a:r>
+              <a:rPr lang="en-US" altLang="zh-CN" dirty="0" smtClean="0"/>
+              <a:t>1</a:t>
+            </a:r>
+            <a:r>
+              <a:rPr lang="zh-CN" altLang="en-US" dirty="0"/>
+              <a:t>）寻道（时间）：磁头移动定位到指定</a:t>
+            </a:r>
+            <a:r>
+              <a:rPr lang="zh-CN" altLang="en-US" dirty="0" smtClean="0"/>
+              <a:t>磁道 </a:t>
+            </a:r>
+            <a:endParaRPr lang="en-US" altLang="zh-CN" dirty="0"/>
+          </a:p>
+          <a:p>
+            <a:pPr lvl="1"/>
+            <a:r>
+              <a:rPr lang="en-US" altLang="zh-CN" dirty="0" smtClean="0"/>
+              <a:t>2</a:t>
+            </a:r>
+            <a:r>
+              <a:rPr lang="zh-CN" altLang="en-US" dirty="0"/>
+              <a:t>）旋转延迟（时间）：等待指定扇区从磁头下旋转经过 </a:t>
+            </a:r>
+            <a:endParaRPr lang="en-US" altLang="zh-CN" dirty="0" smtClean="0"/>
+          </a:p>
+          <a:p>
+            <a:pPr lvl="1"/>
+            <a:r>
+              <a:rPr lang="en-US" altLang="zh-CN" dirty="0" smtClean="0"/>
+              <a:t>3</a:t>
+            </a:r>
+            <a:r>
+              <a:rPr lang="zh-CN" altLang="en-US" dirty="0"/>
+              <a:t>）数据传输（时间）：数据在磁盘与内存之间的实际传输</a:t>
+            </a:r>
+            <a:endParaRPr lang="en-US" altLang="zh-CN" sz="2800" dirty="0"/>
           </a:p>
         </p:txBody>
       </p:sp>
     </p:spTree>
     <p:extLst>
       <p:ext uri="{BB962C8B-B14F-4D97-AF65-F5344CB8AC3E}">
-        <p14:creationId xmlns:p14="http://schemas.microsoft.com/office/powerpoint/2010/main" val="2415810101"/>
+        <p14:creationId xmlns:p14="http://schemas.microsoft.com/office/powerpoint/2010/main" val="1430556637"/>
       </p:ext>
     </p:extLst>
   </p:cSld>
@@ -14312,8 +14255,8 @@
           <a:lstStyle/>
           <a:p>
             <a:r>
-              <a:rPr lang="en-US" altLang="zh-CN" dirty="0" smtClean="0"/>
-              <a:t>B Tree</a:t>
+              <a:rPr lang="zh-CN" altLang="en-US" b="1" dirty="0"/>
+              <a:t>磁盘的读写原理</a:t>
             </a:r>
             <a:endParaRPr lang="zh-CN" altLang="en-US" dirty="0"/>
           </a:p>
@@ -14334,27 +14277,171 @@
           <a:bodyPr/>
           <a:lstStyle/>
           <a:p>
-            <a:endParaRPr lang="zh-CN" altLang="en-US"/>
+            <a:r>
+              <a:rPr lang="zh-CN" altLang="en-US" dirty="0"/>
+              <a:t>系统</a:t>
+            </a:r>
+            <a:r>
+              <a:rPr lang="zh-CN" altLang="en-US" dirty="0" smtClean="0"/>
+              <a:t>将</a:t>
+            </a:r>
+            <a:r>
+              <a:rPr lang="zh-CN" altLang="en-US" dirty="0"/>
+              <a:t>数据</a:t>
+            </a:r>
+            <a:r>
+              <a:rPr lang="zh-CN" altLang="en-US" dirty="0" smtClean="0"/>
+              <a:t>存储</a:t>
+            </a:r>
+            <a:r>
+              <a:rPr lang="zh-CN" altLang="en-US" dirty="0"/>
+              <a:t>到磁盘上时，按柱面、磁头、扇区的方式进行，即最先是第</a:t>
+            </a:r>
+            <a:r>
+              <a:rPr lang="en-US" altLang="zh-CN" dirty="0"/>
+              <a:t>1</a:t>
+            </a:r>
+            <a:r>
+              <a:rPr lang="zh-CN" altLang="en-US" dirty="0"/>
+              <a:t>磁道的第一磁头下（也就是第</a:t>
+            </a:r>
+            <a:r>
+              <a:rPr lang="en-US" altLang="zh-CN" dirty="0"/>
+              <a:t>1</a:t>
+            </a:r>
+            <a:r>
+              <a:rPr lang="zh-CN" altLang="en-US" dirty="0"/>
+              <a:t>盘面的第一磁道）的所有扇区，然后，是同一柱面的下一磁头，</a:t>
+            </a:r>
+            <a:r>
+              <a:rPr lang="en-US" altLang="zh-CN" dirty="0"/>
+              <a:t>……</a:t>
+            </a:r>
+            <a:r>
+              <a:rPr lang="zh-CN" altLang="en-US" dirty="0"/>
+              <a:t>，一个柱面存储满后就推进到下一个柱面，直到把文件内容全部写入磁盘。</a:t>
+            </a:r>
+          </a:p>
+        </p:txBody>
+      </p:sp>
+      <p:sp>
+        <p:nvSpPr>
+          <p:cNvPr id="4" name="矩形 3"/>
+          <p:cNvSpPr/>
+          <p:nvPr/>
+        </p:nvSpPr>
+        <p:spPr>
+          <a:xfrm>
+            <a:off x="1043608" y="4941168"/>
+            <a:ext cx="6768752" cy="646331"/>
+          </a:xfrm>
+          <a:prstGeom prst="rect">
+            <a:avLst/>
+          </a:prstGeom>
+        </p:spPr>
+        <p:txBody>
+          <a:bodyPr wrap="square">
+            <a:spAutoFit/>
+          </a:bodyPr>
+          <a:lstStyle/>
+          <a:p>
+            <a:r>
+              <a:rPr lang="zh-CN" altLang="en-US" b="1" dirty="0" smtClean="0"/>
+              <a:t>（柱面从</a:t>
+            </a:r>
+            <a:r>
+              <a:rPr lang="zh-CN" altLang="en-US" b="1" dirty="0"/>
+              <a:t>外到</a:t>
+            </a:r>
+            <a:r>
+              <a:rPr lang="zh-CN" altLang="en-US" b="1" dirty="0" smtClean="0"/>
+              <a:t>内，磁头</a:t>
+            </a:r>
+            <a:r>
+              <a:rPr lang="zh-CN" altLang="en-US" b="1" dirty="0"/>
+              <a:t>从上到下， </a:t>
+            </a:r>
+            <a:r>
+              <a:rPr lang="zh-CN" altLang="en-US" b="1" dirty="0" smtClean="0"/>
+              <a:t>扇区从小到大。</a:t>
+            </a:r>
+            <a:endParaRPr lang="en-US" altLang="zh-CN" b="1" dirty="0" smtClean="0"/>
+          </a:p>
+          <a:p>
+            <a:r>
+              <a:rPr lang="zh-CN" altLang="en-US" b="1" dirty="0" smtClean="0"/>
+              <a:t>数据</a:t>
+            </a:r>
+            <a:r>
+              <a:rPr lang="zh-CN" altLang="en-US" b="1" dirty="0"/>
+              <a:t>的读</a:t>
+            </a:r>
+            <a:r>
+              <a:rPr lang="en-US" altLang="zh-CN" b="1" dirty="0"/>
+              <a:t>/</a:t>
+            </a:r>
+            <a:r>
+              <a:rPr lang="zh-CN" altLang="en-US" b="1" dirty="0"/>
+              <a:t>写按柱面进行，而不按盘面进行，先）</a:t>
+            </a:r>
+            <a:endParaRPr lang="zh-CN" altLang="en-US" dirty="0"/>
+          </a:p>
+        </p:txBody>
+      </p:sp>
+      <p:sp>
+        <p:nvSpPr>
+          <p:cNvPr id="5" name="矩形 4"/>
+          <p:cNvSpPr/>
+          <p:nvPr/>
+        </p:nvSpPr>
+        <p:spPr>
+          <a:xfrm>
+            <a:off x="2411760" y="5975877"/>
+            <a:ext cx="4572000" cy="646331"/>
+          </a:xfrm>
+          <a:prstGeom prst="rect">
+            <a:avLst/>
+          </a:prstGeom>
+        </p:spPr>
+        <p:txBody>
+          <a:bodyPr>
+            <a:spAutoFit/>
+          </a:bodyPr>
+          <a:lstStyle/>
+          <a:p>
+            <a:r>
+              <a:rPr lang="zh-CN" altLang="en-US" dirty="0"/>
+              <a:t>在硬盘里动得最慢的</a:t>
+            </a:r>
+            <a:r>
+              <a:rPr lang="en-US" altLang="zh-CN" dirty="0"/>
+              <a:t>(</a:t>
+            </a:r>
+            <a:r>
+              <a:rPr lang="zh-CN" altLang="en-US" dirty="0"/>
+              <a:t>相对来说</a:t>
+            </a:r>
+            <a:r>
+              <a:rPr lang="en-US" altLang="zh-CN" dirty="0"/>
+              <a:t>)</a:t>
+            </a:r>
+            <a:r>
+              <a:rPr lang="zh-CN" altLang="en-US" dirty="0"/>
+              <a:t>就是传动手臂</a:t>
+            </a:r>
           </a:p>
         </p:txBody>
       </p:sp>
     </p:spTree>
     <p:extLst>
       <p:ext uri="{BB962C8B-B14F-4D97-AF65-F5344CB8AC3E}">
-        <p14:creationId xmlns:p14="http://schemas.microsoft.com/office/powerpoint/2010/main" val="1237266741"/>
+        <p14:creationId xmlns:p14="http://schemas.microsoft.com/office/powerpoint/2010/main" val="2170377557"/>
       </p:ext>
     </p:extLst>
   </p:cSld>
   <p:clrMapOvr>
     <a:masterClrMapping/>
   </p:clrMapOvr>
-  <p:timing>
-    <p:tnLst>
-      <p:par>
-        <p:cTn id="1" dur="indefinite" restart="never" nodeType="tmRoot"/>
-      </p:par>
-    </p:tnLst>
-  </p:timing>
 </p:sld>
 </file>
 
@@ -14392,7 +14479,7 @@
           <a:p>
             <a:r>
               <a:rPr lang="en-US" altLang="zh-CN" dirty="0" smtClean="0"/>
-              <a:t>B+ Tree</a:t>
+              <a:t>Sector</a:t>
             </a:r>
             <a:endParaRPr lang="zh-CN" altLang="en-US" dirty="0"/>
           </a:p>
@@ -14413,27 +14500,56 @@
           <a:bodyPr/>
           <a:lstStyle/>
           <a:p>
-            <a:endParaRPr lang="zh-CN" altLang="en-US"/>
+            <a:r>
+              <a:rPr lang="en-US" altLang="zh-CN" dirty="0" err="1" smtClean="0"/>
+              <a:t>Pyhsical</a:t>
+            </a:r>
+            <a:r>
+              <a:rPr lang="en-US" altLang="zh-CN" dirty="0" smtClean="0"/>
+              <a:t> data structure on sector</a:t>
+            </a:r>
+          </a:p>
+          <a:p>
+            <a:pPr lvl="1"/>
+            <a:r>
+              <a:rPr lang="en-US" altLang="zh-CN" dirty="0" smtClean="0"/>
+              <a:t>Sector header</a:t>
+            </a:r>
+          </a:p>
+          <a:p>
+            <a:pPr lvl="1"/>
+            <a:r>
+              <a:rPr lang="en-US" altLang="zh-CN" dirty="0" smtClean="0"/>
+              <a:t>Data area</a:t>
+            </a:r>
+          </a:p>
+          <a:p>
+            <a:pPr lvl="1"/>
+            <a:r>
+              <a:rPr lang="en-US" altLang="zh-CN" dirty="0" smtClean="0"/>
+              <a:t>Error correcting code(ECC)</a:t>
+            </a:r>
+          </a:p>
+          <a:p>
+            <a:pPr lvl="1"/>
+            <a:r>
+              <a:rPr lang="en-US" altLang="zh-CN" dirty="0" smtClean="0"/>
+              <a:t>Gaps</a:t>
+            </a:r>
+            <a:endParaRPr lang="zh-CN" altLang="en-US" dirty="0"/>
           </a:p>
         </p:txBody>
       </p:sp>
     </p:spTree>
     <p:extLst>
       <p:ext uri="{BB962C8B-B14F-4D97-AF65-F5344CB8AC3E}">
-        <p14:creationId xmlns:p14="http://schemas.microsoft.com/office/powerpoint/2010/main" val="4104151906"/>
+        <p14:creationId xmlns:p14="http://schemas.microsoft.com/office/powerpoint/2010/main" val="144081817"/>
       </p:ext>
     </p:extLst>
   </p:cSld>
   <p:clrMapOvr>
     <a:masterClrMapping/>
   </p:clrMapOvr>
-  <p:timing>
-    <p:tnLst>
-      <p:par>
-        <p:cTn id="1" dur="indefinite" restart="never" nodeType="tmRoot"/>
-      </p:par>
-    </p:tnLst>
-  </p:timing>
 </p:sld>
 </file>
 
@@ -14470,8 +14586,8 @@
           <a:lstStyle/>
           <a:p>
             <a:r>
-              <a:rPr lang="en-US" altLang="zh-CN" dirty="0" err="1" smtClean="0"/>
-              <a:t>Trie</a:t>
+              <a:rPr lang="en-US" altLang="zh-CN" dirty="0" smtClean="0"/>
+              <a:t>Confusing on sector</a:t>
             </a:r>
             <a:endParaRPr lang="zh-CN" altLang="en-US" dirty="0"/>
           </a:p>
@@ -14493,52 +14609,12 @@
           <a:lstStyle/>
           <a:p>
             <a:r>
-              <a:rPr lang="zh-CN" altLang="en-US" sz="2400" b="1" dirty="0"/>
-              <a:t>字典树的性质</a:t>
-            </a:r>
-            <a:endParaRPr lang="zh-CN" altLang="en-US" sz="2400" dirty="0"/>
-          </a:p>
-          <a:p>
-            <a:pPr lvl="1"/>
-            <a:r>
-              <a:rPr lang="zh-CN" altLang="en-US" sz="1600" dirty="0"/>
-              <a:t>根节点（</a:t>
-            </a:r>
-            <a:r>
-              <a:rPr lang="en-US" altLang="zh-CN" sz="1600" dirty="0"/>
-              <a:t>Root</a:t>
-            </a:r>
-            <a:r>
-              <a:rPr lang="zh-CN" altLang="en-US" sz="1600" dirty="0"/>
-              <a:t>）不包含字符，除根节点外的每一个节点都仅包含一个字符；</a:t>
-            </a:r>
-          </a:p>
-          <a:p>
-            <a:pPr lvl="1"/>
-            <a:r>
-              <a:rPr lang="zh-CN" altLang="en-US" sz="1600" dirty="0"/>
-              <a:t>从根节点到某一节点路径上所经过的字符连接起来，即为该节点对应的字符串；</a:t>
-            </a:r>
-          </a:p>
-          <a:p>
-            <a:pPr lvl="1"/>
-            <a:r>
-              <a:rPr lang="zh-CN" altLang="en-US" sz="1600" dirty="0"/>
-              <a:t>任意节点的所有子节点所包含的字符都不相同；</a:t>
-            </a:r>
-          </a:p>
-          <a:p>
-            <a:r>
-              <a:rPr lang="zh-CN" altLang="en-US" sz="2400" dirty="0" smtClean="0"/>
-              <a:t>例如：字符串</a:t>
-            </a:r>
-            <a:r>
-              <a:rPr lang="zh-CN" altLang="en-US" sz="2400" dirty="0"/>
-              <a:t>集合 </a:t>
-            </a:r>
-            <a:r>
-              <a:rPr lang="en-US" altLang="zh-CN" sz="2400" dirty="0"/>
-              <a:t>["Joe", "John", "Johnny", "Jane", "Jack"]</a:t>
+              <a:rPr lang="en-US" altLang="zh-CN" dirty="0"/>
+              <a:t>Zone Bit </a:t>
+            </a:r>
+            <a:r>
+              <a:rPr lang="en-US" altLang="zh-CN" dirty="0" smtClean="0"/>
+              <a:t>Recording</a:t>
             </a:r>
             <a:endParaRPr lang="zh-CN" altLang="en-US" dirty="0"/>
           </a:p>
@@ -14546,7 +14622,7 @@
       </p:sp>
       <p:pic>
         <p:nvPicPr>
-          <p:cNvPr id="1026" name="Picture 2" descr="http://images.cnitblog.com/blog/175043/201410/242258574966066.jpg"/>
+          <p:cNvPr id="4098" name="Picture 2" descr="http://www.pcguide.com/ref/hdd/geom/z_zbr.jpg"/>
           <p:cNvPicPr>
             <a:picLocks noChangeAspect="1" noChangeArrowheads="1"/>
           </p:cNvPicPr>
@@ -14567,8 +14643,8 @@
         </p:blipFill>
         <p:spPr bwMode="auto">
           <a:xfrm>
-            <a:off x="3563888" y="3429000"/>
-            <a:ext cx="2057400" cy="3152775"/>
+            <a:off x="4572000" y="1916832"/>
+            <a:ext cx="3943350" cy="3914776"/>
           </a:xfrm>
           <a:prstGeom prst="rect">
             <a:avLst/>
@@ -14585,23 +14661,173 @@
           </a:extLst>
         </p:spPr>
       </p:pic>
+      <p:sp>
+        <p:nvSpPr>
+          <p:cNvPr id="4" name="矩形 3"/>
+          <p:cNvSpPr/>
+          <p:nvPr/>
+        </p:nvSpPr>
+        <p:spPr>
+          <a:xfrm>
+            <a:off x="827584" y="2828836"/>
+            <a:ext cx="3744416" cy="1200329"/>
+          </a:xfrm>
+          <a:prstGeom prst="rect">
+            <a:avLst/>
+          </a:prstGeom>
+        </p:spPr>
+        <p:txBody>
+          <a:bodyPr wrap="square">
+            <a:spAutoFit/>
+          </a:bodyPr>
+          <a:lstStyle/>
+          <a:p>
+            <a:r>
+              <a:rPr lang="en-US" altLang="zh-CN" dirty="0"/>
+              <a:t>zone bit recording (ZBR) is a method used by disk drives to store more sectors per track on outer tracks than on inner tracks.</a:t>
+            </a:r>
+            <a:endParaRPr lang="zh-CN" altLang="en-US" dirty="0"/>
+          </a:p>
+        </p:txBody>
+      </p:sp>
+      <p:pic>
+        <p:nvPicPr>
+          <p:cNvPr id="2050" name="Picture 2"/>
+          <p:cNvPicPr>
+            <a:picLocks noChangeAspect="1" noChangeArrowheads="1"/>
+          </p:cNvPicPr>
+          <p:nvPr/>
+        </p:nvPicPr>
+        <p:blipFill>
+          <a:blip r:embed="rId4">
+            <a:extLst>
+              <a:ext uri="{28A0092B-C50C-407E-A947-70E740481C1C}">
+                <a14:useLocalDpi xmlns:a14="http://schemas.microsoft.com/office/drawing/2010/main" val="0"/>
+              </a:ext>
+            </a:extLst>
+          </a:blip>
+          <a:srcRect/>
+          <a:stretch>
+            <a:fillRect/>
+          </a:stretch>
+        </p:blipFill>
+        <p:spPr bwMode="auto">
+          <a:xfrm>
+            <a:off x="-180528" y="3296417"/>
+            <a:ext cx="4476750" cy="3581400"/>
+          </a:xfrm>
+          <a:prstGeom prst="rect">
+            <a:avLst/>
+          </a:prstGeom>
+          <a:noFill/>
+          <a:ln>
+            <a:noFill/>
+          </a:ln>
+          <a:effectLst/>
+          <a:extLst>
+            <a:ext uri="{909E8E84-426E-40DD-AFC4-6F175D3DCCD1}">
+              <a14:hiddenFill xmlns:a14="http://schemas.microsoft.com/office/drawing/2010/main">
+                <a:solidFill>
+                  <a:schemeClr val="accent1"/>
+                </a:solidFill>
+              </a14:hiddenFill>
+            </a:ext>
+            <a:ext uri="{91240B29-F687-4F45-9708-019B960494DF}">
+              <a14:hiddenLine xmlns:a14="http://schemas.microsoft.com/office/drawing/2010/main" w="9525">
+                <a:solidFill>
+                  <a:schemeClr val="tx1"/>
+                </a:solidFill>
+                <a:miter lim="800000"/>
+                <a:headEnd/>
+                <a:tailEnd/>
+              </a14:hiddenLine>
+            </a:ext>
+            <a:ext uri="{AF507438-7753-43E0-B8FC-AC1667EBCBE1}">
+              <a14:hiddenEffects xmlns:a14="http://schemas.microsoft.com/office/drawing/2010/main">
+                <a:effectLst>
+                  <a:outerShdw dist="35921" dir="2700000" algn="ctr" rotWithShape="0">
+                    <a:schemeClr val="bg2"/>
+                  </a:outerShdw>
+                </a:effectLst>
+              </a14:hiddenEffects>
+            </a:ext>
+          </a:extLst>
+        </p:spPr>
+      </p:pic>
+      <p:pic>
+        <p:nvPicPr>
+          <p:cNvPr id="2051" name="Picture 3"/>
+          <p:cNvPicPr>
+            <a:picLocks noChangeAspect="1" noChangeArrowheads="1"/>
+          </p:cNvPicPr>
+          <p:nvPr/>
+        </p:nvPicPr>
+        <p:blipFill>
+          <a:blip r:embed="rId5">
+            <a:extLst>
+              <a:ext uri="{28A0092B-C50C-407E-A947-70E740481C1C}">
+                <a14:useLocalDpi xmlns:a14="http://schemas.microsoft.com/office/drawing/2010/main" val="0"/>
+              </a:ext>
+            </a:extLst>
+          </a:blip>
+          <a:srcRect/>
+          <a:stretch>
+            <a:fillRect/>
+          </a:stretch>
+        </p:blipFill>
+        <p:spPr bwMode="auto">
+          <a:xfrm>
+            <a:off x="2555776" y="3645024"/>
+            <a:ext cx="4476750" cy="3524250"/>
+          </a:xfrm>
+          <a:prstGeom prst="rect">
+            <a:avLst/>
+          </a:prstGeom>
+          <a:noFill/>
+          <a:ln>
+            <a:noFill/>
+          </a:ln>
+          <a:effectLst/>
+          <a:extLst>
+            <a:ext uri="{909E8E84-426E-40DD-AFC4-6F175D3DCCD1}">
+              <a14:hiddenFill xmlns:a14="http://schemas.microsoft.com/office/drawing/2010/main">
+                <a:solidFill>
+                  <a:schemeClr val="accent1"/>
+                </a:solidFill>
+              </a14:hiddenFill>
+            </a:ext>
+            <a:ext uri="{91240B29-F687-4F45-9708-019B960494DF}">
+              <a14:hiddenLine xmlns:a14="http://schemas.microsoft.com/office/drawing/2010/main" w="9525">
+                <a:solidFill>
+                  <a:schemeClr val="tx1"/>
+                </a:solidFill>
+                <a:miter lim="800000"/>
+                <a:headEnd/>
+                <a:tailEnd/>
+              </a14:hiddenLine>
+            </a:ext>
+            <a:ext uri="{AF507438-7753-43E0-B8FC-AC1667EBCBE1}">
+              <a14:hiddenEffects xmlns:a14="http://schemas.microsoft.com/office/drawing/2010/main">
+                <a:effectLst>
+                  <a:outerShdw dist="35921" dir="2700000" algn="ctr" rotWithShape="0">
+                    <a:schemeClr val="bg2"/>
+                  </a:outerShdw>
+                </a:effectLst>
+              </a14:hiddenEffects>
+            </a:ext>
+          </a:extLst>
+        </p:spPr>
+      </p:pic>
     </p:spTree>
     <p:extLst>
       <p:ext uri="{BB962C8B-B14F-4D97-AF65-F5344CB8AC3E}">
-        <p14:creationId xmlns:p14="http://schemas.microsoft.com/office/powerpoint/2010/main" val="1294740302"/>
+        <p14:creationId xmlns:p14="http://schemas.microsoft.com/office/powerpoint/2010/main" val="2415810101"/>
       </p:ext>
     </p:extLst>
   </p:cSld>
   <p:clrMapOvr>
     <a:masterClrMapping/>
   </p:clrMapOvr>
-  <p:timing>
-    <p:tnLst>
-      <p:par>
-        <p:cTn id="1" dur="indefinite" restart="never" nodeType="tmRoot"/>
-      </p:par>
-    </p:tnLst>
-  </p:timing>
 </p:sld>
 </file>
 
@@ -14639,7 +14865,7 @@
           <a:p>
             <a:r>
               <a:rPr lang="en-US" altLang="zh-CN" dirty="0" smtClean="0"/>
-              <a:t>Suffix Tree</a:t>
+              <a:t>HD Sectors vs. OS Blocks</a:t>
             </a:r>
             <a:endParaRPr lang="zh-CN" altLang="en-US" dirty="0"/>
           </a:p>
@@ -14667,20 +14893,13 @@
     </p:spTree>
     <p:extLst>
       <p:ext uri="{BB962C8B-B14F-4D97-AF65-F5344CB8AC3E}">
-        <p14:creationId xmlns:p14="http://schemas.microsoft.com/office/powerpoint/2010/main" val="2284959206"/>
+        <p14:creationId xmlns:p14="http://schemas.microsoft.com/office/powerpoint/2010/main" val="3134399620"/>
       </p:ext>
     </p:extLst>
   </p:cSld>
   <p:clrMapOvr>
     <a:masterClrMapping/>
   </p:clrMapOvr>
-  <p:timing>
-    <p:tnLst>
-      <p:par>
-        <p:cTn id="1" dur="indefinite" restart="never" nodeType="tmRoot"/>
-      </p:par>
-    </p:tnLst>
-  </p:timing>
 </p:sld>
 </file>
 
@@ -14884,12 +15103,8 @@
           <a:lstStyle/>
           <a:p>
             <a:r>
-              <a:rPr lang="en-US" altLang="zh-CN" dirty="0"/>
-              <a:t>Double Array </a:t>
-            </a:r>
-            <a:r>
-              <a:rPr lang="en-US" altLang="zh-CN" dirty="0" err="1"/>
-              <a:t>Trie</a:t>
+              <a:rPr lang="en-US" altLang="zh-CN" dirty="0" smtClean="0"/>
+              <a:t>B Tree</a:t>
             </a:r>
             <a:endParaRPr lang="zh-CN" altLang="en-US" dirty="0"/>
           </a:p>
@@ -14917,7 +15132,7 @@
     </p:spTree>
     <p:extLst>
       <p:ext uri="{BB962C8B-B14F-4D97-AF65-F5344CB8AC3E}">
-        <p14:creationId xmlns:p14="http://schemas.microsoft.com/office/powerpoint/2010/main" val="3264625386"/>
+        <p14:creationId xmlns:p14="http://schemas.microsoft.com/office/powerpoint/2010/main" val="1237266741"/>
       </p:ext>
     </p:extLst>
   </p:cSld>
@@ -14968,7 +15183,7 @@
           <a:p>
             <a:r>
               <a:rPr lang="en-US" altLang="zh-CN" dirty="0" smtClean="0"/>
-              <a:t>Suffix Array</a:t>
+              <a:t>B+ Tree</a:t>
             </a:r>
             <a:endParaRPr lang="zh-CN" altLang="en-US" dirty="0"/>
           </a:p>
@@ -14996,7 +15211,7 @@
     </p:spTree>
     <p:extLst>
       <p:ext uri="{BB962C8B-B14F-4D97-AF65-F5344CB8AC3E}">
-        <p14:creationId xmlns:p14="http://schemas.microsoft.com/office/powerpoint/2010/main" val="1014942496"/>
+        <p14:creationId xmlns:p14="http://schemas.microsoft.com/office/powerpoint/2010/main" val="4104151906"/>
       </p:ext>
     </p:extLst>
   </p:cSld>
@@ -15047,7 +15262,7 @@
           <a:p>
             <a:r>
               <a:rPr lang="en-US" altLang="zh-CN" dirty="0" err="1" smtClean="0"/>
-              <a:t>SkipList</a:t>
+              <a:t>Trie</a:t>
             </a:r>
             <a:endParaRPr lang="zh-CN" altLang="en-US" dirty="0"/>
           </a:p>
@@ -15068,14 +15283,103 @@
           <a:bodyPr/>
           <a:lstStyle/>
           <a:p>
-            <a:endParaRPr lang="zh-CN" altLang="en-US"/>
-          </a:p>
-        </p:txBody>
-      </p:sp>
+            <a:r>
+              <a:rPr lang="zh-CN" altLang="en-US" sz="2400" b="1" dirty="0"/>
+              <a:t>字典树的性质</a:t>
+            </a:r>
+            <a:endParaRPr lang="zh-CN" altLang="en-US" sz="2400" dirty="0"/>
+          </a:p>
+          <a:p>
+            <a:pPr lvl="1"/>
+            <a:r>
+              <a:rPr lang="zh-CN" altLang="en-US" sz="1600" dirty="0"/>
+              <a:t>根节点（</a:t>
+            </a:r>
+            <a:r>
+              <a:rPr lang="en-US" altLang="zh-CN" sz="1600" dirty="0"/>
+              <a:t>Root</a:t>
+            </a:r>
+            <a:r>
+              <a:rPr lang="zh-CN" altLang="en-US" sz="1600" dirty="0"/>
+              <a:t>）不包含字符，除根节点外的每一个节点都仅包含一个字符；</a:t>
+            </a:r>
+          </a:p>
+          <a:p>
+            <a:pPr lvl="1"/>
+            <a:r>
+              <a:rPr lang="zh-CN" altLang="en-US" sz="1600" dirty="0"/>
+              <a:t>从根节点到某一节点路径上所经过的字符连接起来，即为该节点对应的字符串；</a:t>
+            </a:r>
+          </a:p>
+          <a:p>
+            <a:pPr lvl="1"/>
+            <a:r>
+              <a:rPr lang="zh-CN" altLang="en-US" sz="1600" dirty="0"/>
+              <a:t>任意节点的所有子节点所包含的字符都不相同；</a:t>
+            </a:r>
+          </a:p>
+          <a:p>
+            <a:r>
+              <a:rPr lang="zh-CN" altLang="en-US" sz="2400" dirty="0" smtClean="0"/>
+              <a:t>例如：字符串</a:t>
+            </a:r>
+            <a:r>
+              <a:rPr lang="zh-CN" altLang="en-US" sz="2400" dirty="0"/>
+              <a:t>集合 </a:t>
+            </a:r>
+            <a:r>
+              <a:rPr lang="en-US" altLang="zh-CN" sz="2400" dirty="0"/>
+              <a:t>["Joe", "John", "Johnny", "Jane", "Jack"]</a:t>
+            </a:r>
+            <a:endParaRPr lang="zh-CN" altLang="en-US" dirty="0"/>
+          </a:p>
+        </p:txBody>
+      </p:sp>
+      <p:pic>
+        <p:nvPicPr>
+          <p:cNvPr id="1026" name="Picture 2" descr="http://images.cnitblog.com/blog/175043/201410/242258574966066.jpg"/>
+          <p:cNvPicPr>
+            <a:picLocks noChangeAspect="1" noChangeArrowheads="1"/>
+          </p:cNvPicPr>
+          <p:nvPr/>
+        </p:nvPicPr>
+        <p:blipFill>
+          <a:blip r:embed="rId3">
+            <a:extLst>
+              <a:ext uri="{28A0092B-C50C-407E-A947-70E740481C1C}">
+                <a14:useLocalDpi xmlns:a14="http://schemas.microsoft.com/office/drawing/2010/main" val="0"/>
+              </a:ext>
+            </a:extLst>
+          </a:blip>
+          <a:srcRect/>
+          <a:stretch>
+            <a:fillRect/>
+          </a:stretch>
+        </p:blipFill>
+        <p:spPr bwMode="auto">
+          <a:xfrm>
+            <a:off x="3563888" y="3429000"/>
+            <a:ext cx="2057400" cy="3152775"/>
+          </a:xfrm>
+          <a:prstGeom prst="rect">
+            <a:avLst/>
+          </a:prstGeom>
+          <a:noFill/>
+          <a:extLst>
+            <a:ext uri="{909E8E84-426E-40DD-AFC4-6F175D3DCCD1}">
+              <a14:hiddenFill xmlns:a14="http://schemas.microsoft.com/office/drawing/2010/main">
+                <a:solidFill>
+                  <a:srgbClr val="FFFFFF"/>
+                </a:solidFill>
+              </a14:hiddenFill>
+            </a:ext>
+          </a:extLst>
+        </p:spPr>
+      </p:pic>
     </p:spTree>
     <p:extLst>
       <p:ext uri="{BB962C8B-B14F-4D97-AF65-F5344CB8AC3E}">
-        <p14:creationId xmlns:p14="http://schemas.microsoft.com/office/powerpoint/2010/main" val="1550362845"/>
+        <p14:creationId xmlns:p14="http://schemas.microsoft.com/office/powerpoint/2010/main" val="1294740302"/>
       </p:ext>
     </p:extLst>
   </p:cSld>
@@ -15126,6 +15430,326 @@
           <a:p>
             <a:r>
               <a:rPr lang="en-US" altLang="zh-CN" dirty="0" smtClean="0"/>
+              <a:t>Suffix Tree</a:t>
+            </a:r>
+            <a:endParaRPr lang="zh-CN" altLang="en-US" dirty="0"/>
+          </a:p>
+        </p:txBody>
+      </p:sp>
+      <p:sp>
+        <p:nvSpPr>
+          <p:cNvPr id="3" name="内容占位符 2"/>
+          <p:cNvSpPr>
+            <a:spLocks noGrp="1"/>
+          </p:cNvSpPr>
+          <p:nvPr>
+            <p:ph idx="1"/>
+          </p:nvPr>
+        </p:nvSpPr>
+        <p:spPr/>
+        <p:txBody>
+          <a:bodyPr/>
+          <a:lstStyle/>
+          <a:p>
+            <a:endParaRPr lang="zh-CN" altLang="en-US"/>
+          </a:p>
+        </p:txBody>
+      </p:sp>
+    </p:spTree>
+    <p:extLst>
+      <p:ext uri="{BB962C8B-B14F-4D97-AF65-F5344CB8AC3E}">
+        <p14:creationId xmlns:p14="http://schemas.microsoft.com/office/powerpoint/2010/main" val="2284959206"/>
+      </p:ext>
+    </p:extLst>
+  </p:cSld>
+  <p:clrMapOvr>
+    <a:masterClrMapping/>
+  </p:clrMapOvr>
+  <p:timing>
+    <p:tnLst>
+      <p:par>
+        <p:cTn id="1" dur="indefinite" restart="never" nodeType="tmRoot"/>
+      </p:par>
+    </p:tnLst>
+  </p:timing>
+</p:sld>
+</file>
+
+<file path=ppt/slides/slide44.xml><?xml version="1.0" encoding="utf-8"?>
+<p:sld xmlns:a="http://schemas.openxmlformats.org/drawingml/2006/main" xmlns:r="http://schemas.openxmlformats.org/officeDocument/2006/relationships" xmlns:p="http://schemas.openxmlformats.org/presentationml/2006/main">
+  <p:cSld>
+    <p:spTree>
+      <p:nvGrpSpPr>
+        <p:cNvPr id="1" name=""/>
+        <p:cNvGrpSpPr/>
+        <p:nvPr/>
+      </p:nvGrpSpPr>
+      <p:grpSpPr>
+        <a:xfrm>
+          <a:off x="0" y="0"/>
+          <a:ext cx="0" cy="0"/>
+          <a:chOff x="0" y="0"/>
+          <a:chExt cx="0" cy="0"/>
+        </a:xfrm>
+      </p:grpSpPr>
+      <p:sp>
+        <p:nvSpPr>
+          <p:cNvPr id="2" name="标题 1"/>
+          <p:cNvSpPr>
+            <a:spLocks noGrp="1"/>
+          </p:cNvSpPr>
+          <p:nvPr>
+            <p:ph type="title"/>
+          </p:nvPr>
+        </p:nvSpPr>
+        <p:spPr/>
+        <p:txBody>
+          <a:bodyPr/>
+          <a:lstStyle/>
+          <a:p>
+            <a:r>
+              <a:rPr lang="en-US" altLang="zh-CN" dirty="0"/>
+              <a:t>Double Array </a:t>
+            </a:r>
+            <a:r>
+              <a:rPr lang="en-US" altLang="zh-CN" dirty="0" err="1"/>
+              <a:t>Trie</a:t>
+            </a:r>
+            <a:endParaRPr lang="zh-CN" altLang="en-US" dirty="0"/>
+          </a:p>
+        </p:txBody>
+      </p:sp>
+      <p:sp>
+        <p:nvSpPr>
+          <p:cNvPr id="3" name="内容占位符 2"/>
+          <p:cNvSpPr>
+            <a:spLocks noGrp="1"/>
+          </p:cNvSpPr>
+          <p:nvPr>
+            <p:ph idx="1"/>
+          </p:nvPr>
+        </p:nvSpPr>
+        <p:spPr/>
+        <p:txBody>
+          <a:bodyPr/>
+          <a:lstStyle/>
+          <a:p>
+            <a:endParaRPr lang="zh-CN" altLang="en-US"/>
+          </a:p>
+        </p:txBody>
+      </p:sp>
+    </p:spTree>
+    <p:extLst>
+      <p:ext uri="{BB962C8B-B14F-4D97-AF65-F5344CB8AC3E}">
+        <p14:creationId xmlns:p14="http://schemas.microsoft.com/office/powerpoint/2010/main" val="3264625386"/>
+      </p:ext>
+    </p:extLst>
+  </p:cSld>
+  <p:clrMapOvr>
+    <a:masterClrMapping/>
+  </p:clrMapOvr>
+  <p:timing>
+    <p:tnLst>
+      <p:par>
+        <p:cTn id="1" dur="indefinite" restart="never" nodeType="tmRoot"/>
+      </p:par>
+    </p:tnLst>
+  </p:timing>
+</p:sld>
+</file>
+
+<file path=ppt/slides/slide45.xml><?xml version="1.0" encoding="utf-8"?>
+<p:sld xmlns:a="http://schemas.openxmlformats.org/drawingml/2006/main" xmlns:r="http://schemas.openxmlformats.org/officeDocument/2006/relationships" xmlns:p="http://schemas.openxmlformats.org/presentationml/2006/main">
+  <p:cSld>
+    <p:spTree>
+      <p:nvGrpSpPr>
+        <p:cNvPr id="1" name=""/>
+        <p:cNvGrpSpPr/>
+        <p:nvPr/>
+      </p:nvGrpSpPr>
+      <p:grpSpPr>
+        <a:xfrm>
+          <a:off x="0" y="0"/>
+          <a:ext cx="0" cy="0"/>
+          <a:chOff x="0" y="0"/>
+          <a:chExt cx="0" cy="0"/>
+        </a:xfrm>
+      </p:grpSpPr>
+      <p:sp>
+        <p:nvSpPr>
+          <p:cNvPr id="2" name="标题 1"/>
+          <p:cNvSpPr>
+            <a:spLocks noGrp="1"/>
+          </p:cNvSpPr>
+          <p:nvPr>
+            <p:ph type="title"/>
+          </p:nvPr>
+        </p:nvSpPr>
+        <p:spPr/>
+        <p:txBody>
+          <a:bodyPr/>
+          <a:lstStyle/>
+          <a:p>
+            <a:r>
+              <a:rPr lang="en-US" altLang="zh-CN" dirty="0" smtClean="0"/>
+              <a:t>Suffix Array</a:t>
+            </a:r>
+            <a:endParaRPr lang="zh-CN" altLang="en-US" dirty="0"/>
+          </a:p>
+        </p:txBody>
+      </p:sp>
+      <p:sp>
+        <p:nvSpPr>
+          <p:cNvPr id="3" name="内容占位符 2"/>
+          <p:cNvSpPr>
+            <a:spLocks noGrp="1"/>
+          </p:cNvSpPr>
+          <p:nvPr>
+            <p:ph idx="1"/>
+          </p:nvPr>
+        </p:nvSpPr>
+        <p:spPr/>
+        <p:txBody>
+          <a:bodyPr/>
+          <a:lstStyle/>
+          <a:p>
+            <a:endParaRPr lang="zh-CN" altLang="en-US"/>
+          </a:p>
+        </p:txBody>
+      </p:sp>
+    </p:spTree>
+    <p:extLst>
+      <p:ext uri="{BB962C8B-B14F-4D97-AF65-F5344CB8AC3E}">
+        <p14:creationId xmlns:p14="http://schemas.microsoft.com/office/powerpoint/2010/main" val="1014942496"/>
+      </p:ext>
+    </p:extLst>
+  </p:cSld>
+  <p:clrMapOvr>
+    <a:masterClrMapping/>
+  </p:clrMapOvr>
+  <p:timing>
+    <p:tnLst>
+      <p:par>
+        <p:cTn id="1" dur="indefinite" restart="never" nodeType="tmRoot"/>
+      </p:par>
+    </p:tnLst>
+  </p:timing>
+</p:sld>
+</file>
+
+<file path=ppt/slides/slide46.xml><?xml version="1.0" encoding="utf-8"?>
+<p:sld xmlns:a="http://schemas.openxmlformats.org/drawingml/2006/main" xmlns:r="http://schemas.openxmlformats.org/officeDocument/2006/relationships" xmlns:p="http://schemas.openxmlformats.org/presentationml/2006/main">
+  <p:cSld>
+    <p:spTree>
+      <p:nvGrpSpPr>
+        <p:cNvPr id="1" name=""/>
+        <p:cNvGrpSpPr/>
+        <p:nvPr/>
+      </p:nvGrpSpPr>
+      <p:grpSpPr>
+        <a:xfrm>
+          <a:off x="0" y="0"/>
+          <a:ext cx="0" cy="0"/>
+          <a:chOff x="0" y="0"/>
+          <a:chExt cx="0" cy="0"/>
+        </a:xfrm>
+      </p:grpSpPr>
+      <p:sp>
+        <p:nvSpPr>
+          <p:cNvPr id="2" name="标题 1"/>
+          <p:cNvSpPr>
+            <a:spLocks noGrp="1"/>
+          </p:cNvSpPr>
+          <p:nvPr>
+            <p:ph type="title"/>
+          </p:nvPr>
+        </p:nvSpPr>
+        <p:spPr/>
+        <p:txBody>
+          <a:bodyPr/>
+          <a:lstStyle/>
+          <a:p>
+            <a:r>
+              <a:rPr lang="en-US" altLang="zh-CN" dirty="0" err="1" smtClean="0"/>
+              <a:t>SkipList</a:t>
+            </a:r>
+            <a:endParaRPr lang="zh-CN" altLang="en-US" dirty="0"/>
+          </a:p>
+        </p:txBody>
+      </p:sp>
+      <p:sp>
+        <p:nvSpPr>
+          <p:cNvPr id="3" name="内容占位符 2"/>
+          <p:cNvSpPr>
+            <a:spLocks noGrp="1"/>
+          </p:cNvSpPr>
+          <p:nvPr>
+            <p:ph idx="1"/>
+          </p:nvPr>
+        </p:nvSpPr>
+        <p:spPr/>
+        <p:txBody>
+          <a:bodyPr/>
+          <a:lstStyle/>
+          <a:p>
+            <a:endParaRPr lang="zh-CN" altLang="en-US"/>
+          </a:p>
+        </p:txBody>
+      </p:sp>
+    </p:spTree>
+    <p:extLst>
+      <p:ext uri="{BB962C8B-B14F-4D97-AF65-F5344CB8AC3E}">
+        <p14:creationId xmlns:p14="http://schemas.microsoft.com/office/powerpoint/2010/main" val="1550362845"/>
+      </p:ext>
+    </p:extLst>
+  </p:cSld>
+  <p:clrMapOvr>
+    <a:masterClrMapping/>
+  </p:clrMapOvr>
+  <p:timing>
+    <p:tnLst>
+      <p:par>
+        <p:cTn id="1" dur="indefinite" restart="never" nodeType="tmRoot"/>
+      </p:par>
+    </p:tnLst>
+  </p:timing>
+</p:sld>
+</file>
+
+<file path=ppt/slides/slide47.xml><?xml version="1.0" encoding="utf-8"?>
+<p:sld xmlns:a="http://schemas.openxmlformats.org/drawingml/2006/main" xmlns:r="http://schemas.openxmlformats.org/officeDocument/2006/relationships" xmlns:p="http://schemas.openxmlformats.org/presentationml/2006/main">
+  <p:cSld>
+    <p:spTree>
+      <p:nvGrpSpPr>
+        <p:cNvPr id="1" name=""/>
+        <p:cNvGrpSpPr/>
+        <p:nvPr/>
+      </p:nvGrpSpPr>
+      <p:grpSpPr>
+        <a:xfrm>
+          <a:off x="0" y="0"/>
+          <a:ext cx="0" cy="0"/>
+          <a:chOff x="0" y="0"/>
+          <a:chExt cx="0" cy="0"/>
+        </a:xfrm>
+      </p:grpSpPr>
+      <p:sp>
+        <p:nvSpPr>
+          <p:cNvPr id="2" name="标题 1"/>
+          <p:cNvSpPr>
+            <a:spLocks noGrp="1"/>
+          </p:cNvSpPr>
+          <p:nvPr>
+            <p:ph type="title"/>
+          </p:nvPr>
+        </p:nvSpPr>
+        <p:spPr/>
+        <p:txBody>
+          <a:bodyPr/>
+          <a:lstStyle/>
+          <a:p>
+            <a:r>
+              <a:rPr lang="en-US" altLang="zh-CN" dirty="0" smtClean="0"/>
               <a:t>Data model in </a:t>
             </a:r>
             <a:r>
@@ -15216,7 +15840,7 @@
 </p:sld>
 </file>
 
-<file path=ppt/slides/slide44.xml><?xml version="1.0" encoding="utf-8"?>
+<file path=ppt/slides/slide48.xml><?xml version="1.0" encoding="utf-8"?>
 <p:sld xmlns:a="http://schemas.openxmlformats.org/drawingml/2006/main" xmlns:r="http://schemas.openxmlformats.org/officeDocument/2006/relationships" xmlns:p="http://schemas.openxmlformats.org/presentationml/2006/main">
   <p:cSld>
     <p:spTree>
@@ -15689,7 +16313,7 @@
 </p:sld>
 </file>
 
-<file path=ppt/slides/slide45.xml><?xml version="1.0" encoding="utf-8"?>
+<file path=ppt/slides/slide49.xml><?xml version="1.0" encoding="utf-8"?>
 <p:sld xmlns:a="http://schemas.openxmlformats.org/drawingml/2006/main" xmlns:r="http://schemas.openxmlformats.org/officeDocument/2006/relationships" xmlns:p="http://schemas.openxmlformats.org/presentationml/2006/main">
   <p:cSld>
     <p:spTree>
@@ -16123,369 +16747,6 @@
 </p:sld>
 </file>
 
-<file path=ppt/slides/slide46.xml><?xml version="1.0" encoding="utf-8"?>
-<p:sld xmlns:a="http://schemas.openxmlformats.org/drawingml/2006/main" xmlns:r="http://schemas.openxmlformats.org/officeDocument/2006/relationships" xmlns:p="http://schemas.openxmlformats.org/presentationml/2006/main">
-  <p:cSld>
-    <p:spTree>
-      <p:nvGrpSpPr>
-        <p:cNvPr id="1" name=""/>
-        <p:cNvGrpSpPr/>
-        <p:nvPr/>
-      </p:nvGrpSpPr>
-      <p:grpSpPr>
-        <a:xfrm>
-          <a:off x="0" y="0"/>
-          <a:ext cx="0" cy="0"/>
-          <a:chOff x="0" y="0"/>
-          <a:chExt cx="0" cy="0"/>
-        </a:xfrm>
-      </p:grpSpPr>
-      <p:sp>
-        <p:nvSpPr>
-          <p:cNvPr id="2" name="标题 1"/>
-          <p:cNvSpPr>
-            <a:spLocks noGrp="1"/>
-          </p:cNvSpPr>
-          <p:nvPr>
-            <p:ph type="title"/>
-          </p:nvPr>
-        </p:nvSpPr>
-        <p:spPr/>
-        <p:txBody>
-          <a:bodyPr/>
-          <a:lstStyle/>
-          <a:p>
-            <a:r>
-              <a:rPr lang="en-US" altLang="zh-CN" dirty="0" smtClean="0"/>
-              <a:t>LSM Tree</a:t>
-            </a:r>
-            <a:endParaRPr lang="zh-CN" altLang="en-US" dirty="0"/>
-          </a:p>
-        </p:txBody>
-      </p:sp>
-      <p:sp>
-        <p:nvSpPr>
-          <p:cNvPr id="3" name="内容占位符 2"/>
-          <p:cNvSpPr>
-            <a:spLocks noGrp="1"/>
-          </p:cNvSpPr>
-          <p:nvPr>
-            <p:ph idx="1"/>
-          </p:nvPr>
-        </p:nvSpPr>
-        <p:spPr/>
-        <p:txBody>
-          <a:bodyPr/>
-          <a:lstStyle/>
-          <a:p>
-            <a:endParaRPr lang="zh-CN" altLang="en-US"/>
-          </a:p>
-        </p:txBody>
-      </p:sp>
-    </p:spTree>
-    <p:extLst>
-      <p:ext uri="{BB962C8B-B14F-4D97-AF65-F5344CB8AC3E}">
-        <p14:creationId xmlns:p14="http://schemas.microsoft.com/office/powerpoint/2010/main" val="727106903"/>
-      </p:ext>
-    </p:extLst>
-  </p:cSld>
-  <p:clrMapOvr>
-    <a:masterClrMapping/>
-  </p:clrMapOvr>
-  <p:timing>
-    <p:tnLst>
-      <p:par>
-        <p:cTn id="1" dur="indefinite" restart="never" nodeType="tmRoot"/>
-      </p:par>
-    </p:tnLst>
-  </p:timing>
-</p:sld>
-</file>
-
-<file path=ppt/slides/slide47.xml><?xml version="1.0" encoding="utf-8"?>
-<p:sld xmlns:a="http://schemas.openxmlformats.org/drawingml/2006/main" xmlns:r="http://schemas.openxmlformats.org/officeDocument/2006/relationships" xmlns:p="http://schemas.openxmlformats.org/presentationml/2006/main">
-  <p:cSld>
-    <p:spTree>
-      <p:nvGrpSpPr>
-        <p:cNvPr id="1" name=""/>
-        <p:cNvGrpSpPr/>
-        <p:nvPr/>
-      </p:nvGrpSpPr>
-      <p:grpSpPr>
-        <a:xfrm>
-          <a:off x="0" y="0"/>
-          <a:ext cx="0" cy="0"/>
-          <a:chOff x="0" y="0"/>
-          <a:chExt cx="0" cy="0"/>
-        </a:xfrm>
-      </p:grpSpPr>
-      <p:sp>
-        <p:nvSpPr>
-          <p:cNvPr id="2" name="标题 1"/>
-          <p:cNvSpPr>
-            <a:spLocks noGrp="1"/>
-          </p:cNvSpPr>
-          <p:nvPr>
-            <p:ph type="title"/>
-          </p:nvPr>
-        </p:nvSpPr>
-        <p:spPr/>
-        <p:txBody>
-          <a:bodyPr/>
-          <a:lstStyle/>
-          <a:p>
-            <a:endParaRPr lang="zh-CN" altLang="en-US" dirty="0"/>
-          </a:p>
-        </p:txBody>
-      </p:sp>
-      <p:sp>
-        <p:nvSpPr>
-          <p:cNvPr id="3" name="内容占位符 2"/>
-          <p:cNvSpPr>
-            <a:spLocks noGrp="1"/>
-          </p:cNvSpPr>
-          <p:nvPr>
-            <p:ph idx="1"/>
-          </p:nvPr>
-        </p:nvSpPr>
-        <p:spPr/>
-        <p:txBody>
-          <a:bodyPr/>
-          <a:lstStyle/>
-          <a:p>
-            <a:r>
-              <a:rPr lang="en-US" altLang="zh-CN" dirty="0"/>
-              <a:t># of </a:t>
-            </a:r>
-            <a:r>
-              <a:rPr lang="en-US" altLang="zh-CN" dirty="0" smtClean="0"/>
-              <a:t>Cores(6)</a:t>
-            </a:r>
-            <a:endParaRPr lang="en-US" altLang="zh-CN" dirty="0"/>
-          </a:p>
-          <a:p>
-            <a:r>
-              <a:rPr lang="en-US" altLang="zh-CN" dirty="0"/>
-              <a:t>Cores is a hardware term that describes the number of independent central processing units in a single computing component (die or chip).</a:t>
-            </a:r>
-          </a:p>
-          <a:p>
-            <a:endParaRPr lang="zh-CN" altLang="en-US" dirty="0"/>
-          </a:p>
-        </p:txBody>
-      </p:sp>
-    </p:spTree>
-    <p:extLst>
-      <p:ext uri="{BB962C8B-B14F-4D97-AF65-F5344CB8AC3E}">
-        <p14:creationId xmlns:p14="http://schemas.microsoft.com/office/powerpoint/2010/main" val="802797849"/>
-      </p:ext>
-    </p:extLst>
-  </p:cSld>
-  <p:clrMapOvr>
-    <a:masterClrMapping/>
-  </p:clrMapOvr>
-  <p:timing>
-    <p:tnLst>
-      <p:par>
-        <p:cTn id="1" dur="indefinite" restart="never" nodeType="tmRoot"/>
-      </p:par>
-    </p:tnLst>
-  </p:timing>
-</p:sld>
-</file>
-
-<file path=ppt/slides/slide48.xml><?xml version="1.0" encoding="utf-8"?>
-<p:sld xmlns:a="http://schemas.openxmlformats.org/drawingml/2006/main" xmlns:r="http://schemas.openxmlformats.org/officeDocument/2006/relationships" xmlns:p="http://schemas.openxmlformats.org/presentationml/2006/main">
-  <p:cSld>
-    <p:spTree>
-      <p:nvGrpSpPr>
-        <p:cNvPr id="1" name=""/>
-        <p:cNvGrpSpPr/>
-        <p:nvPr/>
-      </p:nvGrpSpPr>
-      <p:grpSpPr>
-        <a:xfrm>
-          <a:off x="0" y="0"/>
-          <a:ext cx="0" cy="0"/>
-          <a:chOff x="0" y="0"/>
-          <a:chExt cx="0" cy="0"/>
-        </a:xfrm>
-      </p:grpSpPr>
-      <p:sp>
-        <p:nvSpPr>
-          <p:cNvPr id="2" name="标题 1"/>
-          <p:cNvSpPr>
-            <a:spLocks noGrp="1"/>
-          </p:cNvSpPr>
-          <p:nvPr>
-            <p:ph type="title"/>
-          </p:nvPr>
-        </p:nvSpPr>
-        <p:spPr/>
-        <p:txBody>
-          <a:bodyPr/>
-          <a:lstStyle/>
-          <a:p>
-            <a:endParaRPr lang="zh-CN" altLang="en-US"/>
-          </a:p>
-        </p:txBody>
-      </p:sp>
-      <p:sp>
-        <p:nvSpPr>
-          <p:cNvPr id="3" name="内容占位符 2"/>
-          <p:cNvSpPr>
-            <a:spLocks noGrp="1"/>
-          </p:cNvSpPr>
-          <p:nvPr>
-            <p:ph idx="1"/>
-          </p:nvPr>
-        </p:nvSpPr>
-        <p:spPr/>
-        <p:txBody>
-          <a:bodyPr/>
-          <a:lstStyle/>
-          <a:p>
-            <a:r>
-              <a:rPr lang="en-US" altLang="zh-CN" dirty="0"/>
-              <a:t># of </a:t>
-            </a:r>
-            <a:r>
-              <a:rPr lang="en-US" altLang="zh-CN" dirty="0" smtClean="0"/>
-              <a:t>Threads(12)</a:t>
-            </a:r>
-            <a:endParaRPr lang="en-US" altLang="zh-CN" dirty="0"/>
-          </a:p>
-          <a:p>
-            <a:r>
-              <a:rPr lang="en-US" altLang="zh-CN" dirty="0"/>
-              <a:t>A Thread, or thread of execution, is a software term for the basic ordered sequence of instructions that can be passed through or processed by a single CPU core.</a:t>
-            </a:r>
-          </a:p>
-          <a:p>
-            <a:endParaRPr lang="zh-CN" altLang="en-US" dirty="0"/>
-          </a:p>
-        </p:txBody>
-      </p:sp>
-    </p:spTree>
-    <p:extLst>
-      <p:ext uri="{BB962C8B-B14F-4D97-AF65-F5344CB8AC3E}">
-        <p14:creationId xmlns:p14="http://schemas.microsoft.com/office/powerpoint/2010/main" val="2959124188"/>
-      </p:ext>
-    </p:extLst>
-  </p:cSld>
-  <p:clrMapOvr>
-    <a:masterClrMapping/>
-  </p:clrMapOvr>
-  <p:timing>
-    <p:tnLst>
-      <p:par>
-        <p:cTn id="1" dur="indefinite" restart="never" nodeType="tmRoot"/>
-      </p:par>
-    </p:tnLst>
-  </p:timing>
-</p:sld>
-</file>
-
-<file path=ppt/slides/slide49.xml><?xml version="1.0" encoding="utf-8"?>
-<p:sld xmlns:a="http://schemas.openxmlformats.org/drawingml/2006/main" xmlns:r="http://schemas.openxmlformats.org/officeDocument/2006/relationships" xmlns:p="http://schemas.openxmlformats.org/presentationml/2006/main">
-  <p:cSld>
-    <p:spTree>
-      <p:nvGrpSpPr>
-        <p:cNvPr id="1" name=""/>
-        <p:cNvGrpSpPr/>
-        <p:nvPr/>
-      </p:nvGrpSpPr>
-      <p:grpSpPr>
-        <a:xfrm>
-          <a:off x="0" y="0"/>
-          <a:ext cx="0" cy="0"/>
-          <a:chOff x="0" y="0"/>
-          <a:chExt cx="0" cy="0"/>
-        </a:xfrm>
-      </p:grpSpPr>
-      <p:sp>
-        <p:nvSpPr>
-          <p:cNvPr id="2" name="标题 1"/>
-          <p:cNvSpPr>
-            <a:spLocks noGrp="1"/>
-          </p:cNvSpPr>
-          <p:nvPr>
-            <p:ph type="title"/>
-          </p:nvPr>
-        </p:nvSpPr>
-        <p:spPr/>
-        <p:txBody>
-          <a:bodyPr/>
-          <a:lstStyle/>
-          <a:p>
-            <a:endParaRPr lang="zh-CN" altLang="en-US"/>
-          </a:p>
-        </p:txBody>
-      </p:sp>
-      <p:sp>
-        <p:nvSpPr>
-          <p:cNvPr id="3" name="内容占位符 2"/>
-          <p:cNvSpPr>
-            <a:spLocks noGrp="1"/>
-          </p:cNvSpPr>
-          <p:nvPr>
-            <p:ph idx="1"/>
-          </p:nvPr>
-        </p:nvSpPr>
-        <p:spPr/>
-        <p:txBody>
-          <a:bodyPr/>
-          <a:lstStyle/>
-          <a:p>
-            <a:r>
-              <a:rPr lang="en-US" altLang="zh-CN" dirty="0"/>
-              <a:t>Processor Base </a:t>
-            </a:r>
-            <a:r>
-              <a:rPr lang="en-US" altLang="zh-CN" dirty="0" smtClean="0"/>
-              <a:t>Frequency(</a:t>
-            </a:r>
-            <a:r>
-              <a:rPr lang="en-US" altLang="zh-CN" dirty="0"/>
-              <a:t>2.00 GHz</a:t>
-            </a:r>
-            <a:r>
-              <a:rPr lang="en-US" altLang="zh-CN" dirty="0" smtClean="0"/>
-              <a:t>)</a:t>
-            </a:r>
-            <a:endParaRPr lang="en-US" altLang="zh-CN" dirty="0"/>
-          </a:p>
-          <a:p>
-            <a:r>
-              <a:rPr lang="en-US" altLang="zh-CN" dirty="0"/>
-              <a:t>Processor Base Frequency describes the rate at which the processor's transistors open and close. The processor base frequency is the operating point where TDP is defined. Frequency is measured in gigahertz (GHz), or billion cycles per second.</a:t>
-            </a:r>
-          </a:p>
-          <a:p>
-            <a:endParaRPr lang="zh-CN" altLang="en-US" dirty="0"/>
-          </a:p>
-        </p:txBody>
-      </p:sp>
-    </p:spTree>
-    <p:extLst>
-      <p:ext uri="{BB962C8B-B14F-4D97-AF65-F5344CB8AC3E}">
-        <p14:creationId xmlns:p14="http://schemas.microsoft.com/office/powerpoint/2010/main" val="3111507668"/>
-      </p:ext>
-    </p:extLst>
-  </p:cSld>
-  <p:clrMapOvr>
-    <a:masterClrMapping/>
-  </p:clrMapOvr>
-  <p:timing>
-    <p:tnLst>
-      <p:par>
-        <p:cTn id="1" dur="indefinite" restart="never" nodeType="tmRoot"/>
-      </p:par>
-    </p:tnLst>
-  </p:timing>
-</p:sld>
-</file>
-
 <file path=ppt/slides/slide5.xml><?xml version="1.0" encoding="utf-8"?>
 <p:sld xmlns:a="http://schemas.openxmlformats.org/drawingml/2006/main" xmlns:r="http://schemas.openxmlformats.org/officeDocument/2006/relationships" xmlns:p="http://schemas.openxmlformats.org/presentationml/2006/main">
   <p:cSld>
@@ -17711,46 +17972,37 @@
           <a:bodyPr/>
           <a:lstStyle/>
           <a:p>
+            <a:r>
+              <a:rPr lang="en-US" altLang="zh-CN" dirty="0" smtClean="0"/>
+              <a:t>LSM Tree</a:t>
+            </a:r>
+            <a:endParaRPr lang="zh-CN" altLang="en-US" dirty="0"/>
+          </a:p>
+        </p:txBody>
+      </p:sp>
+      <p:sp>
+        <p:nvSpPr>
+          <p:cNvPr id="3" name="内容占位符 2"/>
+          <p:cNvSpPr>
+            <a:spLocks noGrp="1"/>
+          </p:cNvSpPr>
+          <p:nvPr>
+            <p:ph idx="1"/>
+          </p:nvPr>
+        </p:nvSpPr>
+        <p:spPr/>
+        <p:txBody>
+          <a:bodyPr/>
+          <a:lstStyle/>
+          <a:p>
             <a:endParaRPr lang="zh-CN" altLang="en-US"/>
-          </a:p>
-        </p:txBody>
-      </p:sp>
-      <p:sp>
-        <p:nvSpPr>
-          <p:cNvPr id="3" name="内容占位符 2"/>
-          <p:cNvSpPr>
-            <a:spLocks noGrp="1"/>
-          </p:cNvSpPr>
-          <p:nvPr>
-            <p:ph idx="1"/>
-          </p:nvPr>
-        </p:nvSpPr>
-        <p:spPr/>
-        <p:txBody>
-          <a:bodyPr/>
-          <a:lstStyle/>
-          <a:p>
-            <a:r>
-              <a:rPr lang="en-US" altLang="zh-CN" dirty="0" smtClean="0"/>
-              <a:t>Cache(L1, L2, L3)</a:t>
-            </a:r>
-            <a:endParaRPr lang="en-US" altLang="zh-CN" dirty="0"/>
-          </a:p>
-          <a:p>
-            <a:r>
-              <a:rPr lang="en-US" altLang="zh-CN" dirty="0"/>
-              <a:t>CPU Cache is an area of fast memory located on the processor. Intel® Smart Cache refers to the architecture that allows all cores to dynamically share access to the last level cache.</a:t>
-            </a:r>
-          </a:p>
-          <a:p>
-            <a:endParaRPr lang="zh-CN" altLang="en-US" dirty="0"/>
           </a:p>
         </p:txBody>
       </p:sp>
     </p:spTree>
     <p:extLst>
       <p:ext uri="{BB962C8B-B14F-4D97-AF65-F5344CB8AC3E}">
-        <p14:creationId xmlns:p14="http://schemas.microsoft.com/office/powerpoint/2010/main" val="3563029695"/>
+        <p14:creationId xmlns:p14="http://schemas.microsoft.com/office/powerpoint/2010/main" val="727106903"/>
       </p:ext>
     </p:extLst>
   </p:cSld>
@@ -17799,6 +18051,378 @@
           <a:bodyPr/>
           <a:lstStyle/>
           <a:p>
+            <a:endParaRPr lang="zh-CN" altLang="en-US" dirty="0"/>
+          </a:p>
+        </p:txBody>
+      </p:sp>
+      <p:sp>
+        <p:nvSpPr>
+          <p:cNvPr id="3" name="内容占位符 2"/>
+          <p:cNvSpPr>
+            <a:spLocks noGrp="1"/>
+          </p:cNvSpPr>
+          <p:nvPr>
+            <p:ph idx="1"/>
+          </p:nvPr>
+        </p:nvSpPr>
+        <p:spPr/>
+        <p:txBody>
+          <a:bodyPr/>
+          <a:lstStyle/>
+          <a:p>
+            <a:r>
+              <a:rPr lang="en-US" altLang="zh-CN" dirty="0"/>
+              <a:t># of </a:t>
+            </a:r>
+            <a:r>
+              <a:rPr lang="en-US" altLang="zh-CN" dirty="0" smtClean="0"/>
+              <a:t>Cores(6)</a:t>
+            </a:r>
+            <a:endParaRPr lang="en-US" altLang="zh-CN" dirty="0"/>
+          </a:p>
+          <a:p>
+            <a:r>
+              <a:rPr lang="en-US" altLang="zh-CN" dirty="0"/>
+              <a:t>Cores is a hardware term that describes the number of independent central processing units in a single computing component (die or chip).</a:t>
+            </a:r>
+          </a:p>
+          <a:p>
+            <a:endParaRPr lang="zh-CN" altLang="en-US" dirty="0"/>
+          </a:p>
+        </p:txBody>
+      </p:sp>
+    </p:spTree>
+    <p:extLst>
+      <p:ext uri="{BB962C8B-B14F-4D97-AF65-F5344CB8AC3E}">
+        <p14:creationId xmlns:p14="http://schemas.microsoft.com/office/powerpoint/2010/main" val="802797849"/>
+      </p:ext>
+    </p:extLst>
+  </p:cSld>
+  <p:clrMapOvr>
+    <a:masterClrMapping/>
+  </p:clrMapOvr>
+  <p:timing>
+    <p:tnLst>
+      <p:par>
+        <p:cTn id="1" dur="indefinite" restart="never" nodeType="tmRoot"/>
+      </p:par>
+    </p:tnLst>
+  </p:timing>
+</p:sld>
+</file>
+
+<file path=ppt/slides/slide52.xml><?xml version="1.0" encoding="utf-8"?>
+<p:sld xmlns:a="http://schemas.openxmlformats.org/drawingml/2006/main" xmlns:r="http://schemas.openxmlformats.org/officeDocument/2006/relationships" xmlns:p="http://schemas.openxmlformats.org/presentationml/2006/main">
+  <p:cSld>
+    <p:spTree>
+      <p:nvGrpSpPr>
+        <p:cNvPr id="1" name=""/>
+        <p:cNvGrpSpPr/>
+        <p:nvPr/>
+      </p:nvGrpSpPr>
+      <p:grpSpPr>
+        <a:xfrm>
+          <a:off x="0" y="0"/>
+          <a:ext cx="0" cy="0"/>
+          <a:chOff x="0" y="0"/>
+          <a:chExt cx="0" cy="0"/>
+        </a:xfrm>
+      </p:grpSpPr>
+      <p:sp>
+        <p:nvSpPr>
+          <p:cNvPr id="2" name="标题 1"/>
+          <p:cNvSpPr>
+            <a:spLocks noGrp="1"/>
+          </p:cNvSpPr>
+          <p:nvPr>
+            <p:ph type="title"/>
+          </p:nvPr>
+        </p:nvSpPr>
+        <p:spPr/>
+        <p:txBody>
+          <a:bodyPr/>
+          <a:lstStyle/>
+          <a:p>
+            <a:endParaRPr lang="zh-CN" altLang="en-US"/>
+          </a:p>
+        </p:txBody>
+      </p:sp>
+      <p:sp>
+        <p:nvSpPr>
+          <p:cNvPr id="3" name="内容占位符 2"/>
+          <p:cNvSpPr>
+            <a:spLocks noGrp="1"/>
+          </p:cNvSpPr>
+          <p:nvPr>
+            <p:ph idx="1"/>
+          </p:nvPr>
+        </p:nvSpPr>
+        <p:spPr/>
+        <p:txBody>
+          <a:bodyPr/>
+          <a:lstStyle/>
+          <a:p>
+            <a:r>
+              <a:rPr lang="en-US" altLang="zh-CN" dirty="0"/>
+              <a:t># of </a:t>
+            </a:r>
+            <a:r>
+              <a:rPr lang="en-US" altLang="zh-CN" dirty="0" smtClean="0"/>
+              <a:t>Threads(12)</a:t>
+            </a:r>
+            <a:endParaRPr lang="en-US" altLang="zh-CN" dirty="0"/>
+          </a:p>
+          <a:p>
+            <a:r>
+              <a:rPr lang="en-US" altLang="zh-CN" dirty="0"/>
+              <a:t>A Thread, or thread of execution, is a software term for the basic ordered sequence of instructions that can be passed through or processed by a single CPU core.</a:t>
+            </a:r>
+          </a:p>
+          <a:p>
+            <a:endParaRPr lang="zh-CN" altLang="en-US" dirty="0"/>
+          </a:p>
+        </p:txBody>
+      </p:sp>
+    </p:spTree>
+    <p:extLst>
+      <p:ext uri="{BB962C8B-B14F-4D97-AF65-F5344CB8AC3E}">
+        <p14:creationId xmlns:p14="http://schemas.microsoft.com/office/powerpoint/2010/main" val="2959124188"/>
+      </p:ext>
+    </p:extLst>
+  </p:cSld>
+  <p:clrMapOvr>
+    <a:masterClrMapping/>
+  </p:clrMapOvr>
+  <p:timing>
+    <p:tnLst>
+      <p:par>
+        <p:cTn id="1" dur="indefinite" restart="never" nodeType="tmRoot"/>
+      </p:par>
+    </p:tnLst>
+  </p:timing>
+</p:sld>
+</file>
+
+<file path=ppt/slides/slide53.xml><?xml version="1.0" encoding="utf-8"?>
+<p:sld xmlns:a="http://schemas.openxmlformats.org/drawingml/2006/main" xmlns:r="http://schemas.openxmlformats.org/officeDocument/2006/relationships" xmlns:p="http://schemas.openxmlformats.org/presentationml/2006/main">
+  <p:cSld>
+    <p:spTree>
+      <p:nvGrpSpPr>
+        <p:cNvPr id="1" name=""/>
+        <p:cNvGrpSpPr/>
+        <p:nvPr/>
+      </p:nvGrpSpPr>
+      <p:grpSpPr>
+        <a:xfrm>
+          <a:off x="0" y="0"/>
+          <a:ext cx="0" cy="0"/>
+          <a:chOff x="0" y="0"/>
+          <a:chExt cx="0" cy="0"/>
+        </a:xfrm>
+      </p:grpSpPr>
+      <p:sp>
+        <p:nvSpPr>
+          <p:cNvPr id="2" name="标题 1"/>
+          <p:cNvSpPr>
+            <a:spLocks noGrp="1"/>
+          </p:cNvSpPr>
+          <p:nvPr>
+            <p:ph type="title"/>
+          </p:nvPr>
+        </p:nvSpPr>
+        <p:spPr/>
+        <p:txBody>
+          <a:bodyPr/>
+          <a:lstStyle/>
+          <a:p>
+            <a:endParaRPr lang="zh-CN" altLang="en-US"/>
+          </a:p>
+        </p:txBody>
+      </p:sp>
+      <p:sp>
+        <p:nvSpPr>
+          <p:cNvPr id="3" name="内容占位符 2"/>
+          <p:cNvSpPr>
+            <a:spLocks noGrp="1"/>
+          </p:cNvSpPr>
+          <p:nvPr>
+            <p:ph idx="1"/>
+          </p:nvPr>
+        </p:nvSpPr>
+        <p:spPr/>
+        <p:txBody>
+          <a:bodyPr/>
+          <a:lstStyle/>
+          <a:p>
+            <a:r>
+              <a:rPr lang="en-US" altLang="zh-CN" dirty="0"/>
+              <a:t>Processor Base </a:t>
+            </a:r>
+            <a:r>
+              <a:rPr lang="en-US" altLang="zh-CN" dirty="0" smtClean="0"/>
+              <a:t>Frequency(</a:t>
+            </a:r>
+            <a:r>
+              <a:rPr lang="en-US" altLang="zh-CN" dirty="0"/>
+              <a:t>2.00 GHz</a:t>
+            </a:r>
+            <a:r>
+              <a:rPr lang="en-US" altLang="zh-CN" dirty="0" smtClean="0"/>
+              <a:t>)</a:t>
+            </a:r>
+            <a:endParaRPr lang="en-US" altLang="zh-CN" dirty="0"/>
+          </a:p>
+          <a:p>
+            <a:r>
+              <a:rPr lang="en-US" altLang="zh-CN" dirty="0"/>
+              <a:t>Processor Base Frequency describes the rate at which the processor's transistors open and close. The processor base frequency is the operating point where TDP is defined. Frequency is measured in gigahertz (GHz), or billion cycles per second.</a:t>
+            </a:r>
+          </a:p>
+          <a:p>
+            <a:endParaRPr lang="zh-CN" altLang="en-US" dirty="0"/>
+          </a:p>
+        </p:txBody>
+      </p:sp>
+    </p:spTree>
+    <p:extLst>
+      <p:ext uri="{BB962C8B-B14F-4D97-AF65-F5344CB8AC3E}">
+        <p14:creationId xmlns:p14="http://schemas.microsoft.com/office/powerpoint/2010/main" val="3111507668"/>
+      </p:ext>
+    </p:extLst>
+  </p:cSld>
+  <p:clrMapOvr>
+    <a:masterClrMapping/>
+  </p:clrMapOvr>
+  <p:timing>
+    <p:tnLst>
+      <p:par>
+        <p:cTn id="1" dur="indefinite" restart="never" nodeType="tmRoot"/>
+      </p:par>
+    </p:tnLst>
+  </p:timing>
+</p:sld>
+</file>
+
+<file path=ppt/slides/slide54.xml><?xml version="1.0" encoding="utf-8"?>
+<p:sld xmlns:a="http://schemas.openxmlformats.org/drawingml/2006/main" xmlns:r="http://schemas.openxmlformats.org/officeDocument/2006/relationships" xmlns:p="http://schemas.openxmlformats.org/presentationml/2006/main">
+  <p:cSld>
+    <p:spTree>
+      <p:nvGrpSpPr>
+        <p:cNvPr id="1" name=""/>
+        <p:cNvGrpSpPr/>
+        <p:nvPr/>
+      </p:nvGrpSpPr>
+      <p:grpSpPr>
+        <a:xfrm>
+          <a:off x="0" y="0"/>
+          <a:ext cx="0" cy="0"/>
+          <a:chOff x="0" y="0"/>
+          <a:chExt cx="0" cy="0"/>
+        </a:xfrm>
+      </p:grpSpPr>
+      <p:sp>
+        <p:nvSpPr>
+          <p:cNvPr id="2" name="标题 1"/>
+          <p:cNvSpPr>
+            <a:spLocks noGrp="1"/>
+          </p:cNvSpPr>
+          <p:nvPr>
+            <p:ph type="title"/>
+          </p:nvPr>
+        </p:nvSpPr>
+        <p:spPr/>
+        <p:txBody>
+          <a:bodyPr/>
+          <a:lstStyle/>
+          <a:p>
+            <a:endParaRPr lang="zh-CN" altLang="en-US"/>
+          </a:p>
+        </p:txBody>
+      </p:sp>
+      <p:sp>
+        <p:nvSpPr>
+          <p:cNvPr id="3" name="内容占位符 2"/>
+          <p:cNvSpPr>
+            <a:spLocks noGrp="1"/>
+          </p:cNvSpPr>
+          <p:nvPr>
+            <p:ph idx="1"/>
+          </p:nvPr>
+        </p:nvSpPr>
+        <p:spPr/>
+        <p:txBody>
+          <a:bodyPr/>
+          <a:lstStyle/>
+          <a:p>
+            <a:r>
+              <a:rPr lang="en-US" altLang="zh-CN" dirty="0" smtClean="0"/>
+              <a:t>Cache(L1, L2, L3)</a:t>
+            </a:r>
+            <a:endParaRPr lang="en-US" altLang="zh-CN" dirty="0"/>
+          </a:p>
+          <a:p>
+            <a:r>
+              <a:rPr lang="en-US" altLang="zh-CN" dirty="0"/>
+              <a:t>CPU Cache is an area of fast memory located on the processor. Intel® Smart Cache refers to the architecture that allows all cores to dynamically share access to the last level cache.</a:t>
+            </a:r>
+          </a:p>
+          <a:p>
+            <a:endParaRPr lang="zh-CN" altLang="en-US" dirty="0"/>
+          </a:p>
+        </p:txBody>
+      </p:sp>
+    </p:spTree>
+    <p:extLst>
+      <p:ext uri="{BB962C8B-B14F-4D97-AF65-F5344CB8AC3E}">
+        <p14:creationId xmlns:p14="http://schemas.microsoft.com/office/powerpoint/2010/main" val="3563029695"/>
+      </p:ext>
+    </p:extLst>
+  </p:cSld>
+  <p:clrMapOvr>
+    <a:masterClrMapping/>
+  </p:clrMapOvr>
+  <p:timing>
+    <p:tnLst>
+      <p:par>
+        <p:cTn id="1" dur="indefinite" restart="never" nodeType="tmRoot"/>
+      </p:par>
+    </p:tnLst>
+  </p:timing>
+</p:sld>
+</file>
+
+<file path=ppt/slides/slide55.xml><?xml version="1.0" encoding="utf-8"?>
+<p:sld xmlns:a="http://schemas.openxmlformats.org/drawingml/2006/main" xmlns:r="http://schemas.openxmlformats.org/officeDocument/2006/relationships" xmlns:p="http://schemas.openxmlformats.org/presentationml/2006/main">
+  <p:cSld>
+    <p:spTree>
+      <p:nvGrpSpPr>
+        <p:cNvPr id="1" name=""/>
+        <p:cNvGrpSpPr/>
+        <p:nvPr/>
+      </p:nvGrpSpPr>
+      <p:grpSpPr>
+        <a:xfrm>
+          <a:off x="0" y="0"/>
+          <a:ext cx="0" cy="0"/>
+          <a:chOff x="0" y="0"/>
+          <a:chExt cx="0" cy="0"/>
+        </a:xfrm>
+      </p:grpSpPr>
+      <p:sp>
+        <p:nvSpPr>
+          <p:cNvPr id="2" name="标题 1"/>
+          <p:cNvSpPr>
+            <a:spLocks noGrp="1"/>
+          </p:cNvSpPr>
+          <p:nvPr>
+            <p:ph type="title"/>
+          </p:nvPr>
+        </p:nvSpPr>
+        <p:spPr/>
+        <p:txBody>
+          <a:bodyPr/>
+          <a:lstStyle/>
+          <a:p>
             <a:r>
               <a:rPr lang="en-US" altLang="zh-CN" dirty="0" smtClean="0"/>
               <a:t>Reference</a:t>
@@ -17820,7 +18444,7 @@
         <p:spPr/>
         <p:txBody>
           <a:bodyPr>
-            <a:normAutofit fontScale="62500" lnSpcReduction="20000"/>
+            <a:normAutofit fontScale="55000" lnSpcReduction="20000"/>
           </a:bodyPr>
           <a:lstStyle/>
           <a:p>
@@ -17933,100 +18557,139 @@
               <a:rPr lang="en-US" altLang="zh-CN" sz="2800" dirty="0" smtClean="0"/>
               <a:t> </a:t>
             </a:r>
-          </a:p>
-          <a:p>
-            <a:r>
-              <a:rPr lang="en-US" altLang="zh-CN" dirty="0">
+            <a:endParaRPr lang="en-US" altLang="zh-CN" sz="2800" dirty="0" smtClean="0"/>
+          </a:p>
+          <a:p>
+            <a:r>
+              <a:rPr lang="en-US" altLang="zh-CN" sz="2800" dirty="0">
                 <a:hlinkClick r:id="rId9"/>
               </a:rPr>
               <a:t>https://</a:t>
             </a:r>
             <a:r>
-              <a:rPr lang="en-US" altLang="zh-CN" dirty="0" smtClean="0">
+              <a:rPr lang="en-US" altLang="zh-CN" sz="2800" dirty="0" smtClean="0">
                 <a:hlinkClick r:id="rId9"/>
               </a:rPr>
+              <a:t>en.wikipedia.org/wiki/Disk_sector</a:t>
+            </a:r>
+            <a:r>
+              <a:rPr lang="en-US" altLang="zh-CN" sz="2800" dirty="0" smtClean="0"/>
+              <a:t> </a:t>
+            </a:r>
+            <a:endParaRPr lang="en-US" altLang="zh-CN" sz="2800" dirty="0" smtClean="0"/>
+          </a:p>
+          <a:p>
+            <a:r>
+              <a:rPr lang="en-US" altLang="zh-CN" sz="2700" dirty="0">
+                <a:hlinkClick r:id="rId10"/>
+              </a:rPr>
+              <a:t>https://</a:t>
+            </a:r>
+            <a:r>
+              <a:rPr lang="en-US" altLang="zh-CN" sz="2700" dirty="0">
+                <a:hlinkClick r:id="rId10"/>
+              </a:rPr>
               <a:t>en.wikipedia.org/wiki/Cylinder-head-sector</a:t>
             </a:r>
-            <a:endParaRPr lang="en-US" altLang="zh-CN" dirty="0" smtClean="0"/>
-          </a:p>
-          <a:p>
-            <a:r>
-              <a:rPr lang="en-US" altLang="zh-CN" dirty="0">
-                <a:hlinkClick r:id="rId10"/>
+            <a:endParaRPr lang="en-US" altLang="zh-CN" sz="2700" dirty="0"/>
+          </a:p>
+          <a:p>
+            <a:r>
+              <a:rPr lang="en-US" altLang="zh-CN" sz="2700" dirty="0">
+                <a:hlinkClick r:id="rId11"/>
+              </a:rPr>
+              <a:t>https://</a:t>
+            </a:r>
+            <a:r>
+              <a:rPr lang="en-US" altLang="zh-CN" sz="2700" dirty="0">
+                <a:hlinkClick r:id="rId11"/>
+              </a:rPr>
+              <a:t>en.wikipedia.org/wiki/Zone_bit_recording</a:t>
+            </a:r>
+            <a:endParaRPr lang="en-US" altLang="zh-CN" sz="2700" dirty="0"/>
+          </a:p>
+          <a:p>
+            <a:r>
+              <a:rPr lang="en-US" altLang="zh-CN" sz="2700" dirty="0">
+                <a:hlinkClick r:id="rId12"/>
+              </a:rPr>
+              <a:t>http</a:t>
+            </a:r>
+            <a:r>
+              <a:rPr lang="en-US" altLang="zh-CN" sz="2700" dirty="0">
+                <a:hlinkClick r:id="rId12"/>
+              </a:rPr>
+              <a:t>://</a:t>
+            </a:r>
+            <a:r>
+              <a:rPr lang="en-US" altLang="zh-CN" sz="2700" dirty="0">
+                <a:hlinkClick r:id="rId12"/>
+              </a:rPr>
+              <a:t>www.tldp.org/LDP/sag/html/hard-disk.html</a:t>
+            </a:r>
+            <a:endParaRPr lang="en-US" altLang="zh-CN" sz="2700" dirty="0"/>
+          </a:p>
+          <a:p>
+            <a:r>
+              <a:rPr lang="en-US" altLang="zh-CN" sz="2700" dirty="0">
+                <a:hlinkClick r:id="rId13"/>
+              </a:rPr>
+              <a:t>https://</a:t>
+            </a:r>
+            <a:r>
+              <a:rPr lang="en-US" altLang="zh-CN" sz="2700" dirty="0">
+                <a:hlinkClick r:id="rId13"/>
+              </a:rPr>
+              <a:t>www.youtube.com/watch?v=Cj8-WNjaGuM&amp;list=PLlVZ1eXuYslrb9G6xm4SKV51SO-KAFrCw&amp;index=1&amp;t=12s</a:t>
+            </a:r>
+            <a:endParaRPr lang="en-US" altLang="zh-CN" sz="2700" dirty="0"/>
+          </a:p>
+          <a:p>
+            <a:r>
+              <a:rPr lang="en-US" altLang="zh-CN" sz="2700" dirty="0">
+                <a:hlinkClick r:id="rId14"/>
               </a:rPr>
               <a:t>http://</a:t>
             </a:r>
             <a:r>
-              <a:rPr lang="en-US" altLang="zh-CN" dirty="0" smtClean="0">
-                <a:hlinkClick r:id="rId10"/>
-              </a:rPr>
-              <a:t>www.tldp.org/LDP/sag/html/hard-disk.html</a:t>
-            </a:r>
-            <a:endParaRPr lang="en-US" altLang="zh-CN" dirty="0" smtClean="0"/>
-          </a:p>
-          <a:p>
-            <a:r>
-              <a:rPr lang="en-US" altLang="zh-CN" dirty="0">
-                <a:hlinkClick r:id="rId11"/>
-              </a:rPr>
-              <a:t>https://</a:t>
-            </a:r>
-            <a:r>
-              <a:rPr lang="en-US" altLang="zh-CN" dirty="0" smtClean="0">
-                <a:hlinkClick r:id="rId11"/>
-              </a:rPr>
-              <a:t>www.youtube.com/watch?v=Cj8-WNjaGuM&amp;list=PLlVZ1eXuYslrb9G6xm4SKV51SO-KAFrCw&amp;index=1&amp;t=12s</a:t>
-            </a:r>
-            <a:endParaRPr lang="en-US" altLang="zh-CN" dirty="0" smtClean="0"/>
-          </a:p>
-          <a:p>
-            <a:r>
-              <a:rPr lang="en-US" altLang="zh-CN" dirty="0">
-                <a:hlinkClick r:id="rId12"/>
-              </a:rPr>
-              <a:t>http://</a:t>
-            </a:r>
-            <a:r>
-              <a:rPr lang="en-US" altLang="zh-CN" dirty="0" smtClean="0">
-                <a:hlinkClick r:id="rId12"/>
+              <a:rPr lang="en-US" altLang="zh-CN" sz="2700" dirty="0">
+                <a:hlinkClick r:id="rId14"/>
               </a:rPr>
               <a:t>blog.csdn.net/hguisu/article/details/7408047</a:t>
             </a:r>
-            <a:endParaRPr lang="en-US" altLang="zh-CN" dirty="0" smtClean="0"/>
-          </a:p>
-          <a:p>
-            <a:r>
-              <a:rPr lang="en-US" altLang="zh-CN" dirty="0">
-                <a:hlinkClick r:id="rId13"/>
-              </a:rPr>
-              <a:t>https://</a:t>
-            </a:r>
-            <a:r>
-              <a:rPr lang="en-US" altLang="zh-CN" dirty="0" smtClean="0">
-                <a:hlinkClick r:id="rId13"/>
-              </a:rPr>
-              <a:t>en.wikipedia.org/wiki/Zone_bit_recording</a:t>
-            </a:r>
-            <a:endParaRPr lang="en-US" altLang="zh-CN" dirty="0" smtClean="0"/>
-          </a:p>
-          <a:p>
-            <a:r>
-              <a:rPr lang="en-US" altLang="zh-CN" dirty="0">
-                <a:hlinkClick r:id="rId14"/>
-              </a:rPr>
-              <a:t>http://</a:t>
-            </a:r>
-            <a:r>
-              <a:rPr lang="en-US" altLang="zh-CN" dirty="0" smtClean="0">
-                <a:hlinkClick r:id="rId14"/>
-              </a:rPr>
-              <a:t>www.pcguide.com/ref/hdd/geom/tracksZBR-c.html</a:t>
-            </a:r>
-            <a:r>
-              <a:rPr lang="en-US" altLang="zh-CN" dirty="0" smtClean="0"/>
+            <a:endParaRPr lang="en-US" altLang="zh-CN" sz="2700" dirty="0"/>
+          </a:p>
+          <a:p>
+            <a:r>
+              <a:rPr lang="en-US" altLang="zh-CN" sz="2700" dirty="0">
+                <a:hlinkClick r:id="rId15"/>
+              </a:rPr>
+              <a:t>http://www.pcguide.com/ref/hdd/geom/tracksZBR-c.html</a:t>
+            </a:r>
+            <a:r>
+              <a:rPr lang="en-US" altLang="zh-CN" sz="2700" dirty="0"/>
               <a:t> </a:t>
             </a:r>
-            <a:endParaRPr lang="zh-CN" altLang="en-US" dirty="0"/>
+            <a:endParaRPr lang="en-US" altLang="zh-CN" sz="2700" dirty="0" smtClean="0"/>
+          </a:p>
+          <a:p>
+            <a:r>
+              <a:rPr lang="en-US" altLang="zh-CN" sz="2700" dirty="0">
+                <a:hlinkClick r:id="rId16"/>
+              </a:rPr>
+              <a:t>https://www.cs.uic.edu/~</a:t>
+            </a:r>
+            <a:r>
+              <a:rPr lang="en-US" altLang="zh-CN" sz="2700" dirty="0" smtClean="0">
+                <a:hlinkClick r:id="rId16"/>
+              </a:rPr>
+              <a:t>jbell/CourseNotes/OperatingSystems/10_MassStorage.html</a:t>
+            </a:r>
+            <a:r>
+              <a:rPr lang="en-US" altLang="zh-CN" sz="2700" dirty="0" smtClean="0"/>
+              <a:t> </a:t>
+            </a:r>
+            <a:endParaRPr lang="zh-CN" altLang="en-US" sz="2700" dirty="0"/>
           </a:p>
         </p:txBody>
       </p:sp>

--- a/数据存取模型.pptx
+++ b/数据存取模型.pptx
@@ -1385,8 +1385,8 @@
     <dgm:cxn modelId="{86A895BC-819C-4042-8B1D-773DB3436A83}" type="presOf" srcId="{51508896-CE6B-4C4C-AE5C-7F57DCD466EF}" destId="{F384333B-A7B2-4AD4-AAF4-1020CFD05D90}" srcOrd="0" destOrd="0" presId="urn:microsoft.com/office/officeart/2005/8/layout/process1"/>
     <dgm:cxn modelId="{3399834B-E690-4870-B77E-3BA0D79F0FBF}" type="presOf" srcId="{832F5EC6-8217-4FC9-808C-9FD247A964FC}" destId="{12F6DEA7-46CD-430B-9D74-996AFF434F0F}" srcOrd="0" destOrd="0" presId="urn:microsoft.com/office/officeart/2005/8/layout/process1"/>
     <dgm:cxn modelId="{004A0167-2E0B-42D0-BDFE-A7812C27B69C}" srcId="{A6FF1E29-5325-4F17-8370-79C6485CD54A}" destId="{48B3AF02-FD32-4F53-8D21-B2CFCC4B8D88}" srcOrd="1" destOrd="0" parTransId="{3FFB96B5-EF33-4312-85A9-CB2C5170F427}" sibTransId="{99DB5579-F359-48EE-89A2-B54A6894DEC2}"/>
+    <dgm:cxn modelId="{D7D3B785-AF37-4ADC-90E5-B2607646DCE4}" type="presOf" srcId="{A6FF1E29-5325-4F17-8370-79C6485CD54A}" destId="{2DA7D8F1-A0DC-49A3-87A4-6D13D5C42E55}" srcOrd="0" destOrd="0" presId="urn:microsoft.com/office/officeart/2005/8/layout/process1"/>
     <dgm:cxn modelId="{016C0D6A-0F65-4AC6-B6C1-BC3D8088FF1A}" srcId="{51508896-CE6B-4C4C-AE5C-7F57DCD466EF}" destId="{29AC1141-FABF-47A9-80BF-7F3F37435ECE}" srcOrd="0" destOrd="0" parTransId="{5BD97E2F-085F-4C1C-B44E-CC46AAC0B21D}" sibTransId="{ADF62174-8B78-45BE-8E92-D0B8DB0947DB}"/>
-    <dgm:cxn modelId="{D7D3B785-AF37-4ADC-90E5-B2607646DCE4}" type="presOf" srcId="{A6FF1E29-5325-4F17-8370-79C6485CD54A}" destId="{2DA7D8F1-A0DC-49A3-87A4-6D13D5C42E55}" srcOrd="0" destOrd="0" presId="urn:microsoft.com/office/officeart/2005/8/layout/process1"/>
     <dgm:cxn modelId="{75F8F249-F25A-4823-890D-2FF74BC5913D}" type="presOf" srcId="{48B3AF02-FD32-4F53-8D21-B2CFCC4B8D88}" destId="{1B51271D-C99F-4D38-8577-6FED0C546D1A}" srcOrd="0" destOrd="0" presId="urn:microsoft.com/office/officeart/2005/8/layout/process1"/>
     <dgm:cxn modelId="{55D01B76-F2E4-4E3C-8FE4-9D22F513AD44}" type="presOf" srcId="{99DB5579-F359-48EE-89A2-B54A6894DEC2}" destId="{DC948D7C-44B9-4323-AD18-EC21FF82D1D8}" srcOrd="1" destOrd="0" presId="urn:microsoft.com/office/officeart/2005/8/layout/process1"/>
     <dgm:cxn modelId="{BB3F49C2-AA95-4D17-91DF-9EF4A003E353}" type="presOf" srcId="{B9C77DC8-E824-4B88-AB5D-FC76229FED9D}" destId="{C1EC2948-BFCB-48E8-8B95-89ACBD07155D}" srcOrd="1" destOrd="0" presId="urn:microsoft.com/office/officeart/2005/8/layout/process1"/>
@@ -3179,7 +3179,7 @@
             <a:fld id="{391FB7C5-BAD5-4A8E-A638-CD9490F15158}" type="datetimeFigureOut">
               <a:rPr lang="zh-CN" altLang="en-US" smtClean="0"/>
               <a:pPr/>
-              <a:t>2017-05-08</a:t>
+              <a:t>2017-05-09</a:t>
             </a:fld>
             <a:endParaRPr lang="zh-CN" altLang="en-US"/>
           </a:p>
@@ -5232,8 +5232,137 @@
           <a:p>
             <a:r>
               <a:rPr lang="en-US" altLang="zh-CN" sz="1200" dirty="0" smtClean="0"/>
-              <a:t>sequential access pre-fetching will reduce time to perform complete operation.</a:t>
-            </a:r>
+              <a:t>sequential access pre-fetching will reduce time to perform complete operation</a:t>
+            </a:r>
+            <a:r>
+              <a:rPr lang="en-US" altLang="zh-CN" sz="1200" dirty="0" smtClean="0"/>
+              <a:t>.</a:t>
+            </a:r>
+          </a:p>
+          <a:p>
+            <a:r>
+              <a:rPr lang="zh-CN" altLang="en-US" sz="1200" b="1" i="0" kern="1200" dirty="0" smtClean="0">
+                <a:solidFill>
+                  <a:schemeClr val="tx1"/>
+                </a:solidFill>
+                <a:effectLst/>
+                <a:latin typeface="+mn-lt"/>
+                <a:ea typeface="+mn-ea"/>
+                <a:cs typeface="+mn-cs"/>
+              </a:rPr>
+              <a:t>局部性原理与磁盘预读</a:t>
+            </a:r>
+            <a:endParaRPr lang="en-US" altLang="zh-CN" sz="1200" b="1" i="0" kern="1200" dirty="0" smtClean="0">
+              <a:solidFill>
+                <a:schemeClr val="tx1"/>
+              </a:solidFill>
+              <a:effectLst/>
+              <a:latin typeface="+mn-lt"/>
+              <a:ea typeface="+mn-ea"/>
+              <a:cs typeface="+mn-cs"/>
+            </a:endParaRPr>
+          </a:p>
+          <a:p>
+            <a:r>
+              <a:rPr lang="zh-CN" altLang="en-US" sz="1200" b="0" i="0" kern="1200" dirty="0" smtClean="0">
+                <a:solidFill>
+                  <a:schemeClr val="tx1"/>
+                </a:solidFill>
+                <a:effectLst/>
+                <a:latin typeface="+mn-lt"/>
+                <a:ea typeface="+mn-ea"/>
+                <a:cs typeface="+mn-cs"/>
+              </a:rPr>
+              <a:t>由于磁盘顺序读取的效率很高（不需要寻道时间，只需很少的旋转时间），因此对于具有局部性的程序来说，预读可以提高</a:t>
+            </a:r>
+            <a:r>
+              <a:rPr lang="en-US" altLang="zh-CN" sz="1200" b="0" i="0" kern="1200" dirty="0" smtClean="0">
+                <a:solidFill>
+                  <a:schemeClr val="tx1"/>
+                </a:solidFill>
+                <a:effectLst/>
+                <a:latin typeface="+mn-lt"/>
+                <a:ea typeface="+mn-ea"/>
+                <a:cs typeface="+mn-cs"/>
+              </a:rPr>
+              <a:t>I/O</a:t>
+            </a:r>
+            <a:r>
+              <a:rPr lang="zh-CN" altLang="en-US" sz="1200" b="0" i="0" kern="1200" dirty="0" smtClean="0">
+                <a:solidFill>
+                  <a:schemeClr val="tx1"/>
+                </a:solidFill>
+                <a:effectLst/>
+                <a:latin typeface="+mn-lt"/>
+                <a:ea typeface="+mn-ea"/>
+                <a:cs typeface="+mn-cs"/>
+              </a:rPr>
+              <a:t>效率。</a:t>
+            </a:r>
+          </a:p>
+          <a:p>
+            <a:r>
+              <a:rPr lang="zh-CN" altLang="en-US" sz="1200" b="0" i="0" kern="1200" dirty="0" smtClean="0">
+                <a:solidFill>
+                  <a:schemeClr val="tx1"/>
+                </a:solidFill>
+                <a:effectLst/>
+                <a:latin typeface="+mn-lt"/>
+                <a:ea typeface="+mn-ea"/>
+                <a:cs typeface="+mn-cs"/>
+              </a:rPr>
+              <a:t>预读的长度一般为页（</a:t>
+            </a:r>
+            <a:r>
+              <a:rPr lang="en-US" altLang="zh-CN" sz="1200" b="0" i="0" kern="1200" dirty="0" smtClean="0">
+                <a:solidFill>
+                  <a:schemeClr val="tx1"/>
+                </a:solidFill>
+                <a:effectLst/>
+                <a:latin typeface="+mn-lt"/>
+                <a:ea typeface="+mn-ea"/>
+                <a:cs typeface="+mn-cs"/>
+              </a:rPr>
+              <a:t>page</a:t>
+            </a:r>
+            <a:r>
+              <a:rPr lang="zh-CN" altLang="en-US" sz="1200" b="0" i="0" kern="1200" dirty="0" smtClean="0">
+                <a:solidFill>
+                  <a:schemeClr val="tx1"/>
+                </a:solidFill>
+                <a:effectLst/>
+                <a:latin typeface="+mn-lt"/>
+                <a:ea typeface="+mn-ea"/>
+                <a:cs typeface="+mn-cs"/>
+              </a:rPr>
+              <a:t>）的整倍数。页是计算机管理存储器的逻辑块，硬件及操作系统往往将主存和磁盘存储区分割为连续的大小相等的块，每个存储块称为一页（在许多操作系统中，页得大小通常为</a:t>
+            </a:r>
+            <a:r>
+              <a:rPr lang="en-US" altLang="zh-CN" sz="1200" b="0" i="0" kern="1200" dirty="0" smtClean="0">
+                <a:solidFill>
+                  <a:schemeClr val="tx1"/>
+                </a:solidFill>
+                <a:effectLst/>
+                <a:latin typeface="+mn-lt"/>
+                <a:ea typeface="+mn-ea"/>
+                <a:cs typeface="+mn-cs"/>
+              </a:rPr>
+              <a:t>4k</a:t>
+            </a:r>
+            <a:r>
+              <a:rPr lang="zh-CN" altLang="en-US" sz="1200" b="0" i="0" kern="1200" dirty="0" smtClean="0">
+                <a:solidFill>
+                  <a:schemeClr val="tx1"/>
+                </a:solidFill>
+                <a:effectLst/>
+                <a:latin typeface="+mn-lt"/>
+                <a:ea typeface="+mn-ea"/>
+                <a:cs typeface="+mn-cs"/>
+              </a:rPr>
+              <a:t>），主存和磁盘以页为单位交换数据。当程序要读取的数据不在主存中时，会触发一个缺页异常，此时系统会向磁盘发出读盘信号，磁盘会找到数据的起始位置并向后连续读取一页或几页载入内存中，然后异常返回，程序继续运行。</a:t>
+            </a:r>
+          </a:p>
+          <a:p>
             <a:endParaRPr lang="zh-CN" altLang="en-US" dirty="0"/>
           </a:p>
         </p:txBody>
@@ -5563,537 +5692,6 @@
           <a:bodyPr/>
           <a:lstStyle/>
           <a:p>
-            <a:r>
-              <a:rPr lang="zh-CN" altLang="en-US" sz="1200" b="0" i="0" kern="1200" dirty="0" smtClean="0">
-                <a:solidFill>
-                  <a:schemeClr val="tx1"/>
-                </a:solidFill>
-                <a:effectLst/>
-                <a:latin typeface="+mn-lt"/>
-                <a:ea typeface="+mn-ea"/>
-                <a:cs typeface="+mn-cs"/>
-              </a:rPr>
-              <a:t>利用了字符串的</a:t>
-            </a:r>
-            <a:r>
-              <a:rPr lang="zh-CN" altLang="en-US" sz="1200" b="1" i="0" kern="1200" dirty="0" smtClean="0">
-                <a:solidFill>
-                  <a:schemeClr val="tx1"/>
-                </a:solidFill>
-                <a:effectLst/>
-                <a:latin typeface="+mn-lt"/>
-                <a:ea typeface="+mn-ea"/>
-                <a:cs typeface="+mn-cs"/>
-              </a:rPr>
-              <a:t>共同前缀（</a:t>
-            </a:r>
-            <a:r>
-              <a:rPr lang="en-US" altLang="zh-CN" sz="1200" b="1" i="0" kern="1200" dirty="0" smtClean="0">
-                <a:solidFill>
-                  <a:schemeClr val="tx1"/>
-                </a:solidFill>
-                <a:effectLst/>
-                <a:latin typeface="+mn-lt"/>
-                <a:ea typeface="+mn-ea"/>
-                <a:cs typeface="+mn-cs"/>
-              </a:rPr>
-              <a:t>Common Prefix</a:t>
-            </a:r>
-            <a:r>
-              <a:rPr lang="zh-CN" altLang="en-US" sz="1200" b="1" i="0" kern="1200" dirty="0" smtClean="0">
-                <a:solidFill>
-                  <a:schemeClr val="tx1"/>
-                </a:solidFill>
-                <a:effectLst/>
-                <a:latin typeface="+mn-lt"/>
-                <a:ea typeface="+mn-ea"/>
-                <a:cs typeface="+mn-cs"/>
-              </a:rPr>
-              <a:t>）</a:t>
-            </a:r>
-            <a:r>
-              <a:rPr lang="zh-CN" altLang="en-US" sz="1200" b="0" i="0" kern="1200" dirty="0" smtClean="0">
-                <a:solidFill>
-                  <a:schemeClr val="tx1"/>
-                </a:solidFill>
-                <a:effectLst/>
-                <a:latin typeface="+mn-lt"/>
-                <a:ea typeface="+mn-ea"/>
-                <a:cs typeface="+mn-cs"/>
-              </a:rPr>
-              <a:t>作为存储依据</a:t>
-            </a:r>
-            <a:endParaRPr lang="en-US" altLang="zh-CN" sz="1200" b="0" i="0" kern="1200" dirty="0" smtClean="0">
-              <a:solidFill>
-                <a:schemeClr val="tx1"/>
-              </a:solidFill>
-              <a:effectLst/>
-              <a:latin typeface="+mn-lt"/>
-              <a:ea typeface="+mn-ea"/>
-              <a:cs typeface="+mn-cs"/>
-            </a:endParaRPr>
-          </a:p>
-          <a:p>
-            <a:r>
-              <a:rPr lang="en-US" altLang="zh-CN" sz="1200" b="0" i="0" kern="1200" dirty="0" err="1" smtClean="0">
-                <a:solidFill>
-                  <a:schemeClr val="tx1"/>
-                </a:solidFill>
-                <a:effectLst/>
-                <a:latin typeface="+mn-lt"/>
-                <a:ea typeface="+mn-ea"/>
-                <a:cs typeface="+mn-cs"/>
-              </a:rPr>
-              <a:t>Trie</a:t>
-            </a:r>
-            <a:r>
-              <a:rPr lang="en-US" altLang="zh-CN" sz="1200" b="0" i="0" kern="1200" dirty="0" smtClean="0">
-                <a:solidFill>
-                  <a:schemeClr val="tx1"/>
-                </a:solidFill>
-                <a:effectLst/>
-                <a:latin typeface="+mn-lt"/>
-                <a:ea typeface="+mn-ea"/>
-                <a:cs typeface="+mn-cs"/>
-              </a:rPr>
-              <a:t> </a:t>
-            </a:r>
-            <a:r>
-              <a:rPr lang="zh-CN" altLang="en-US" sz="1200" b="0" i="0" kern="1200" dirty="0" smtClean="0">
-                <a:solidFill>
-                  <a:schemeClr val="tx1"/>
-                </a:solidFill>
-                <a:effectLst/>
-                <a:latin typeface="+mn-lt"/>
-                <a:ea typeface="+mn-ea"/>
-                <a:cs typeface="+mn-cs"/>
-              </a:rPr>
-              <a:t>的字符串搜索时间复杂度为 </a:t>
-            </a:r>
-            <a:r>
-              <a:rPr lang="en-US" altLang="zh-CN" sz="1200" b="1" i="0" kern="1200" dirty="0" smtClean="0">
-                <a:solidFill>
-                  <a:schemeClr val="tx1"/>
-                </a:solidFill>
-                <a:effectLst/>
-                <a:latin typeface="+mn-lt"/>
-                <a:ea typeface="+mn-ea"/>
-                <a:cs typeface="+mn-cs"/>
-              </a:rPr>
-              <a:t>O(m)</a:t>
-            </a:r>
-            <a:r>
-              <a:rPr lang="zh-CN" altLang="en-US" sz="1200" b="0" i="0" kern="1200" dirty="0" smtClean="0">
-                <a:solidFill>
-                  <a:schemeClr val="tx1"/>
-                </a:solidFill>
-                <a:effectLst/>
-                <a:latin typeface="+mn-lt"/>
-                <a:ea typeface="+mn-ea"/>
-                <a:cs typeface="+mn-cs"/>
-              </a:rPr>
-              <a:t>，</a:t>
-            </a:r>
-            <a:r>
-              <a:rPr lang="en-US" altLang="zh-CN" sz="1200" b="0" i="0" kern="1200" dirty="0" smtClean="0">
-                <a:solidFill>
-                  <a:schemeClr val="tx1"/>
-                </a:solidFill>
-                <a:effectLst/>
-                <a:latin typeface="+mn-lt"/>
-                <a:ea typeface="+mn-ea"/>
-                <a:cs typeface="+mn-cs"/>
-              </a:rPr>
-              <a:t>m </a:t>
-            </a:r>
-            <a:r>
-              <a:rPr lang="zh-CN" altLang="en-US" sz="1200" b="0" i="0" kern="1200" dirty="0" smtClean="0">
-                <a:solidFill>
-                  <a:schemeClr val="tx1"/>
-                </a:solidFill>
-                <a:effectLst/>
-                <a:latin typeface="+mn-lt"/>
-                <a:ea typeface="+mn-ea"/>
-                <a:cs typeface="+mn-cs"/>
-              </a:rPr>
-              <a:t>为最长的字符串的长度，其查询性能</a:t>
-            </a:r>
-            <a:r>
-              <a:rPr lang="zh-CN" altLang="en-US" sz="1200" b="0" i="0" kern="1200" dirty="0" smtClean="0">
-                <a:solidFill>
-                  <a:srgbClr val="FF0000"/>
-                </a:solidFill>
-                <a:effectLst/>
-                <a:latin typeface="+mn-lt"/>
-                <a:ea typeface="+mn-ea"/>
-                <a:cs typeface="+mn-cs"/>
-              </a:rPr>
-              <a:t>与集合中的字符串的数量无关</a:t>
-            </a:r>
-            <a:endParaRPr lang="en-US" altLang="zh-CN" sz="1200" b="0" i="0" kern="1200" dirty="0" smtClean="0">
-              <a:solidFill>
-                <a:srgbClr val="FF0000"/>
-              </a:solidFill>
-              <a:effectLst/>
-              <a:latin typeface="+mn-lt"/>
-              <a:ea typeface="+mn-ea"/>
-              <a:cs typeface="+mn-cs"/>
-            </a:endParaRPr>
-          </a:p>
-          <a:p>
-            <a:endParaRPr lang="en-US" altLang="zh-CN" sz="1200" b="0" i="0" kern="1200" dirty="0" smtClean="0">
-              <a:solidFill>
-                <a:srgbClr val="FF0000"/>
-              </a:solidFill>
-              <a:effectLst/>
-              <a:latin typeface="+mn-lt"/>
-              <a:ea typeface="+mn-ea"/>
-              <a:cs typeface="+mn-cs"/>
-            </a:endParaRPr>
-          </a:p>
-          <a:p>
-            <a:r>
-              <a:rPr lang="en-US" altLang="zh-CN" sz="1200" b="1" i="0" kern="1200" dirty="0" err="1" smtClean="0">
-                <a:solidFill>
-                  <a:schemeClr val="tx1"/>
-                </a:solidFill>
-                <a:effectLst/>
-                <a:latin typeface="+mn-lt"/>
-                <a:ea typeface="+mn-ea"/>
-                <a:cs typeface="+mn-cs"/>
-              </a:rPr>
-              <a:t>Trie</a:t>
-            </a:r>
-            <a:r>
-              <a:rPr lang="en-US" altLang="zh-CN" sz="1200" b="1" i="0" kern="1200" dirty="0" smtClean="0">
-                <a:solidFill>
-                  <a:schemeClr val="tx1"/>
-                </a:solidFill>
-                <a:effectLst/>
-                <a:latin typeface="+mn-lt"/>
-                <a:ea typeface="+mn-ea"/>
-                <a:cs typeface="+mn-cs"/>
-              </a:rPr>
-              <a:t> </a:t>
-            </a:r>
-            <a:r>
-              <a:rPr lang="zh-CN" altLang="en-US" sz="1200" b="1" i="0" kern="1200" dirty="0" smtClean="0">
-                <a:solidFill>
-                  <a:schemeClr val="tx1"/>
-                </a:solidFill>
-                <a:effectLst/>
-                <a:latin typeface="+mn-lt"/>
-                <a:ea typeface="+mn-ea"/>
-                <a:cs typeface="+mn-cs"/>
-              </a:rPr>
-              <a:t>的应用</a:t>
-            </a:r>
-            <a:endParaRPr lang="en-US" altLang="zh-CN" sz="1200" b="0" i="0" kern="1200" dirty="0" smtClean="0">
-              <a:solidFill>
-                <a:srgbClr val="FF0000"/>
-              </a:solidFill>
-              <a:effectLst/>
-              <a:latin typeface="+mn-lt"/>
-              <a:ea typeface="+mn-ea"/>
-              <a:cs typeface="+mn-cs"/>
-            </a:endParaRPr>
-          </a:p>
-          <a:p>
-            <a:r>
-              <a:rPr lang="zh-CN" altLang="en-US" sz="1200" b="0" i="0" kern="1200" dirty="0" smtClean="0">
-                <a:solidFill>
-                  <a:schemeClr val="tx1"/>
-                </a:solidFill>
-                <a:effectLst/>
-                <a:latin typeface="+mn-lt"/>
-                <a:ea typeface="+mn-ea"/>
-                <a:cs typeface="+mn-cs"/>
-              </a:rPr>
-              <a:t>特别适用于构建关键词搜索和词频统计等场景</a:t>
-            </a:r>
-            <a:endParaRPr lang="en-US" altLang="zh-CN" sz="1200" b="0" i="0" kern="1200" dirty="0" smtClean="0">
-              <a:solidFill>
-                <a:schemeClr val="tx1"/>
-              </a:solidFill>
-              <a:effectLst/>
-              <a:latin typeface="+mn-lt"/>
-              <a:ea typeface="+mn-ea"/>
-              <a:cs typeface="+mn-cs"/>
-            </a:endParaRPr>
-          </a:p>
-          <a:p>
-            <a:r>
-              <a:rPr lang="zh-CN" altLang="en-US" sz="1200" b="1" i="0" kern="1200" dirty="0" smtClean="0">
-                <a:solidFill>
-                  <a:schemeClr val="tx1"/>
-                </a:solidFill>
-                <a:effectLst/>
-                <a:latin typeface="+mn-lt"/>
-                <a:ea typeface="+mn-ea"/>
-                <a:cs typeface="+mn-cs"/>
-              </a:rPr>
-              <a:t>字符串检索</a:t>
-            </a:r>
-            <a:r>
-              <a:rPr lang="zh-CN" altLang="en-US" sz="1200" b="0" i="0" kern="1200" dirty="0" smtClean="0">
-                <a:solidFill>
-                  <a:schemeClr val="tx1"/>
-                </a:solidFill>
-                <a:effectLst/>
-                <a:latin typeface="+mn-lt"/>
-                <a:ea typeface="+mn-ea"/>
-                <a:cs typeface="+mn-cs"/>
-              </a:rPr>
-              <a:t>：事先将已知的一些字符串（字典）的有关信息保存到 </a:t>
-            </a:r>
-            <a:r>
-              <a:rPr lang="en-US" altLang="zh-CN" sz="1200" b="0" i="0" kern="1200" dirty="0" err="1" smtClean="0">
-                <a:solidFill>
-                  <a:schemeClr val="tx1"/>
-                </a:solidFill>
-                <a:effectLst/>
-                <a:latin typeface="+mn-lt"/>
-                <a:ea typeface="+mn-ea"/>
-                <a:cs typeface="+mn-cs"/>
-              </a:rPr>
-              <a:t>Trie</a:t>
-            </a:r>
-            <a:r>
-              <a:rPr lang="en-US" altLang="zh-CN" sz="1200" b="0" i="0" kern="1200" dirty="0" smtClean="0">
-                <a:solidFill>
-                  <a:schemeClr val="tx1"/>
-                </a:solidFill>
-                <a:effectLst/>
-                <a:latin typeface="+mn-lt"/>
-                <a:ea typeface="+mn-ea"/>
-                <a:cs typeface="+mn-cs"/>
-              </a:rPr>
-              <a:t> </a:t>
-            </a:r>
-            <a:r>
-              <a:rPr lang="zh-CN" altLang="en-US" sz="1200" b="0" i="0" kern="1200" dirty="0" smtClean="0">
-                <a:solidFill>
-                  <a:schemeClr val="tx1"/>
-                </a:solidFill>
-                <a:effectLst/>
-                <a:latin typeface="+mn-lt"/>
-                <a:ea typeface="+mn-ea"/>
-                <a:cs typeface="+mn-cs"/>
-              </a:rPr>
-              <a:t>里，查找另外一些未知字符串是否出现过或者出现频率。</a:t>
-            </a:r>
-          </a:p>
-          <a:p>
-            <a:r>
-              <a:rPr lang="zh-CN" altLang="en-US" sz="1200" b="1" i="0" kern="1200" dirty="0" smtClean="0">
-                <a:solidFill>
-                  <a:schemeClr val="tx1"/>
-                </a:solidFill>
-                <a:effectLst/>
-                <a:latin typeface="+mn-lt"/>
-                <a:ea typeface="+mn-ea"/>
-                <a:cs typeface="+mn-cs"/>
-              </a:rPr>
-              <a:t>字符串最长公共前缀</a:t>
-            </a:r>
-            <a:r>
-              <a:rPr lang="zh-CN" altLang="en-US" sz="1200" b="0" i="0" kern="1200" dirty="0" smtClean="0">
-                <a:solidFill>
-                  <a:schemeClr val="tx1"/>
-                </a:solidFill>
-                <a:effectLst/>
-                <a:latin typeface="+mn-lt"/>
-                <a:ea typeface="+mn-ea"/>
-                <a:cs typeface="+mn-cs"/>
-              </a:rPr>
-              <a:t>：</a:t>
-            </a:r>
-            <a:r>
-              <a:rPr lang="en-US" altLang="zh-CN" sz="1200" b="0" i="0" kern="1200" dirty="0" err="1" smtClean="0">
-                <a:solidFill>
-                  <a:schemeClr val="tx1"/>
-                </a:solidFill>
-                <a:effectLst/>
-                <a:latin typeface="+mn-lt"/>
-                <a:ea typeface="+mn-ea"/>
-                <a:cs typeface="+mn-cs"/>
-              </a:rPr>
-              <a:t>Trie</a:t>
-            </a:r>
-            <a:r>
-              <a:rPr lang="en-US" altLang="zh-CN" sz="1200" b="0" i="0" kern="1200" dirty="0" smtClean="0">
-                <a:solidFill>
-                  <a:schemeClr val="tx1"/>
-                </a:solidFill>
-                <a:effectLst/>
-                <a:latin typeface="+mn-lt"/>
-                <a:ea typeface="+mn-ea"/>
-                <a:cs typeface="+mn-cs"/>
-              </a:rPr>
-              <a:t> </a:t>
-            </a:r>
-            <a:r>
-              <a:rPr lang="zh-CN" altLang="en-US" sz="1200" b="0" i="0" kern="1200" dirty="0" smtClean="0">
-                <a:solidFill>
-                  <a:schemeClr val="tx1"/>
-                </a:solidFill>
-                <a:effectLst/>
-                <a:latin typeface="+mn-lt"/>
-                <a:ea typeface="+mn-ea"/>
-                <a:cs typeface="+mn-cs"/>
-              </a:rPr>
-              <a:t>利用多个字符串的公共前缀来节省存储空间，反之，当我们把大量字符串存储到一棵 </a:t>
-            </a:r>
-            <a:r>
-              <a:rPr lang="en-US" altLang="zh-CN" sz="1200" b="0" i="0" kern="1200" dirty="0" err="1" smtClean="0">
-                <a:solidFill>
-                  <a:schemeClr val="tx1"/>
-                </a:solidFill>
-                <a:effectLst/>
-                <a:latin typeface="+mn-lt"/>
-                <a:ea typeface="+mn-ea"/>
-                <a:cs typeface="+mn-cs"/>
-              </a:rPr>
-              <a:t>Trie</a:t>
-            </a:r>
-            <a:r>
-              <a:rPr lang="en-US" altLang="zh-CN" sz="1200" b="0" i="0" kern="1200" dirty="0" smtClean="0">
-                <a:solidFill>
-                  <a:schemeClr val="tx1"/>
-                </a:solidFill>
-                <a:effectLst/>
-                <a:latin typeface="+mn-lt"/>
-                <a:ea typeface="+mn-ea"/>
-                <a:cs typeface="+mn-cs"/>
-              </a:rPr>
-              <a:t> </a:t>
-            </a:r>
-            <a:r>
-              <a:rPr lang="zh-CN" altLang="en-US" sz="1200" b="0" i="0" kern="1200" dirty="0" smtClean="0">
-                <a:solidFill>
-                  <a:schemeClr val="tx1"/>
-                </a:solidFill>
-                <a:effectLst/>
-                <a:latin typeface="+mn-lt"/>
-                <a:ea typeface="+mn-ea"/>
-                <a:cs typeface="+mn-cs"/>
-              </a:rPr>
-              <a:t>上时，我们可以快速得到某些字符串的公共前缀。</a:t>
-            </a:r>
-          </a:p>
-          <a:p>
-            <a:r>
-              <a:rPr lang="zh-CN" altLang="en-US" sz="1200" b="1" i="0" kern="1200" dirty="0" smtClean="0">
-                <a:solidFill>
-                  <a:schemeClr val="tx1"/>
-                </a:solidFill>
-                <a:effectLst/>
-                <a:latin typeface="+mn-lt"/>
-                <a:ea typeface="+mn-ea"/>
-                <a:cs typeface="+mn-cs"/>
-              </a:rPr>
-              <a:t>排序</a:t>
-            </a:r>
-            <a:r>
-              <a:rPr lang="zh-CN" altLang="en-US" sz="1200" b="0" i="0" kern="1200" dirty="0" smtClean="0">
-                <a:solidFill>
-                  <a:schemeClr val="tx1"/>
-                </a:solidFill>
-                <a:effectLst/>
-                <a:latin typeface="+mn-lt"/>
-                <a:ea typeface="+mn-ea"/>
-                <a:cs typeface="+mn-cs"/>
-              </a:rPr>
-              <a:t>：</a:t>
-            </a:r>
-            <a:r>
-              <a:rPr lang="en-US" altLang="zh-CN" sz="1200" b="0" i="0" kern="1200" dirty="0" err="1" smtClean="0">
-                <a:solidFill>
-                  <a:schemeClr val="tx1"/>
-                </a:solidFill>
-                <a:effectLst/>
-                <a:latin typeface="+mn-lt"/>
-                <a:ea typeface="+mn-ea"/>
-                <a:cs typeface="+mn-cs"/>
-              </a:rPr>
-              <a:t>Trie</a:t>
-            </a:r>
-            <a:r>
-              <a:rPr lang="en-US" altLang="zh-CN" sz="1200" b="0" i="0" kern="1200" dirty="0" smtClean="0">
-                <a:solidFill>
-                  <a:schemeClr val="tx1"/>
-                </a:solidFill>
-                <a:effectLst/>
-                <a:latin typeface="+mn-lt"/>
-                <a:ea typeface="+mn-ea"/>
-                <a:cs typeface="+mn-cs"/>
-              </a:rPr>
-              <a:t> </a:t>
-            </a:r>
-            <a:r>
-              <a:rPr lang="zh-CN" altLang="en-US" sz="1200" b="0" i="0" kern="1200" dirty="0" smtClean="0">
-                <a:solidFill>
-                  <a:schemeClr val="tx1"/>
-                </a:solidFill>
-                <a:effectLst/>
-                <a:latin typeface="+mn-lt"/>
-                <a:ea typeface="+mn-ea"/>
-                <a:cs typeface="+mn-cs"/>
-              </a:rPr>
-              <a:t>树是一棵多叉树，只要先序遍历整棵树，输出相应的字符串，便是按字典序排序的结果。</a:t>
-            </a:r>
-          </a:p>
-          <a:p>
-            <a:r>
-              <a:rPr lang="zh-CN" altLang="en-US" sz="1200" b="1" i="0" kern="1200" dirty="0" smtClean="0">
-                <a:solidFill>
-                  <a:schemeClr val="tx1"/>
-                </a:solidFill>
-                <a:effectLst/>
-                <a:latin typeface="+mn-lt"/>
-                <a:ea typeface="+mn-ea"/>
-                <a:cs typeface="+mn-cs"/>
-              </a:rPr>
-              <a:t>作为其他数据结构和算法的辅助结构</a:t>
-            </a:r>
-            <a:r>
-              <a:rPr lang="zh-CN" altLang="en-US" sz="1200" b="0" i="0" kern="1200" dirty="0" smtClean="0">
-                <a:solidFill>
-                  <a:schemeClr val="tx1"/>
-                </a:solidFill>
-                <a:effectLst/>
-                <a:latin typeface="+mn-lt"/>
-                <a:ea typeface="+mn-ea"/>
-                <a:cs typeface="+mn-cs"/>
-              </a:rPr>
-              <a:t>：如后缀树，</a:t>
-            </a:r>
-            <a:r>
-              <a:rPr lang="en-US" altLang="zh-CN" sz="1200" b="0" i="0" kern="1200" dirty="0" smtClean="0">
-                <a:solidFill>
-                  <a:schemeClr val="tx1"/>
-                </a:solidFill>
-                <a:effectLst/>
-                <a:latin typeface="+mn-lt"/>
-                <a:ea typeface="+mn-ea"/>
-                <a:cs typeface="+mn-cs"/>
-              </a:rPr>
-              <a:t>AC</a:t>
-            </a:r>
-            <a:r>
-              <a:rPr lang="zh-CN" altLang="en-US" sz="1200" b="0" i="0" kern="1200" dirty="0" smtClean="0">
-                <a:solidFill>
-                  <a:schemeClr val="tx1"/>
-                </a:solidFill>
-                <a:effectLst/>
-                <a:latin typeface="+mn-lt"/>
-                <a:ea typeface="+mn-ea"/>
-                <a:cs typeface="+mn-cs"/>
-              </a:rPr>
-              <a:t>自动机等。</a:t>
-            </a:r>
-          </a:p>
-          <a:p>
             <a:endParaRPr lang="zh-CN" altLang="en-US" dirty="0"/>
           </a:p>
         </p:txBody>
@@ -6116,7 +5714,7 @@
             <a:fld id="{B3C1B4BF-54A8-4AD9-A7C6-8274C6439C54}" type="slidenum">
               <a:rPr lang="zh-CN" altLang="en-US" smtClean="0"/>
               <a:pPr/>
-              <a:t>44</a:t>
+              <a:t>42</a:t>
             </a:fld>
             <a:endParaRPr lang="zh-CN" altLang="en-US"/>
           </a:p>
@@ -6125,7 +5723,7 @@
     </p:spTree>
     <p:extLst>
       <p:ext uri="{BB962C8B-B14F-4D97-AF65-F5344CB8AC3E}">
-        <p14:creationId xmlns:p14="http://schemas.microsoft.com/office/powerpoint/2010/main" val="3430474932"/>
+        <p14:creationId xmlns:p14="http://schemas.microsoft.com/office/powerpoint/2010/main" val="4222977933"/>
       </p:ext>
     </p:extLst>
   </p:cSld>
@@ -6180,6 +5778,622 @@
           <a:lstStyle/>
           <a:p>
             <a:r>
+              <a:rPr lang="zh-CN" altLang="en-US" sz="1200" b="0" i="0" kern="1200" dirty="0" smtClean="0">
+                <a:solidFill>
+                  <a:schemeClr val="tx1"/>
+                </a:solidFill>
+                <a:effectLst/>
+                <a:latin typeface="+mn-lt"/>
+                <a:ea typeface="+mn-ea"/>
+                <a:cs typeface="+mn-cs"/>
+              </a:rPr>
+              <a:t>利用了字符串的</a:t>
+            </a:r>
+            <a:r>
+              <a:rPr lang="zh-CN" altLang="en-US" sz="1200" b="1" i="0" kern="1200" dirty="0" smtClean="0">
+                <a:solidFill>
+                  <a:schemeClr val="tx1"/>
+                </a:solidFill>
+                <a:effectLst/>
+                <a:latin typeface="+mn-lt"/>
+                <a:ea typeface="+mn-ea"/>
+                <a:cs typeface="+mn-cs"/>
+              </a:rPr>
+              <a:t>共同前缀（</a:t>
+            </a:r>
+            <a:r>
+              <a:rPr lang="en-US" altLang="zh-CN" sz="1200" b="1" i="0" kern="1200" dirty="0" smtClean="0">
+                <a:solidFill>
+                  <a:schemeClr val="tx1"/>
+                </a:solidFill>
+                <a:effectLst/>
+                <a:latin typeface="+mn-lt"/>
+                <a:ea typeface="+mn-ea"/>
+                <a:cs typeface="+mn-cs"/>
+              </a:rPr>
+              <a:t>Common Prefix</a:t>
+            </a:r>
+            <a:r>
+              <a:rPr lang="zh-CN" altLang="en-US" sz="1200" b="1" i="0" kern="1200" dirty="0" smtClean="0">
+                <a:solidFill>
+                  <a:schemeClr val="tx1"/>
+                </a:solidFill>
+                <a:effectLst/>
+                <a:latin typeface="+mn-lt"/>
+                <a:ea typeface="+mn-ea"/>
+                <a:cs typeface="+mn-cs"/>
+              </a:rPr>
+              <a:t>）</a:t>
+            </a:r>
+            <a:r>
+              <a:rPr lang="zh-CN" altLang="en-US" sz="1200" b="0" i="0" kern="1200" dirty="0" smtClean="0">
+                <a:solidFill>
+                  <a:schemeClr val="tx1"/>
+                </a:solidFill>
+                <a:effectLst/>
+                <a:latin typeface="+mn-lt"/>
+                <a:ea typeface="+mn-ea"/>
+                <a:cs typeface="+mn-cs"/>
+              </a:rPr>
+              <a:t>作为存储依据</a:t>
+            </a:r>
+            <a:endParaRPr lang="en-US" altLang="zh-CN" sz="1200" b="0" i="0" kern="1200" dirty="0" smtClean="0">
+              <a:solidFill>
+                <a:schemeClr val="tx1"/>
+              </a:solidFill>
+              <a:effectLst/>
+              <a:latin typeface="+mn-lt"/>
+              <a:ea typeface="+mn-ea"/>
+              <a:cs typeface="+mn-cs"/>
+            </a:endParaRPr>
+          </a:p>
+          <a:p>
+            <a:r>
+              <a:rPr lang="en-US" altLang="zh-CN" sz="1200" b="0" i="0" kern="1200" dirty="0" err="1" smtClean="0">
+                <a:solidFill>
+                  <a:schemeClr val="tx1"/>
+                </a:solidFill>
+                <a:effectLst/>
+                <a:latin typeface="+mn-lt"/>
+                <a:ea typeface="+mn-ea"/>
+                <a:cs typeface="+mn-cs"/>
+              </a:rPr>
+              <a:t>Trie</a:t>
+            </a:r>
+            <a:r>
+              <a:rPr lang="en-US" altLang="zh-CN" sz="1200" b="0" i="0" kern="1200" dirty="0" smtClean="0">
+                <a:solidFill>
+                  <a:schemeClr val="tx1"/>
+                </a:solidFill>
+                <a:effectLst/>
+                <a:latin typeface="+mn-lt"/>
+                <a:ea typeface="+mn-ea"/>
+                <a:cs typeface="+mn-cs"/>
+              </a:rPr>
+              <a:t> </a:t>
+            </a:r>
+            <a:r>
+              <a:rPr lang="zh-CN" altLang="en-US" sz="1200" b="0" i="0" kern="1200" dirty="0" smtClean="0">
+                <a:solidFill>
+                  <a:schemeClr val="tx1"/>
+                </a:solidFill>
+                <a:effectLst/>
+                <a:latin typeface="+mn-lt"/>
+                <a:ea typeface="+mn-ea"/>
+                <a:cs typeface="+mn-cs"/>
+              </a:rPr>
+              <a:t>的字符串搜索时间复杂度为 </a:t>
+            </a:r>
+            <a:r>
+              <a:rPr lang="en-US" altLang="zh-CN" sz="1200" b="1" i="0" kern="1200" dirty="0" smtClean="0">
+                <a:solidFill>
+                  <a:schemeClr val="tx1"/>
+                </a:solidFill>
+                <a:effectLst/>
+                <a:latin typeface="+mn-lt"/>
+                <a:ea typeface="+mn-ea"/>
+                <a:cs typeface="+mn-cs"/>
+              </a:rPr>
+              <a:t>O(m)</a:t>
+            </a:r>
+            <a:r>
+              <a:rPr lang="zh-CN" altLang="en-US" sz="1200" b="0" i="0" kern="1200" dirty="0" smtClean="0">
+                <a:solidFill>
+                  <a:schemeClr val="tx1"/>
+                </a:solidFill>
+                <a:effectLst/>
+                <a:latin typeface="+mn-lt"/>
+                <a:ea typeface="+mn-ea"/>
+                <a:cs typeface="+mn-cs"/>
+              </a:rPr>
+              <a:t>，</a:t>
+            </a:r>
+            <a:r>
+              <a:rPr lang="en-US" altLang="zh-CN" sz="1200" b="0" i="0" kern="1200" dirty="0" smtClean="0">
+                <a:solidFill>
+                  <a:schemeClr val="tx1"/>
+                </a:solidFill>
+                <a:effectLst/>
+                <a:latin typeface="+mn-lt"/>
+                <a:ea typeface="+mn-ea"/>
+                <a:cs typeface="+mn-cs"/>
+              </a:rPr>
+              <a:t>m </a:t>
+            </a:r>
+            <a:r>
+              <a:rPr lang="zh-CN" altLang="en-US" sz="1200" b="0" i="0" kern="1200" dirty="0" smtClean="0">
+                <a:solidFill>
+                  <a:schemeClr val="tx1"/>
+                </a:solidFill>
+                <a:effectLst/>
+                <a:latin typeface="+mn-lt"/>
+                <a:ea typeface="+mn-ea"/>
+                <a:cs typeface="+mn-cs"/>
+              </a:rPr>
+              <a:t>为最长的字符串的长度，其查询性能</a:t>
+            </a:r>
+            <a:r>
+              <a:rPr lang="zh-CN" altLang="en-US" sz="1200" b="0" i="0" kern="1200" dirty="0" smtClean="0">
+                <a:solidFill>
+                  <a:srgbClr val="FF0000"/>
+                </a:solidFill>
+                <a:effectLst/>
+                <a:latin typeface="+mn-lt"/>
+                <a:ea typeface="+mn-ea"/>
+                <a:cs typeface="+mn-cs"/>
+              </a:rPr>
+              <a:t>与集合中的字符串的数量无关</a:t>
+            </a:r>
+            <a:endParaRPr lang="en-US" altLang="zh-CN" sz="1200" b="0" i="0" kern="1200" dirty="0" smtClean="0">
+              <a:solidFill>
+                <a:srgbClr val="FF0000"/>
+              </a:solidFill>
+              <a:effectLst/>
+              <a:latin typeface="+mn-lt"/>
+              <a:ea typeface="+mn-ea"/>
+              <a:cs typeface="+mn-cs"/>
+            </a:endParaRPr>
+          </a:p>
+          <a:p>
+            <a:endParaRPr lang="en-US" altLang="zh-CN" sz="1200" b="0" i="0" kern="1200" dirty="0" smtClean="0">
+              <a:solidFill>
+                <a:srgbClr val="FF0000"/>
+              </a:solidFill>
+              <a:effectLst/>
+              <a:latin typeface="+mn-lt"/>
+              <a:ea typeface="+mn-ea"/>
+              <a:cs typeface="+mn-cs"/>
+            </a:endParaRPr>
+          </a:p>
+          <a:p>
+            <a:r>
+              <a:rPr lang="en-US" altLang="zh-CN" sz="1200" b="1" i="0" kern="1200" dirty="0" err="1" smtClean="0">
+                <a:solidFill>
+                  <a:schemeClr val="tx1"/>
+                </a:solidFill>
+                <a:effectLst/>
+                <a:latin typeface="+mn-lt"/>
+                <a:ea typeface="+mn-ea"/>
+                <a:cs typeface="+mn-cs"/>
+              </a:rPr>
+              <a:t>Trie</a:t>
+            </a:r>
+            <a:r>
+              <a:rPr lang="en-US" altLang="zh-CN" sz="1200" b="1" i="0" kern="1200" dirty="0" smtClean="0">
+                <a:solidFill>
+                  <a:schemeClr val="tx1"/>
+                </a:solidFill>
+                <a:effectLst/>
+                <a:latin typeface="+mn-lt"/>
+                <a:ea typeface="+mn-ea"/>
+                <a:cs typeface="+mn-cs"/>
+              </a:rPr>
+              <a:t> </a:t>
+            </a:r>
+            <a:r>
+              <a:rPr lang="zh-CN" altLang="en-US" sz="1200" b="1" i="0" kern="1200" dirty="0" smtClean="0">
+                <a:solidFill>
+                  <a:schemeClr val="tx1"/>
+                </a:solidFill>
+                <a:effectLst/>
+                <a:latin typeface="+mn-lt"/>
+                <a:ea typeface="+mn-ea"/>
+                <a:cs typeface="+mn-cs"/>
+              </a:rPr>
+              <a:t>的应用</a:t>
+            </a:r>
+            <a:endParaRPr lang="en-US" altLang="zh-CN" sz="1200" b="0" i="0" kern="1200" dirty="0" smtClean="0">
+              <a:solidFill>
+                <a:srgbClr val="FF0000"/>
+              </a:solidFill>
+              <a:effectLst/>
+              <a:latin typeface="+mn-lt"/>
+              <a:ea typeface="+mn-ea"/>
+              <a:cs typeface="+mn-cs"/>
+            </a:endParaRPr>
+          </a:p>
+          <a:p>
+            <a:r>
+              <a:rPr lang="zh-CN" altLang="en-US" sz="1200" b="0" i="0" kern="1200" dirty="0" smtClean="0">
+                <a:solidFill>
+                  <a:schemeClr val="tx1"/>
+                </a:solidFill>
+                <a:effectLst/>
+                <a:latin typeface="+mn-lt"/>
+                <a:ea typeface="+mn-ea"/>
+                <a:cs typeface="+mn-cs"/>
+              </a:rPr>
+              <a:t>特别适用于构建关键词搜索和词频统计等场景</a:t>
+            </a:r>
+            <a:endParaRPr lang="en-US" altLang="zh-CN" sz="1200" b="0" i="0" kern="1200" dirty="0" smtClean="0">
+              <a:solidFill>
+                <a:schemeClr val="tx1"/>
+              </a:solidFill>
+              <a:effectLst/>
+              <a:latin typeface="+mn-lt"/>
+              <a:ea typeface="+mn-ea"/>
+              <a:cs typeface="+mn-cs"/>
+            </a:endParaRPr>
+          </a:p>
+          <a:p>
+            <a:r>
+              <a:rPr lang="zh-CN" altLang="en-US" sz="1200" b="1" i="0" kern="1200" dirty="0" smtClean="0">
+                <a:solidFill>
+                  <a:schemeClr val="tx1"/>
+                </a:solidFill>
+                <a:effectLst/>
+                <a:latin typeface="+mn-lt"/>
+                <a:ea typeface="+mn-ea"/>
+                <a:cs typeface="+mn-cs"/>
+              </a:rPr>
+              <a:t>字符串检索</a:t>
+            </a:r>
+            <a:r>
+              <a:rPr lang="zh-CN" altLang="en-US" sz="1200" b="0" i="0" kern="1200" dirty="0" smtClean="0">
+                <a:solidFill>
+                  <a:schemeClr val="tx1"/>
+                </a:solidFill>
+                <a:effectLst/>
+                <a:latin typeface="+mn-lt"/>
+                <a:ea typeface="+mn-ea"/>
+                <a:cs typeface="+mn-cs"/>
+              </a:rPr>
+              <a:t>：事先将已知的一些字符串（字典）的有关信息保存到 </a:t>
+            </a:r>
+            <a:r>
+              <a:rPr lang="en-US" altLang="zh-CN" sz="1200" b="0" i="0" kern="1200" dirty="0" err="1" smtClean="0">
+                <a:solidFill>
+                  <a:schemeClr val="tx1"/>
+                </a:solidFill>
+                <a:effectLst/>
+                <a:latin typeface="+mn-lt"/>
+                <a:ea typeface="+mn-ea"/>
+                <a:cs typeface="+mn-cs"/>
+              </a:rPr>
+              <a:t>Trie</a:t>
+            </a:r>
+            <a:r>
+              <a:rPr lang="en-US" altLang="zh-CN" sz="1200" b="0" i="0" kern="1200" dirty="0" smtClean="0">
+                <a:solidFill>
+                  <a:schemeClr val="tx1"/>
+                </a:solidFill>
+                <a:effectLst/>
+                <a:latin typeface="+mn-lt"/>
+                <a:ea typeface="+mn-ea"/>
+                <a:cs typeface="+mn-cs"/>
+              </a:rPr>
+              <a:t> </a:t>
+            </a:r>
+            <a:r>
+              <a:rPr lang="zh-CN" altLang="en-US" sz="1200" b="0" i="0" kern="1200" dirty="0" smtClean="0">
+                <a:solidFill>
+                  <a:schemeClr val="tx1"/>
+                </a:solidFill>
+                <a:effectLst/>
+                <a:latin typeface="+mn-lt"/>
+                <a:ea typeface="+mn-ea"/>
+                <a:cs typeface="+mn-cs"/>
+              </a:rPr>
+              <a:t>里，查找另外一些未知字符串是否出现过或者出现频率。</a:t>
+            </a:r>
+          </a:p>
+          <a:p>
+            <a:r>
+              <a:rPr lang="zh-CN" altLang="en-US" sz="1200" b="1" i="0" kern="1200" dirty="0" smtClean="0">
+                <a:solidFill>
+                  <a:schemeClr val="tx1"/>
+                </a:solidFill>
+                <a:effectLst/>
+                <a:latin typeface="+mn-lt"/>
+                <a:ea typeface="+mn-ea"/>
+                <a:cs typeface="+mn-cs"/>
+              </a:rPr>
+              <a:t>字符串最长公共前缀</a:t>
+            </a:r>
+            <a:r>
+              <a:rPr lang="zh-CN" altLang="en-US" sz="1200" b="0" i="0" kern="1200" dirty="0" smtClean="0">
+                <a:solidFill>
+                  <a:schemeClr val="tx1"/>
+                </a:solidFill>
+                <a:effectLst/>
+                <a:latin typeface="+mn-lt"/>
+                <a:ea typeface="+mn-ea"/>
+                <a:cs typeface="+mn-cs"/>
+              </a:rPr>
+              <a:t>：</a:t>
+            </a:r>
+            <a:r>
+              <a:rPr lang="en-US" altLang="zh-CN" sz="1200" b="0" i="0" kern="1200" dirty="0" err="1" smtClean="0">
+                <a:solidFill>
+                  <a:schemeClr val="tx1"/>
+                </a:solidFill>
+                <a:effectLst/>
+                <a:latin typeface="+mn-lt"/>
+                <a:ea typeface="+mn-ea"/>
+                <a:cs typeface="+mn-cs"/>
+              </a:rPr>
+              <a:t>Trie</a:t>
+            </a:r>
+            <a:r>
+              <a:rPr lang="en-US" altLang="zh-CN" sz="1200" b="0" i="0" kern="1200" dirty="0" smtClean="0">
+                <a:solidFill>
+                  <a:schemeClr val="tx1"/>
+                </a:solidFill>
+                <a:effectLst/>
+                <a:latin typeface="+mn-lt"/>
+                <a:ea typeface="+mn-ea"/>
+                <a:cs typeface="+mn-cs"/>
+              </a:rPr>
+              <a:t> </a:t>
+            </a:r>
+            <a:r>
+              <a:rPr lang="zh-CN" altLang="en-US" sz="1200" b="0" i="0" kern="1200" dirty="0" smtClean="0">
+                <a:solidFill>
+                  <a:schemeClr val="tx1"/>
+                </a:solidFill>
+                <a:effectLst/>
+                <a:latin typeface="+mn-lt"/>
+                <a:ea typeface="+mn-ea"/>
+                <a:cs typeface="+mn-cs"/>
+              </a:rPr>
+              <a:t>利用多个字符串的公共前缀来节省存储空间，反之，当我们把大量字符串存储到一棵 </a:t>
+            </a:r>
+            <a:r>
+              <a:rPr lang="en-US" altLang="zh-CN" sz="1200" b="0" i="0" kern="1200" dirty="0" err="1" smtClean="0">
+                <a:solidFill>
+                  <a:schemeClr val="tx1"/>
+                </a:solidFill>
+                <a:effectLst/>
+                <a:latin typeface="+mn-lt"/>
+                <a:ea typeface="+mn-ea"/>
+                <a:cs typeface="+mn-cs"/>
+              </a:rPr>
+              <a:t>Trie</a:t>
+            </a:r>
+            <a:r>
+              <a:rPr lang="en-US" altLang="zh-CN" sz="1200" b="0" i="0" kern="1200" dirty="0" smtClean="0">
+                <a:solidFill>
+                  <a:schemeClr val="tx1"/>
+                </a:solidFill>
+                <a:effectLst/>
+                <a:latin typeface="+mn-lt"/>
+                <a:ea typeface="+mn-ea"/>
+                <a:cs typeface="+mn-cs"/>
+              </a:rPr>
+              <a:t> </a:t>
+            </a:r>
+            <a:r>
+              <a:rPr lang="zh-CN" altLang="en-US" sz="1200" b="0" i="0" kern="1200" dirty="0" smtClean="0">
+                <a:solidFill>
+                  <a:schemeClr val="tx1"/>
+                </a:solidFill>
+                <a:effectLst/>
+                <a:latin typeface="+mn-lt"/>
+                <a:ea typeface="+mn-ea"/>
+                <a:cs typeface="+mn-cs"/>
+              </a:rPr>
+              <a:t>上时，我们可以快速得到某些字符串的公共前缀。</a:t>
+            </a:r>
+          </a:p>
+          <a:p>
+            <a:r>
+              <a:rPr lang="zh-CN" altLang="en-US" sz="1200" b="1" i="0" kern="1200" dirty="0" smtClean="0">
+                <a:solidFill>
+                  <a:schemeClr val="tx1"/>
+                </a:solidFill>
+                <a:effectLst/>
+                <a:latin typeface="+mn-lt"/>
+                <a:ea typeface="+mn-ea"/>
+                <a:cs typeface="+mn-cs"/>
+              </a:rPr>
+              <a:t>排序</a:t>
+            </a:r>
+            <a:r>
+              <a:rPr lang="zh-CN" altLang="en-US" sz="1200" b="0" i="0" kern="1200" dirty="0" smtClean="0">
+                <a:solidFill>
+                  <a:schemeClr val="tx1"/>
+                </a:solidFill>
+                <a:effectLst/>
+                <a:latin typeface="+mn-lt"/>
+                <a:ea typeface="+mn-ea"/>
+                <a:cs typeface="+mn-cs"/>
+              </a:rPr>
+              <a:t>：</a:t>
+            </a:r>
+            <a:r>
+              <a:rPr lang="en-US" altLang="zh-CN" sz="1200" b="0" i="0" kern="1200" dirty="0" err="1" smtClean="0">
+                <a:solidFill>
+                  <a:schemeClr val="tx1"/>
+                </a:solidFill>
+                <a:effectLst/>
+                <a:latin typeface="+mn-lt"/>
+                <a:ea typeface="+mn-ea"/>
+                <a:cs typeface="+mn-cs"/>
+              </a:rPr>
+              <a:t>Trie</a:t>
+            </a:r>
+            <a:r>
+              <a:rPr lang="en-US" altLang="zh-CN" sz="1200" b="0" i="0" kern="1200" dirty="0" smtClean="0">
+                <a:solidFill>
+                  <a:schemeClr val="tx1"/>
+                </a:solidFill>
+                <a:effectLst/>
+                <a:latin typeface="+mn-lt"/>
+                <a:ea typeface="+mn-ea"/>
+                <a:cs typeface="+mn-cs"/>
+              </a:rPr>
+              <a:t> </a:t>
+            </a:r>
+            <a:r>
+              <a:rPr lang="zh-CN" altLang="en-US" sz="1200" b="0" i="0" kern="1200" dirty="0" smtClean="0">
+                <a:solidFill>
+                  <a:schemeClr val="tx1"/>
+                </a:solidFill>
+                <a:effectLst/>
+                <a:latin typeface="+mn-lt"/>
+                <a:ea typeface="+mn-ea"/>
+                <a:cs typeface="+mn-cs"/>
+              </a:rPr>
+              <a:t>树是一棵多叉树，只要先序遍历整棵树，输出相应的字符串，便是按字典序排序的结果。</a:t>
+            </a:r>
+          </a:p>
+          <a:p>
+            <a:r>
+              <a:rPr lang="zh-CN" altLang="en-US" sz="1200" b="1" i="0" kern="1200" dirty="0" smtClean="0">
+                <a:solidFill>
+                  <a:schemeClr val="tx1"/>
+                </a:solidFill>
+                <a:effectLst/>
+                <a:latin typeface="+mn-lt"/>
+                <a:ea typeface="+mn-ea"/>
+                <a:cs typeface="+mn-cs"/>
+              </a:rPr>
+              <a:t>作为其他数据结构和算法的辅助结构</a:t>
+            </a:r>
+            <a:r>
+              <a:rPr lang="zh-CN" altLang="en-US" sz="1200" b="0" i="0" kern="1200" dirty="0" smtClean="0">
+                <a:solidFill>
+                  <a:schemeClr val="tx1"/>
+                </a:solidFill>
+                <a:effectLst/>
+                <a:latin typeface="+mn-lt"/>
+                <a:ea typeface="+mn-ea"/>
+                <a:cs typeface="+mn-cs"/>
+              </a:rPr>
+              <a:t>：如后缀树，</a:t>
+            </a:r>
+            <a:r>
+              <a:rPr lang="en-US" altLang="zh-CN" sz="1200" b="0" i="0" kern="1200" dirty="0" smtClean="0">
+                <a:solidFill>
+                  <a:schemeClr val="tx1"/>
+                </a:solidFill>
+                <a:effectLst/>
+                <a:latin typeface="+mn-lt"/>
+                <a:ea typeface="+mn-ea"/>
+                <a:cs typeface="+mn-cs"/>
+              </a:rPr>
+              <a:t>AC</a:t>
+            </a:r>
+            <a:r>
+              <a:rPr lang="zh-CN" altLang="en-US" sz="1200" b="0" i="0" kern="1200" dirty="0" smtClean="0">
+                <a:solidFill>
+                  <a:schemeClr val="tx1"/>
+                </a:solidFill>
+                <a:effectLst/>
+                <a:latin typeface="+mn-lt"/>
+                <a:ea typeface="+mn-ea"/>
+                <a:cs typeface="+mn-cs"/>
+              </a:rPr>
+              <a:t>自动机等。</a:t>
+            </a:r>
+          </a:p>
+          <a:p>
+            <a:endParaRPr lang="zh-CN" altLang="en-US" dirty="0"/>
+          </a:p>
+        </p:txBody>
+      </p:sp>
+      <p:sp>
+        <p:nvSpPr>
+          <p:cNvPr id="4" name="灯片编号占位符 3"/>
+          <p:cNvSpPr>
+            <a:spLocks noGrp="1"/>
+          </p:cNvSpPr>
+          <p:nvPr>
+            <p:ph type="sldNum" sz="quarter" idx="10"/>
+          </p:nvPr>
+        </p:nvSpPr>
+        <p:spPr/>
+        <p:txBody>
+          <a:bodyPr/>
+          <a:lstStyle/>
+          <a:p>
+            <a:fld id="{B3C1B4BF-54A8-4AD9-A7C6-8274C6439C54}" type="slidenum">
+              <a:rPr lang="zh-CN" altLang="en-US" smtClean="0"/>
+              <a:pPr/>
+              <a:t>44</a:t>
+            </a:fld>
+            <a:endParaRPr lang="zh-CN" altLang="en-US"/>
+          </a:p>
+        </p:txBody>
+      </p:sp>
+    </p:spTree>
+    <p:extLst>
+      <p:ext uri="{BB962C8B-B14F-4D97-AF65-F5344CB8AC3E}">
+        <p14:creationId xmlns:p14="http://schemas.microsoft.com/office/powerpoint/2010/main" val="3430474932"/>
+      </p:ext>
+    </p:extLst>
+  </p:cSld>
+  <p:clrMapOvr>
+    <a:masterClrMapping/>
+  </p:clrMapOvr>
+</p:notes>
+</file>
+
+<file path=ppt/notesSlides/notesSlide17.xml><?xml version="1.0" encoding="utf-8"?>
+<p:notes xmlns:a="http://schemas.openxmlformats.org/drawingml/2006/main" xmlns:r="http://schemas.openxmlformats.org/officeDocument/2006/relationships" xmlns:p="http://schemas.openxmlformats.org/presentationml/2006/main">
+  <p:cSld>
+    <p:spTree>
+      <p:nvGrpSpPr>
+        <p:cNvPr id="1" name=""/>
+        <p:cNvGrpSpPr/>
+        <p:nvPr/>
+      </p:nvGrpSpPr>
+      <p:grpSpPr>
+        <a:xfrm>
+          <a:off x="0" y="0"/>
+          <a:ext cx="0" cy="0"/>
+          <a:chOff x="0" y="0"/>
+          <a:chExt cx="0" cy="0"/>
+        </a:xfrm>
+      </p:grpSpPr>
+      <p:sp>
+        <p:nvSpPr>
+          <p:cNvPr id="2" name="幻灯片图像占位符 1"/>
+          <p:cNvSpPr>
+            <a:spLocks noGrp="1" noRot="1" noChangeAspect="1"/>
+          </p:cNvSpPr>
+          <p:nvPr>
+            <p:ph type="sldImg"/>
+          </p:nvPr>
+        </p:nvSpPr>
+        <p:spPr/>
+      </p:sp>
+      <p:sp>
+        <p:nvSpPr>
+          <p:cNvPr id="3" name="备注占位符 2"/>
+          <p:cNvSpPr>
+            <a:spLocks noGrp="1"/>
+          </p:cNvSpPr>
+          <p:nvPr>
+            <p:ph type="body" idx="1"/>
+          </p:nvPr>
+        </p:nvSpPr>
+        <p:spPr/>
+        <p:txBody>
+          <a:bodyPr/>
+          <a:lstStyle/>
+          <a:p>
+            <a:r>
               <a:rPr lang="en-US" altLang="zh-CN" sz="1200" b="0" i="0" kern="1200" dirty="0" smtClean="0">
                 <a:solidFill>
                   <a:schemeClr val="tx1"/>
@@ -6364,7 +6578,7 @@
 </p:notes>
 </file>
 
-<file path=ppt/notesSlides/notesSlide17.xml><?xml version="1.0" encoding="utf-8"?>
+<file path=ppt/notesSlides/notesSlide18.xml><?xml version="1.0" encoding="utf-8"?>
 <p:notes xmlns:a="http://schemas.openxmlformats.org/drawingml/2006/main" xmlns:r="http://schemas.openxmlformats.org/officeDocument/2006/relationships" xmlns:p="http://schemas.openxmlformats.org/presentationml/2006/main">
   <p:cSld>
     <p:spTree>
@@ -8073,18 +8287,7 @@
                 <a:ea typeface="+mn-ea"/>
                 <a:cs typeface="+mn-cs"/>
               </a:rPr>
-              <a:t>is a glass platter. The images speak for themselves. The scale is in microns</a:t>
-            </a:r>
-            <a:r>
-              <a:rPr lang="en-US" altLang="zh-CN" sz="1200" b="0" i="0" kern="1200" dirty="0" smtClean="0">
-                <a:solidFill>
-                  <a:schemeClr val="tx1"/>
-                </a:solidFill>
-                <a:latin typeface="+mn-lt"/>
-                <a:ea typeface="+mn-ea"/>
-                <a:cs typeface="+mn-cs"/>
-              </a:rPr>
-              <a:t>..</a:t>
+              <a:t>is a glass platter. The images speak for themselves. The scale is in microns..</a:t>
             </a:r>
           </a:p>
           <a:p>
@@ -8947,7 +9150,7 @@
             <a:fld id="{530820CF-B880-4189-942D-D702A7CBA730}" type="datetimeFigureOut">
               <a:rPr lang="zh-CN" altLang="en-US" smtClean="0"/>
               <a:pPr/>
-              <a:t>2017-05-08</a:t>
+              <a:t>2017-05-09</a:t>
             </a:fld>
             <a:endParaRPr lang="zh-CN" altLang="en-US"/>
           </a:p>
@@ -9114,7 +9317,7 @@
             <a:fld id="{530820CF-B880-4189-942D-D702A7CBA730}" type="datetimeFigureOut">
               <a:rPr lang="zh-CN" altLang="en-US" smtClean="0"/>
               <a:pPr/>
-              <a:t>2017-05-08</a:t>
+              <a:t>2017-05-09</a:t>
             </a:fld>
             <a:endParaRPr lang="zh-CN" altLang="en-US"/>
           </a:p>
@@ -9291,7 +9494,7 @@
             <a:fld id="{530820CF-B880-4189-942D-D702A7CBA730}" type="datetimeFigureOut">
               <a:rPr lang="zh-CN" altLang="en-US" smtClean="0"/>
               <a:pPr/>
-              <a:t>2017-05-08</a:t>
+              <a:t>2017-05-09</a:t>
             </a:fld>
             <a:endParaRPr lang="zh-CN" altLang="en-US"/>
           </a:p>
@@ -9458,7 +9661,7 @@
             <a:fld id="{530820CF-B880-4189-942D-D702A7CBA730}" type="datetimeFigureOut">
               <a:rPr lang="zh-CN" altLang="en-US" smtClean="0"/>
               <a:pPr/>
-              <a:t>2017-05-08</a:t>
+              <a:t>2017-05-09</a:t>
             </a:fld>
             <a:endParaRPr lang="zh-CN" altLang="en-US"/>
           </a:p>
@@ -9701,7 +9904,7 @@
             <a:fld id="{530820CF-B880-4189-942D-D702A7CBA730}" type="datetimeFigureOut">
               <a:rPr lang="zh-CN" altLang="en-US" smtClean="0"/>
               <a:pPr/>
-              <a:t>2017-05-08</a:t>
+              <a:t>2017-05-09</a:t>
             </a:fld>
             <a:endParaRPr lang="zh-CN" altLang="en-US"/>
           </a:p>
@@ -9986,7 +10189,7 @@
             <a:fld id="{530820CF-B880-4189-942D-D702A7CBA730}" type="datetimeFigureOut">
               <a:rPr lang="zh-CN" altLang="en-US" smtClean="0"/>
               <a:pPr/>
-              <a:t>2017-05-08</a:t>
+              <a:t>2017-05-09</a:t>
             </a:fld>
             <a:endParaRPr lang="zh-CN" altLang="en-US"/>
           </a:p>
@@ -10405,7 +10608,7 @@
             <a:fld id="{530820CF-B880-4189-942D-D702A7CBA730}" type="datetimeFigureOut">
               <a:rPr lang="zh-CN" altLang="en-US" smtClean="0"/>
               <a:pPr/>
-              <a:t>2017-05-08</a:t>
+              <a:t>2017-05-09</a:t>
             </a:fld>
             <a:endParaRPr lang="zh-CN" altLang="en-US"/>
           </a:p>
@@ -10520,7 +10723,7 @@
             <a:fld id="{530820CF-B880-4189-942D-D702A7CBA730}" type="datetimeFigureOut">
               <a:rPr lang="zh-CN" altLang="en-US" smtClean="0"/>
               <a:pPr/>
-              <a:t>2017-05-08</a:t>
+              <a:t>2017-05-09</a:t>
             </a:fld>
             <a:endParaRPr lang="zh-CN" altLang="en-US"/>
           </a:p>
@@ -10612,7 +10815,7 @@
             <a:fld id="{530820CF-B880-4189-942D-D702A7CBA730}" type="datetimeFigureOut">
               <a:rPr lang="zh-CN" altLang="en-US" smtClean="0"/>
               <a:pPr/>
-              <a:t>2017-05-08</a:t>
+              <a:t>2017-05-09</a:t>
             </a:fld>
             <a:endParaRPr lang="zh-CN" altLang="en-US"/>
           </a:p>
@@ -10886,7 +11089,7 @@
             <a:fld id="{530820CF-B880-4189-942D-D702A7CBA730}" type="datetimeFigureOut">
               <a:rPr lang="zh-CN" altLang="en-US" smtClean="0"/>
               <a:pPr/>
-              <a:t>2017-05-08</a:t>
+              <a:t>2017-05-09</a:t>
             </a:fld>
             <a:endParaRPr lang="zh-CN" altLang="en-US"/>
           </a:p>
@@ -11136,7 +11339,7 @@
             <a:fld id="{530820CF-B880-4189-942D-D702A7CBA730}" type="datetimeFigureOut">
               <a:rPr lang="zh-CN" altLang="en-US" smtClean="0"/>
               <a:pPr/>
-              <a:t>2017-05-08</a:t>
+              <a:t>2017-05-09</a:t>
             </a:fld>
             <a:endParaRPr lang="zh-CN" altLang="en-US"/>
           </a:p>
@@ -11346,7 +11549,7 @@
             <a:fld id="{530820CF-B880-4189-942D-D702A7CBA730}" type="datetimeFigureOut">
               <a:rPr lang="zh-CN" altLang="en-US" smtClean="0"/>
               <a:pPr/>
-              <a:t>2017-05-08</a:t>
+              <a:t>2017-05-09</a:t>
             </a:fld>
             <a:endParaRPr lang="zh-CN" altLang="en-US"/>
           </a:p>
@@ -13596,7 +13799,11 @@
             </a:r>
             <a:r>
               <a:rPr lang="en-US" altLang="zh-CN" sz="2400" u="sng" dirty="0" smtClean="0"/>
-              <a:t>(blocked by “file page”)</a:t>
+              <a:t>(blocked by “file </a:t>
+            </a:r>
+            <a:r>
+              <a:rPr lang="en-US" altLang="zh-CN" sz="2400" u="sng" dirty="0" smtClean="0"/>
+              <a:t>block”)</a:t>
             </a:r>
             <a:endParaRPr lang="en-US" altLang="zh-CN" u="sng" dirty="0" smtClean="0"/>
           </a:p>
@@ -14563,8 +14770,13 @@
           <a:p>
             <a:r>
               <a:rPr lang="en-US" altLang="zh-CN" dirty="0" smtClean="0"/>
-              <a:t>Data path on x86</a:t>
-            </a:r>
+              <a:t>Data path on </a:t>
+            </a:r>
+            <a:r>
+              <a:rPr lang="en-US" altLang="zh-CN" dirty="0" smtClean="0"/>
+              <a:t>x86 architecture</a:t>
+            </a:r>
+            <a:endParaRPr lang="en-US" altLang="zh-CN" dirty="0" smtClean="0"/>
           </a:p>
           <a:p>
             <a:r>
@@ -14575,13 +14787,26 @@
           <a:p>
             <a:r>
               <a:rPr lang="en-US" altLang="zh-CN" dirty="0" smtClean="0"/>
-              <a:t>How does disk works</a:t>
-            </a:r>
-          </a:p>
-          <a:p>
+              <a:t>How does disk </a:t>
+            </a:r>
             <a:r>
               <a:rPr lang="en-US" altLang="zh-CN" dirty="0" smtClean="0"/>
-              <a:t>Data structures in action</a:t>
+              <a:t>work</a:t>
+            </a:r>
+            <a:endParaRPr lang="en-US" altLang="zh-CN" dirty="0" smtClean="0"/>
+          </a:p>
+          <a:p>
+            <a:r>
+              <a:rPr lang="en-US" altLang="zh-CN" dirty="0" smtClean="0"/>
+              <a:t>Data </a:t>
+            </a:r>
+            <a:r>
+              <a:rPr lang="en-US" altLang="zh-CN" dirty="0" smtClean="0"/>
+              <a:t>models in </a:t>
+            </a:r>
+            <a:r>
+              <a:rPr lang="en-US" altLang="zh-CN" dirty="0" smtClean="0"/>
+              <a:t>action</a:t>
             </a:r>
             <a:endParaRPr lang="zh-CN" altLang="en-US" dirty="0"/>
           </a:p>
@@ -21139,13 +21364,8 @@
             <a:pPr lvl="1"/>
             <a:r>
               <a:rPr lang="en-US" altLang="zh-CN" dirty="0" smtClean="0"/>
-              <a:t>Seek </a:t>
-            </a:r>
-            <a:r>
-              <a:rPr lang="en-US" altLang="zh-CN" dirty="0" smtClean="0"/>
-              <a:t>time(0.2-0.8ms)</a:t>
-            </a:r>
-            <a:endParaRPr lang="en-US" altLang="zh-CN" dirty="0" smtClean="0"/>
+              <a:t>Seek time(0.2-0.8ms)</a:t>
+            </a:r>
           </a:p>
           <a:p>
             <a:pPr lvl="1"/>
@@ -21182,7 +21402,6 @@
               <a:rPr lang="en-US" altLang="zh-CN" dirty="0" smtClean="0"/>
               <a:t>)</a:t>
             </a:r>
-            <a:endParaRPr lang="en-US" altLang="zh-CN" dirty="0" smtClean="0"/>
           </a:p>
           <a:p>
             <a:pPr lvl="1"/>
@@ -21624,9 +21843,14 @@
           <a:p>
             <a:pPr lvl="1"/>
             <a:r>
+              <a:rPr lang="en-US" altLang="zh-CN" sz="1800" dirty="0"/>
+              <a:t>c</a:t>
+            </a:r>
+            <a:r>
               <a:rPr lang="en-US" altLang="zh-CN" sz="1800" dirty="0" smtClean="0"/>
-              <a:t>Buffer</a:t>
-            </a:r>
+              <a:t>ache/buffer</a:t>
+            </a:r>
+            <a:endParaRPr lang="en-US" altLang="zh-CN" sz="1800" dirty="0" smtClean="0"/>
           </a:p>
           <a:p>
             <a:pPr lvl="1"/>
@@ -24064,18 +24288,26 @@
             <a:pPr lvl="1"/>
             <a:r>
               <a:rPr lang="en-US" altLang="zh-CN" sz="2400" dirty="0" smtClean="0"/>
-              <a:t>Optimization of read performance on disk.</a:t>
+              <a:t>Optimization </a:t>
+            </a:r>
+            <a:r>
+              <a:rPr lang="en-US" altLang="zh-CN" sz="2400" dirty="0" smtClean="0"/>
+              <a:t>for</a:t>
+            </a:r>
+            <a:r>
+              <a:rPr lang="en-US" altLang="zh-CN" sz="2400" dirty="0" smtClean="0"/>
+              <a:t> </a:t>
+            </a:r>
+            <a:r>
+              <a:rPr lang="en-US" altLang="zh-CN" sz="2400" dirty="0" smtClean="0"/>
+              <a:t>read performance on disk.</a:t>
             </a:r>
           </a:p>
           <a:p>
             <a:pPr lvl="1"/>
             <a:r>
               <a:rPr lang="en-US" altLang="zh-CN" sz="2400" dirty="0"/>
-              <a:t>A</a:t>
-            </a:r>
-            <a:r>
-              <a:rPr lang="en-US" altLang="zh-CN" sz="2400" dirty="0"/>
-              <a:t> </a:t>
+              <a:t>A </a:t>
             </a:r>
             <a:r>
               <a:rPr lang="en-US" altLang="zh-CN" sz="2400" u="sng" dirty="0" smtClean="0">
@@ -24095,11 +24327,7 @@
             </a:r>
             <a:r>
               <a:rPr lang="en-US" altLang="zh-CN" sz="2400" dirty="0"/>
-              <a:t>the </a:t>
-            </a:r>
-            <a:r>
-              <a:rPr lang="en-US" altLang="zh-CN" sz="2400" dirty="0"/>
-              <a:t>L</a:t>
+              <a:t>the L</a:t>
             </a:r>
             <a:r>
               <a:rPr lang="en-US" altLang="zh-CN" sz="2400" dirty="0" smtClean="0"/>
@@ -24150,7 +24378,23 @@
             </a:r>
             <a:r>
               <a:rPr lang="en-US" altLang="zh-CN" sz="2400" dirty="0"/>
-              <a:t>for sequential access, </a:t>
+              <a:t>for </a:t>
+            </a:r>
+            <a:r>
+              <a:rPr lang="en-US" altLang="zh-CN" sz="2400" u="sng" dirty="0">
+                <a:effectLst>
+                  <a:outerShdw blurRad="38100" dist="38100" dir="2700000" algn="tl">
+                    <a:srgbClr val="000000">
+                      <a:alpha val="43137"/>
+                    </a:srgbClr>
+                  </a:outerShdw>
+                </a:effectLst>
+              </a:rPr>
+              <a:t>sequential access</a:t>
+            </a:r>
+            <a:r>
+              <a:rPr lang="en-US" altLang="zh-CN" sz="2400" dirty="0"/>
+              <a:t>, </a:t>
             </a:r>
             <a:r>
               <a:rPr lang="en-US" altLang="zh-CN" sz="2400" dirty="0" smtClean="0"/>
@@ -24166,15 +24410,23 @@
             <a:pPr lvl="1"/>
             <a:r>
               <a:rPr lang="en-US" altLang="zh-CN" sz="2400" dirty="0" smtClean="0"/>
-              <a:t>Default 256 sectors(128KB) on RHEL 6.x and </a:t>
-            </a:r>
-            <a:r>
-              <a:rPr lang="en-US" altLang="zh-CN" sz="2400" dirty="0" err="1" smtClean="0"/>
-              <a:t>CentOS</a:t>
+              <a:t>Default size </a:t>
             </a:r>
             <a:r>
               <a:rPr lang="en-US" altLang="zh-CN" sz="2400" dirty="0" smtClean="0"/>
-              <a:t> 6.x</a:t>
+              <a:t>256 </a:t>
+            </a:r>
+            <a:r>
+              <a:rPr lang="en-US" altLang="zh-CN" sz="2400" dirty="0" smtClean="0"/>
+              <a:t>sectors(128KB, 2</a:t>
+            </a:r>
+            <a:r>
+              <a:rPr lang="en-US" altLang="zh-CN" sz="2400" baseline="30000" dirty="0" smtClean="0"/>
+              <a:t>n</a:t>
+            </a:r>
+            <a:r>
+              <a:rPr lang="en-US" altLang="zh-CN" sz="2400" dirty="0" smtClean="0"/>
+              <a:t> of page size) on Linux</a:t>
             </a:r>
             <a:endParaRPr lang="zh-CN" altLang="en-US" dirty="0"/>
           </a:p>
@@ -24436,7 +24688,6 @@
               <a:rPr lang="en-US" altLang="zh-CN" dirty="0" smtClean="0"/>
               <a:t>locality</a:t>
             </a:r>
-            <a:endParaRPr lang="en-US" altLang="zh-CN" dirty="0" smtClean="0"/>
           </a:p>
           <a:p>
             <a:r>
@@ -28590,18 +28841,18 @@
             <a:pPr lvl="1"/>
             <a:r>
               <a:rPr lang="en-US" altLang="zh-CN" dirty="0" smtClean="0"/>
-              <a:t>IO Performance will be </a:t>
-            </a:r>
+              <a:t>IO Performance will be slow</a:t>
+            </a:r>
+          </a:p>
+          <a:p>
+            <a:pPr lvl="1"/>
             <a:r>
               <a:rPr lang="en-US" altLang="zh-CN" dirty="0" smtClean="0"/>
-              <a:t>slow</a:t>
-            </a:r>
-          </a:p>
-          <a:p>
-            <a:pPr lvl="1"/>
+              <a:t>Defragmentation </a:t>
+            </a:r>
             <a:r>
               <a:rPr lang="en-US" altLang="zh-CN" dirty="0" smtClean="0"/>
-              <a:t>Defragmentation causes </a:t>
+              <a:t>will cause </a:t>
             </a:r>
             <a:r>
               <a:rPr lang="en-US" altLang="zh-CN" b="1" dirty="0"/>
@@ -28615,6 +28866,47 @@
           </a:p>
         </p:txBody>
       </p:sp>
+      <p:pic>
+        <p:nvPicPr>
+          <p:cNvPr id="1026" name="Picture 2" descr="http://my.csdn.net/uploads/201203/29/1333013545_7159.png"/>
+          <p:cNvPicPr>
+            <a:picLocks noChangeAspect="1" noChangeArrowheads="1"/>
+          </p:cNvPicPr>
+          <p:nvPr/>
+        </p:nvPicPr>
+        <p:blipFill>
+          <a:blip r:embed="rId3">
+            <a:extLst>
+              <a:ext uri="{28A0092B-C50C-407E-A947-70E740481C1C}">
+                <a14:useLocalDpi xmlns:a14="http://schemas.microsoft.com/office/drawing/2010/main" val="0"/>
+              </a:ext>
+            </a:extLst>
+          </a:blip>
+          <a:srcRect/>
+          <a:stretch>
+            <a:fillRect/>
+          </a:stretch>
+        </p:blipFill>
+        <p:spPr bwMode="auto">
+          <a:xfrm>
+            <a:off x="7092350" y="3068950"/>
+            <a:ext cx="1860177" cy="2026265"/>
+          </a:xfrm>
+          <a:prstGeom prst="rect">
+            <a:avLst/>
+          </a:prstGeom>
+          <a:noFill/>
+          <a:extLst>
+            <a:ext uri="{909E8E84-426E-40DD-AFC4-6F175D3DCCD1}">
+              <a14:hiddenFill xmlns:a14="http://schemas.microsoft.com/office/drawing/2010/main">
+                <a:solidFill>
+                  <a:srgbClr val="FFFFFF"/>
+                </a:solidFill>
+              </a14:hiddenFill>
+            </a:ext>
+          </a:extLst>
+        </p:spPr>
+      </p:pic>
     </p:spTree>
     <p:extLst>
       <p:ext uri="{BB962C8B-B14F-4D97-AF65-F5344CB8AC3E}">
@@ -28652,6 +28944,47 @@
           <a:chExt cx="0" cy="0"/>
         </a:xfrm>
       </p:grpSpPr>
+      <p:pic>
+        <p:nvPicPr>
+          <p:cNvPr id="2054" name="Picture 6" descr="B tree"/>
+          <p:cNvPicPr>
+            <a:picLocks noChangeAspect="1" noChangeArrowheads="1"/>
+          </p:cNvPicPr>
+          <p:nvPr/>
+        </p:nvPicPr>
+        <p:blipFill>
+          <a:blip r:embed="rId3">
+            <a:extLst>
+              <a:ext uri="{28A0092B-C50C-407E-A947-70E740481C1C}">
+                <a14:useLocalDpi xmlns:a14="http://schemas.microsoft.com/office/drawing/2010/main" val="0"/>
+              </a:ext>
+            </a:extLst>
+          </a:blip>
+          <a:srcRect/>
+          <a:stretch>
+            <a:fillRect/>
+          </a:stretch>
+        </p:blipFill>
+        <p:spPr bwMode="auto">
+          <a:xfrm>
+            <a:off x="63500" y="4707300"/>
+            <a:ext cx="9039225" cy="1962150"/>
+          </a:xfrm>
+          <a:prstGeom prst="rect">
+            <a:avLst/>
+          </a:prstGeom>
+          <a:noFill/>
+          <a:extLst>
+            <a:ext uri="{909E8E84-426E-40DD-AFC4-6F175D3DCCD1}">
+              <a14:hiddenFill xmlns:a14="http://schemas.microsoft.com/office/drawing/2010/main">
+                <a:solidFill>
+                  <a:srgbClr val="FFFFFF"/>
+                </a:solidFill>
+              </a14:hiddenFill>
+            </a:ext>
+          </a:extLst>
+        </p:spPr>
+      </p:pic>
       <p:sp>
         <p:nvSpPr>
           <p:cNvPr id="2" name="标题 1"/>
@@ -28669,7 +29002,7 @@
           <a:p>
             <a:r>
               <a:rPr lang="en-US" altLang="zh-CN" dirty="0" smtClean="0"/>
-              <a:t>B Tree</a:t>
+              <a:t>B-tree</a:t>
             </a:r>
             <a:endParaRPr lang="zh-CN" altLang="en-US" dirty="0"/>
           </a:p>
@@ -28687,10 +29020,466 @@
         </p:nvSpPr>
         <p:spPr/>
         <p:txBody>
-          <a:bodyPr/>
+          <a:bodyPr>
+            <a:normAutofit/>
+          </a:bodyPr>
+          <a:lstStyle/>
+          <a:p>
+            <a:r>
+              <a:rPr lang="en-US" altLang="zh-CN" sz="2400" dirty="0" smtClean="0"/>
+              <a:t>An </a:t>
+            </a:r>
+            <a:r>
+              <a:rPr lang="en-US" altLang="zh-CN" sz="2400" dirty="0"/>
+              <a:t>order </a:t>
+            </a:r>
+            <a:r>
+              <a:rPr lang="en-US" altLang="zh-CN" sz="2400" b="1" i="1" dirty="0"/>
+              <a:t>m</a:t>
+            </a:r>
+            <a:r>
+              <a:rPr lang="en-US" altLang="zh-CN" sz="2400" i="1" dirty="0"/>
+              <a:t> </a:t>
+            </a:r>
+            <a:r>
+              <a:rPr lang="en-US" altLang="zh-CN" sz="2400" dirty="0" smtClean="0"/>
+              <a:t>B-tree</a:t>
+            </a:r>
+            <a:endParaRPr lang="en-US" altLang="zh-CN" sz="2400" i="1" dirty="0"/>
+          </a:p>
+          <a:p>
+            <a:pPr lvl="1"/>
+            <a:r>
+              <a:rPr lang="en-US" altLang="zh-CN" sz="1400" dirty="0"/>
+              <a:t>Every node has at most </a:t>
+            </a:r>
+            <a:r>
+              <a:rPr lang="en-US" altLang="zh-CN" sz="1400" i="1" dirty="0"/>
+              <a:t>m</a:t>
+            </a:r>
+            <a:r>
+              <a:rPr lang="en-US" altLang="zh-CN" sz="1400" dirty="0"/>
+              <a:t> children.</a:t>
+            </a:r>
+          </a:p>
+          <a:p>
+            <a:pPr lvl="1"/>
+            <a:r>
+              <a:rPr lang="en-US" altLang="zh-CN" sz="1400" dirty="0"/>
+              <a:t>Every non-leaf node (except root) has at least ⌈</a:t>
+            </a:r>
+            <a:r>
+              <a:rPr lang="en-US" altLang="zh-CN" sz="1400" i="1" dirty="0"/>
+              <a:t>m</a:t>
+            </a:r>
+            <a:r>
+              <a:rPr lang="en-US" altLang="zh-CN" sz="1400" dirty="0"/>
+              <a:t>/2⌉ children.</a:t>
+            </a:r>
+          </a:p>
+          <a:p>
+            <a:pPr lvl="1"/>
+            <a:r>
+              <a:rPr lang="en-US" altLang="zh-CN" sz="1400" dirty="0"/>
+              <a:t>The root has at least two children if it is not a leaf node.</a:t>
+            </a:r>
+          </a:p>
+          <a:p>
+            <a:pPr lvl="1"/>
+            <a:r>
+              <a:rPr lang="en-US" altLang="zh-CN" sz="1400" dirty="0"/>
+              <a:t>A non-leaf node with </a:t>
+            </a:r>
+            <a:r>
+              <a:rPr lang="en-US" altLang="zh-CN" sz="1400" i="1" dirty="0"/>
+              <a:t>k</a:t>
+            </a:r>
+            <a:r>
+              <a:rPr lang="en-US" altLang="zh-CN" sz="1400" dirty="0"/>
+              <a:t> children contains </a:t>
+            </a:r>
+            <a:r>
+              <a:rPr lang="en-US" altLang="zh-CN" sz="1400" i="1" dirty="0"/>
+              <a:t>k</a:t>
+            </a:r>
+            <a:r>
+              <a:rPr lang="en-US" altLang="zh-CN" sz="1400" dirty="0"/>
+              <a:t>−1 keys.</a:t>
+            </a:r>
+          </a:p>
+          <a:p>
+            <a:pPr lvl="1"/>
+            <a:r>
+              <a:rPr lang="en-US" altLang="zh-CN" sz="1400" dirty="0"/>
+              <a:t>All leaves appear in the same </a:t>
+            </a:r>
+            <a:r>
+              <a:rPr lang="en-US" altLang="zh-CN" sz="1400" dirty="0" smtClean="0"/>
+              <a:t>level.</a:t>
+            </a:r>
+          </a:p>
+          <a:p>
+            <a:r>
+              <a:rPr lang="en-US" altLang="zh-CN" sz="2400" dirty="0" smtClean="0"/>
+              <a:t>Use and advantages</a:t>
+            </a:r>
+            <a:endParaRPr lang="en-US" altLang="zh-CN" sz="1800" dirty="0" smtClean="0"/>
+          </a:p>
+          <a:p>
+            <a:pPr lvl="1"/>
+            <a:r>
+              <a:rPr lang="en-US" altLang="zh-CN" sz="1400" dirty="0" smtClean="0"/>
+              <a:t>O(log </a:t>
+            </a:r>
+            <a:r>
+              <a:rPr lang="en-US" altLang="zh-CN" sz="1400" dirty="0"/>
+              <a:t>n) </a:t>
+            </a:r>
+            <a:r>
+              <a:rPr lang="en-US" altLang="zh-CN" sz="1400" dirty="0" smtClean="0"/>
+              <a:t>in searches</a:t>
+            </a:r>
+            <a:r>
+              <a:rPr lang="en-US" altLang="zh-CN" sz="1400" dirty="0"/>
+              <a:t>, sequential access, insertions, and </a:t>
+            </a:r>
+            <a:r>
+              <a:rPr lang="en-US" altLang="zh-CN" sz="1400" dirty="0" smtClean="0"/>
+              <a:t>deletions</a:t>
+            </a:r>
+          </a:p>
+          <a:p>
+            <a:pPr lvl="1"/>
+            <a:r>
+              <a:rPr lang="en-US" altLang="zh-CN" sz="1400" dirty="0"/>
+              <a:t>Perfect </a:t>
+            </a:r>
+            <a:r>
+              <a:rPr lang="en-US" altLang="zh-CN" sz="1400" dirty="0" smtClean="0"/>
+              <a:t>matched </a:t>
+            </a:r>
+            <a:r>
+              <a:rPr lang="en-US" altLang="zh-CN" sz="1400" dirty="0"/>
+              <a:t>with file system &amp; disk </a:t>
+            </a:r>
+            <a:endParaRPr lang="en-US" altLang="zh-CN" sz="1400" dirty="0" smtClean="0"/>
+          </a:p>
+          <a:p>
+            <a:pPr lvl="1"/>
+            <a:r>
+              <a:rPr lang="en-US" altLang="zh-CN" sz="1400" dirty="0" smtClean="0"/>
+              <a:t>Each node maps to a page(4KB), full load by </a:t>
+            </a:r>
+            <a:r>
+              <a:rPr lang="en-US" altLang="zh-CN" sz="1400" dirty="0" err="1" smtClean="0"/>
+              <a:t>readahead</a:t>
+            </a:r>
+            <a:endParaRPr lang="en-US" altLang="zh-CN" sz="1400" dirty="0" smtClean="0"/>
+          </a:p>
+          <a:p>
+            <a:pPr lvl="1"/>
+            <a:r>
+              <a:rPr lang="en-US" altLang="zh-CN" sz="1400" dirty="0" smtClean="0"/>
+              <a:t>Used for file system and database</a:t>
+            </a:r>
+          </a:p>
+          <a:p>
+            <a:pPr lvl="1"/>
+            <a:endParaRPr lang="zh-CN" altLang="en-US" sz="1400" dirty="0"/>
+          </a:p>
+        </p:txBody>
+      </p:sp>
+      <p:sp>
+        <p:nvSpPr>
+          <p:cNvPr id="4" name="AutoShape 2" descr="http://files.cnblogs.com/yangecnu/btreebuild.gif"/>
+          <p:cNvSpPr>
+            <a:spLocks noChangeAspect="1" noChangeArrowheads="1"/>
+          </p:cNvSpPr>
+          <p:nvPr/>
+        </p:nvSpPr>
+        <p:spPr bwMode="auto">
+          <a:xfrm>
+            <a:off x="63500" y="-136525"/>
+            <a:ext cx="304800" cy="304800"/>
+          </a:xfrm>
+          <a:prstGeom prst="rect">
+            <a:avLst/>
+          </a:prstGeom>
+          <a:noFill/>
+          <a:extLst>
+            <a:ext uri="{909E8E84-426E-40DD-AFC4-6F175D3DCCD1}">
+              <a14:hiddenFill xmlns:a14="http://schemas.microsoft.com/office/drawing/2010/main">
+                <a:solidFill>
+                  <a:srgbClr val="FFFFFF"/>
+                </a:solidFill>
+              </a14:hiddenFill>
+            </a:ext>
+          </a:extLst>
+        </p:spPr>
+        <p:txBody>
+          <a:bodyPr vert="horz" wrap="square" lIns="91440" tIns="45720" rIns="91440" bIns="45720" numCol="1" anchor="t" anchorCtr="0" compatLnSpc="1">
+            <a:prstTxWarp prst="textNoShape">
+              <a:avLst/>
+            </a:prstTxWarp>
+          </a:bodyPr>
           <a:lstStyle/>
           <a:p>
             <a:endParaRPr lang="zh-CN" altLang="en-US"/>
+          </a:p>
+        </p:txBody>
+      </p:sp>
+      <p:sp>
+        <p:nvSpPr>
+          <p:cNvPr id="6" name="矩形 5"/>
+          <p:cNvSpPr/>
+          <p:nvPr/>
+        </p:nvSpPr>
+        <p:spPr>
+          <a:xfrm>
+            <a:off x="6036246" y="1700760"/>
+            <a:ext cx="2856354" cy="2908950"/>
+          </a:xfrm>
+          <a:prstGeom prst="rect">
+            <a:avLst/>
+          </a:prstGeom>
+        </p:spPr>
+        <p:style>
+          <a:lnRef idx="1">
+            <a:schemeClr val="accent1"/>
+          </a:lnRef>
+          <a:fillRef idx="3">
+            <a:schemeClr val="accent1"/>
+          </a:fillRef>
+          <a:effectRef idx="2">
+            <a:schemeClr val="accent1"/>
+          </a:effectRef>
+          <a:fontRef idx="minor">
+            <a:schemeClr val="lt1"/>
+          </a:fontRef>
+        </p:style>
+        <p:txBody>
+          <a:bodyPr rtlCol="0" anchor="ctr"/>
+          <a:lstStyle/>
+          <a:p>
+            <a:r>
+              <a:rPr lang="en-US" altLang="zh-CN" dirty="0" smtClean="0"/>
+              <a:t>An </a:t>
+            </a:r>
+            <a:r>
+              <a:rPr lang="en-US" altLang="zh-CN" dirty="0"/>
+              <a:t>order </a:t>
+            </a:r>
+            <a:r>
+              <a:rPr lang="en-US" altLang="zh-CN" b="1" i="1" dirty="0">
+                <a:solidFill>
+                  <a:srgbClr val="FFFF00"/>
+                </a:solidFill>
+              </a:rPr>
+              <a:t>m</a:t>
+            </a:r>
+            <a:r>
+              <a:rPr lang="en-US" altLang="zh-CN" dirty="0"/>
+              <a:t> </a:t>
+            </a:r>
+            <a:r>
+              <a:rPr lang="en-US" altLang="zh-CN" dirty="0" smtClean="0"/>
+              <a:t>B-tree having </a:t>
+            </a:r>
+            <a:r>
+              <a:rPr lang="en-US" altLang="zh-CN" b="1" i="1" dirty="0" smtClean="0">
+                <a:solidFill>
+                  <a:srgbClr val="FFC000"/>
+                </a:solidFill>
+              </a:rPr>
+              <a:t>N</a:t>
+            </a:r>
+            <a:r>
+              <a:rPr lang="en-US" altLang="zh-CN" b="1" i="1" dirty="0" smtClean="0"/>
+              <a:t> </a:t>
+            </a:r>
+            <a:r>
+              <a:rPr lang="en-US" altLang="zh-CN" dirty="0" smtClean="0"/>
+              <a:t>data:</a:t>
+            </a:r>
+            <a:endParaRPr lang="en-US" altLang="zh-CN" dirty="0"/>
+          </a:p>
+          <a:p>
+            <a:pPr marL="285750" indent="-285750">
+              <a:buFont typeface="Arial" panose="020B0604020202020204" pitchFamily="34" charset="0"/>
+              <a:buChar char="•"/>
+            </a:pPr>
+            <a:r>
+              <a:rPr lang="en-US" altLang="zh-CN" sz="1400" dirty="0"/>
+              <a:t>Each </a:t>
+            </a:r>
+            <a:r>
+              <a:rPr lang="en-US" altLang="zh-CN" sz="1400" dirty="0" smtClean="0"/>
+              <a:t>non-leaf </a:t>
+            </a:r>
+            <a:r>
+              <a:rPr lang="en-US" altLang="zh-CN" sz="1400" dirty="0"/>
+              <a:t>node has </a:t>
+            </a:r>
+            <a:r>
+              <a:rPr lang="en-US" altLang="zh-CN" sz="1400" dirty="0" smtClean="0"/>
+              <a:t>[</a:t>
+            </a:r>
+            <a:r>
+              <a:rPr lang="en-US" altLang="zh-CN" sz="1400" i="1" dirty="0" smtClean="0"/>
+              <a:t>m/2 , m</a:t>
+            </a:r>
+            <a:r>
+              <a:rPr lang="en-US" altLang="zh-CN" sz="1400" dirty="0" smtClean="0"/>
+              <a:t>] children</a:t>
+            </a:r>
+          </a:p>
+          <a:p>
+            <a:pPr marL="285750" indent="-285750">
+              <a:buFont typeface="Arial" panose="020B0604020202020204" pitchFamily="34" charset="0"/>
+              <a:buChar char="•"/>
+            </a:pPr>
+            <a:r>
+              <a:rPr lang="en-US" altLang="zh-CN" sz="1400" dirty="0" smtClean="0"/>
+              <a:t>The height is (</a:t>
+            </a:r>
+            <a:r>
+              <a:rPr lang="en-US" altLang="zh-CN" sz="1400" i="1" dirty="0" smtClean="0"/>
+              <a:t>log</a:t>
+            </a:r>
+            <a:r>
+              <a:rPr lang="en-US" altLang="zh-CN" sz="1400" i="1" baseline="-25000" dirty="0" smtClean="0"/>
+              <a:t>m-1</a:t>
+            </a:r>
+            <a:r>
+              <a:rPr lang="en-US" altLang="zh-CN" sz="1400" i="1" dirty="0" smtClean="0"/>
+              <a:t>N,</a:t>
+            </a:r>
+            <a:r>
+              <a:rPr lang="en-US" altLang="zh-CN" sz="1400" dirty="0" smtClean="0"/>
+              <a:t> </a:t>
+            </a:r>
+            <a:r>
+              <a:rPr lang="en-US" altLang="zh-CN" sz="1400" i="1" dirty="0" err="1" smtClean="0"/>
+              <a:t>log</a:t>
+            </a:r>
+            <a:r>
+              <a:rPr lang="en-US" altLang="zh-CN" sz="1400" i="1" baseline="-25000" dirty="0" err="1" smtClean="0"/>
+              <a:t>m</a:t>
+            </a:r>
+            <a:r>
+              <a:rPr lang="en-US" altLang="zh-CN" sz="1400" i="1" baseline="-25000" dirty="0" smtClean="0"/>
+              <a:t>/2</a:t>
+            </a:r>
+            <a:r>
+              <a:rPr lang="en-US" altLang="zh-CN" sz="1400" i="1" dirty="0" smtClean="0"/>
+              <a:t>N</a:t>
+            </a:r>
+            <a:r>
+              <a:rPr lang="en-US" altLang="zh-CN" sz="1400" dirty="0" smtClean="0"/>
+              <a:t>)</a:t>
+            </a:r>
+          </a:p>
+          <a:p>
+            <a:pPr marL="285750" indent="-285750">
+              <a:buFont typeface="Arial" panose="020B0604020202020204" pitchFamily="34" charset="0"/>
+              <a:buChar char="•"/>
+            </a:pPr>
+            <a:r>
+              <a:rPr lang="en-US" altLang="zh-CN" sz="1400" dirty="0" smtClean="0"/>
+              <a:t>If </a:t>
+            </a:r>
+            <a:r>
+              <a:rPr lang="en-US" altLang="zh-CN" sz="1400" b="1" i="1" dirty="0" smtClean="0">
+                <a:solidFill>
+                  <a:srgbClr val="FFC000"/>
+                </a:solidFill>
+              </a:rPr>
+              <a:t>N</a:t>
+            </a:r>
+            <a:r>
+              <a:rPr lang="en-US" altLang="zh-CN" sz="1400" b="1" i="1" dirty="0" smtClean="0"/>
+              <a:t> </a:t>
+            </a:r>
+            <a:r>
+              <a:rPr lang="en-US" altLang="zh-CN" sz="1400" dirty="0" smtClean="0"/>
+              <a:t>= 62*1000000000, </a:t>
+            </a:r>
+            <a:r>
+              <a:rPr lang="en-US" altLang="zh-CN" sz="1400" b="1" i="1" dirty="0" smtClean="0">
+                <a:solidFill>
+                  <a:srgbClr val="FFFF00"/>
+                </a:solidFill>
+              </a:rPr>
+              <a:t>m</a:t>
+            </a:r>
+            <a:r>
+              <a:rPr lang="en-US" altLang="zh-CN" sz="1400" dirty="0" smtClean="0"/>
+              <a:t>=1024</a:t>
+            </a:r>
+          </a:p>
+          <a:p>
+            <a:pPr marL="285750" indent="-285750">
+              <a:buFont typeface="Arial" panose="020B0604020202020204" pitchFamily="34" charset="0"/>
+              <a:buChar char="•"/>
+            </a:pPr>
+            <a:r>
+              <a:rPr lang="en-US" altLang="zh-CN" sz="1400" dirty="0" smtClean="0"/>
+              <a:t>then, </a:t>
+            </a:r>
+            <a:r>
+              <a:rPr lang="en-US" altLang="zh-CN" sz="1400" i="1" dirty="0" err="1" smtClean="0"/>
+              <a:t>log</a:t>
+            </a:r>
+            <a:r>
+              <a:rPr lang="en-US" altLang="zh-CN" sz="1400" i="1" baseline="-25000" dirty="0" err="1"/>
+              <a:t>m</a:t>
+            </a:r>
+            <a:r>
+              <a:rPr lang="en-US" altLang="zh-CN" sz="1400" i="1" baseline="-25000" dirty="0" smtClean="0"/>
+              <a:t>/2</a:t>
+            </a:r>
+            <a:r>
+              <a:rPr lang="en-US" altLang="zh-CN" sz="1400" i="1" dirty="0" smtClean="0"/>
+              <a:t>N</a:t>
+            </a:r>
+            <a:r>
+              <a:rPr lang="en-US" altLang="zh-CN" sz="1400" dirty="0" smtClean="0"/>
+              <a:t> &lt;= 4</a:t>
+            </a:r>
+          </a:p>
+          <a:p>
+            <a:r>
+              <a:rPr lang="en-US" altLang="zh-CN" sz="1400" dirty="0" smtClean="0"/>
+              <a:t>That means, we just need </a:t>
+            </a:r>
+            <a:r>
+              <a:rPr lang="en-US" altLang="zh-CN" sz="1400" b="1" dirty="0" smtClean="0">
+                <a:solidFill>
+                  <a:srgbClr val="FF0000"/>
+                </a:solidFill>
+                <a:effectLst>
+                  <a:outerShdw blurRad="38100" dist="38100" dir="2700000" algn="tl">
+                    <a:srgbClr val="000000">
+                      <a:alpha val="43137"/>
+                    </a:srgbClr>
+                  </a:outerShdw>
+                </a:effectLst>
+              </a:rPr>
+              <a:t>≤4</a:t>
+            </a:r>
+            <a:r>
+              <a:rPr lang="en-US" altLang="zh-CN" sz="1400" dirty="0" smtClean="0"/>
+              <a:t> reads for </a:t>
+            </a:r>
+            <a:r>
+              <a:rPr lang="en-US" altLang="zh-CN" sz="1400" dirty="0"/>
+              <a:t>each operation(search, insert, delete</a:t>
+            </a:r>
+            <a:r>
+              <a:rPr lang="en-US" altLang="zh-CN" sz="1400" dirty="0" smtClean="0"/>
+              <a:t>) in 62 billion records.</a:t>
+            </a:r>
+            <a:endParaRPr lang="en-US" altLang="zh-CN" sz="1400" dirty="0"/>
           </a:p>
         </p:txBody>
       </p:sp>
@@ -28748,7 +29537,11 @@
           <a:p>
             <a:r>
               <a:rPr lang="en-US" altLang="zh-CN" dirty="0" smtClean="0"/>
-              <a:t>B+ Tree</a:t>
+              <a:t>B+ </a:t>
+            </a:r>
+            <a:r>
+              <a:rPr lang="en-US" altLang="zh-CN" dirty="0" smtClean="0"/>
+              <a:t>tree</a:t>
             </a:r>
             <a:endParaRPr lang="zh-CN" altLang="en-US" dirty="0"/>
           </a:p>
@@ -28766,13 +29559,144 @@
         </p:nvSpPr>
         <p:spPr/>
         <p:txBody>
-          <a:bodyPr/>
-          <a:lstStyle/>
-          <a:p>
-            <a:endParaRPr lang="zh-CN" altLang="en-US"/>
-          </a:p>
-        </p:txBody>
-      </p:sp>
+          <a:bodyPr>
+            <a:normAutofit/>
+          </a:bodyPr>
+          <a:lstStyle/>
+          <a:p>
+            <a:r>
+              <a:rPr lang="en-US" altLang="zh-CN" sz="2400" dirty="0" smtClean="0"/>
+              <a:t>Compare with B-tree</a:t>
+            </a:r>
+          </a:p>
+          <a:p>
+            <a:pPr lvl="1"/>
+            <a:r>
+              <a:rPr lang="en-US" altLang="zh-CN" sz="1400" dirty="0"/>
+              <a:t>each node contains only </a:t>
+            </a:r>
+            <a:r>
+              <a:rPr lang="en-US" altLang="zh-CN" sz="1400" dirty="0" smtClean="0"/>
+              <a:t>keys</a:t>
+            </a:r>
+            <a:r>
+              <a:rPr lang="en-US" altLang="zh-CN" sz="1400" dirty="0"/>
+              <a:t>  (not key–value pairs</a:t>
+            </a:r>
+            <a:r>
+              <a:rPr lang="en-US" altLang="zh-CN" sz="1400" dirty="0" smtClean="0"/>
+              <a:t>)</a:t>
+            </a:r>
+          </a:p>
+          <a:p>
+            <a:pPr lvl="1"/>
+            <a:r>
+              <a:rPr lang="en-US" altLang="zh-CN" sz="1400" dirty="0"/>
+              <a:t>an additional level is added at the bottom with linked </a:t>
+            </a:r>
+            <a:r>
+              <a:rPr lang="en-US" altLang="zh-CN" sz="1400" dirty="0" smtClean="0"/>
+              <a:t>leaves</a:t>
+            </a:r>
+          </a:p>
+          <a:p>
+            <a:r>
+              <a:rPr lang="en-US" altLang="zh-CN" sz="2400" dirty="0" smtClean="0"/>
+              <a:t>Use and advantages</a:t>
+            </a:r>
+          </a:p>
+          <a:p>
+            <a:pPr lvl="1"/>
+            <a:r>
+              <a:rPr lang="en-US" altLang="zh-CN" sz="1400" dirty="0" smtClean="0"/>
+              <a:t>More efficient for range queries</a:t>
+            </a:r>
+          </a:p>
+          <a:p>
+            <a:pPr lvl="1"/>
+            <a:r>
+              <a:rPr lang="en-US" altLang="zh-CN" sz="1400" dirty="0" smtClean="0"/>
+              <a:t>Very </a:t>
+            </a:r>
+            <a:r>
+              <a:rPr lang="en-US" altLang="zh-CN" sz="1400" dirty="0"/>
+              <a:t>high </a:t>
+            </a:r>
+            <a:r>
+              <a:rPr lang="en-US" altLang="zh-CN" sz="1400" dirty="0" err="1" smtClean="0"/>
+              <a:t>fanout</a:t>
+            </a:r>
+            <a:r>
+              <a:rPr lang="en-US" altLang="zh-CN" sz="1400" dirty="0" smtClean="0"/>
+              <a:t>(</a:t>
+            </a:r>
+            <a:r>
+              <a:rPr lang="en-US" altLang="zh-CN" sz="1400" dirty="0"/>
+              <a:t>typically on the order of 100 or more</a:t>
+            </a:r>
+            <a:r>
+              <a:rPr lang="en-US" altLang="zh-CN" sz="1400" dirty="0" smtClean="0"/>
+              <a:t>)</a:t>
+            </a:r>
+          </a:p>
+          <a:p>
+            <a:pPr lvl="1"/>
+            <a:r>
+              <a:rPr lang="en-US" altLang="zh-CN" sz="1400" dirty="0" smtClean="0"/>
+              <a:t>Each node contains more keys(only leaf nodes contain data)</a:t>
+            </a:r>
+          </a:p>
+          <a:p>
+            <a:pPr lvl="1"/>
+            <a:r>
+              <a:rPr lang="en-US" altLang="zh-CN" sz="1400" dirty="0" smtClean="0"/>
+              <a:t>More index info can load into memory and cache</a:t>
+            </a:r>
+            <a:endParaRPr lang="zh-CN" altLang="en-US" sz="1400" dirty="0"/>
+          </a:p>
+        </p:txBody>
+      </p:sp>
+      <p:pic>
+        <p:nvPicPr>
+          <p:cNvPr id="3074" name="Picture 2" descr="B Plus tree"/>
+          <p:cNvPicPr>
+            <a:picLocks noChangeAspect="1" noChangeArrowheads="1"/>
+          </p:cNvPicPr>
+          <p:nvPr/>
+        </p:nvPicPr>
+        <p:blipFill>
+          <a:blip r:embed="rId2">
+            <a:extLst>
+              <a:ext uri="{28A0092B-C50C-407E-A947-70E740481C1C}">
+                <a14:useLocalDpi xmlns:a14="http://schemas.microsoft.com/office/drawing/2010/main" val="0"/>
+              </a:ext>
+            </a:extLst>
+          </a:blip>
+          <a:srcRect/>
+          <a:stretch>
+            <a:fillRect/>
+          </a:stretch>
+        </p:blipFill>
+        <p:spPr bwMode="auto">
+          <a:xfrm>
+            <a:off x="75470" y="4576264"/>
+            <a:ext cx="9071650" cy="1871929"/>
+          </a:xfrm>
+          <a:prstGeom prst="rect">
+            <a:avLst/>
+          </a:prstGeom>
+          <a:noFill/>
+          <a:extLst>
+            <a:ext uri="{909E8E84-426E-40DD-AFC4-6F175D3DCCD1}">
+              <a14:hiddenFill xmlns:a14="http://schemas.microsoft.com/office/drawing/2010/main">
+                <a:solidFill>
+                  <a:srgbClr val="FFFFFF"/>
+                </a:solidFill>
+              </a14:hiddenFill>
+            </a:ext>
+          </a:extLst>
+        </p:spPr>
+      </p:pic>
     </p:spTree>
     <p:extLst>
       <p:ext uri="{BB962C8B-B14F-4D97-AF65-F5344CB8AC3E}">
@@ -32273,7 +33197,6 @@
               <a:rPr lang="en-US" altLang="zh-CN" sz="2700" dirty="0" smtClean="0"/>
               <a:t> </a:t>
             </a:r>
-            <a:endParaRPr lang="en-US" altLang="zh-CN" sz="2700" dirty="0" smtClean="0"/>
           </a:p>
           <a:p>
             <a:r>
@@ -32292,7 +33215,6 @@
               <a:rPr lang="en-US" altLang="zh-CN" sz="2700" dirty="0" smtClean="0"/>
               <a:t> </a:t>
             </a:r>
-            <a:endParaRPr lang="en-US" altLang="zh-CN" sz="2700" dirty="0" smtClean="0"/>
           </a:p>
           <a:p>
             <a:r>
@@ -32342,6 +33264,25 @@
                 <a:hlinkClick r:id="rId21"/>
               </a:rPr>
               <a:t>en.wikipedia.org/wiki/Readahead</a:t>
+            </a:r>
+            <a:r>
+              <a:rPr lang="en-US" altLang="zh-CN" sz="2700" dirty="0" smtClean="0"/>
+              <a:t> </a:t>
+            </a:r>
+            <a:endParaRPr lang="en-US" altLang="zh-CN" sz="2700" dirty="0" smtClean="0"/>
+          </a:p>
+          <a:p>
+            <a:r>
+              <a:rPr lang="en-US" altLang="zh-CN" sz="2700" dirty="0">
+                <a:hlinkClick r:id="rId22"/>
+              </a:rPr>
+              <a:t>https://</a:t>
+            </a:r>
+            <a:r>
+              <a:rPr lang="en-US" altLang="zh-CN" sz="2700" dirty="0" smtClean="0">
+                <a:hlinkClick r:id="rId22"/>
+              </a:rPr>
+              <a:t>en.wikipedia.org/wiki/B-tree</a:t>
             </a:r>
             <a:r>
               <a:rPr lang="en-US" altLang="zh-CN" sz="2700" dirty="0" smtClean="0"/>
